--- a/publications/presentation-2020-12-ou-health/cdw-2020-12.pptx
+++ b/publications/presentation-2020-12-ou-health/cdw-2020-12.pptx
@@ -5,7 +5,7 @@
     <p:sldMasterId id="2147483648" r:id="rId1"/>
   </p:sldMasterIdLst>
   <p:notesMasterIdLst>
-    <p:notesMasterId r:id="rId13"/>
+    <p:notesMasterId r:id="rId15"/>
   </p:notesMasterIdLst>
   <p:sldIdLst>
     <p:sldId id="292" r:id="rId2"/>
@@ -15,10 +15,12 @@
     <p:sldId id="385" r:id="rId6"/>
     <p:sldId id="386" r:id="rId7"/>
     <p:sldId id="387" r:id="rId8"/>
-    <p:sldId id="276" r:id="rId9"/>
-    <p:sldId id="340" r:id="rId10"/>
-    <p:sldId id="367" r:id="rId11"/>
-    <p:sldId id="296" r:id="rId12"/>
+    <p:sldId id="389" r:id="rId9"/>
+    <p:sldId id="276" r:id="rId10"/>
+    <p:sldId id="340" r:id="rId11"/>
+    <p:sldId id="388" r:id="rId12"/>
+    <p:sldId id="367" r:id="rId13"/>
+    <p:sldId id="296" r:id="rId14"/>
   </p:sldIdLst>
   <p:sldSz cx="12192000" cy="6858000"/>
   <p:notesSz cx="6858000" cy="9144000"/>
@@ -219,7 +221,7 @@
           <a:p>
             <a:fld id="{074B6824-7023-4228-BB04-DF38B9F7BAD4}" type="datetimeFigureOut">
               <a:rPr lang="en-US" smtClean="0"/>
-              <a:t>12/14/2020</a:t>
+              <a:t>12/15/2020</a:t>
             </a:fld>
             <a:endParaRPr lang="en-US"/>
           </a:p>
@@ -1279,7 +1281,7 @@
           <a:p>
             <a:fld id="{372B4D55-8C27-4C2C-B1CD-E79AEC43B316}" type="slidenum">
               <a:rPr lang="en-US" smtClean="0"/>
-              <a:t>8</a:t>
+              <a:t>9</a:t>
             </a:fld>
             <a:endParaRPr lang="en-US"/>
           </a:p>
@@ -1380,7 +1382,7 @@
           <a:p>
             <a:fld id="{372B4D55-8C27-4C2C-B1CD-E79AEC43B316}" type="slidenum">
               <a:rPr lang="en-US" smtClean="0"/>
-              <a:t>9</a:t>
+              <a:t>10</a:t>
             </a:fld>
             <a:endParaRPr lang="en-US"/>
           </a:p>
@@ -1469,7 +1471,7 @@
                 </a:solidFill>
               </a:rPr>
               <a:pPr/>
-              <a:t>10</a:t>
+              <a:t>12</a:t>
             </a:fld>
             <a:endParaRPr lang="en-US">
               <a:solidFill>
@@ -1623,7 +1625,7 @@
           <a:p>
             <a:fld id="{48D8CAB9-F02B-405D-B26E-A393DAA55285}" type="datetimeFigureOut">
               <a:rPr lang="en-US" smtClean="0"/>
-              <a:t>12/14/2020</a:t>
+              <a:t>12/15/2020</a:t>
             </a:fld>
             <a:endParaRPr lang="en-US"/>
           </a:p>
@@ -1817,7 +1819,7 @@
           <a:p>
             <a:fld id="{48D8CAB9-F02B-405D-B26E-A393DAA55285}" type="datetimeFigureOut">
               <a:rPr lang="en-US" smtClean="0"/>
-              <a:t>12/14/2020</a:t>
+              <a:t>12/15/2020</a:t>
             </a:fld>
             <a:endParaRPr lang="en-US"/>
           </a:p>
@@ -1997,7 +1999,7 @@
           <a:p>
             <a:fld id="{48D8CAB9-F02B-405D-B26E-A393DAA55285}" type="datetimeFigureOut">
               <a:rPr lang="en-US" smtClean="0"/>
-              <a:t>12/14/2020</a:t>
+              <a:t>12/15/2020</a:t>
             </a:fld>
             <a:endParaRPr lang="en-US"/>
           </a:p>
@@ -2167,7 +2169,7 @@
           <a:p>
             <a:fld id="{48D8CAB9-F02B-405D-B26E-A393DAA55285}" type="datetimeFigureOut">
               <a:rPr lang="en-US" smtClean="0"/>
-              <a:t>12/14/2020</a:t>
+              <a:t>12/15/2020</a:t>
             </a:fld>
             <a:endParaRPr lang="en-US"/>
           </a:p>
@@ -2413,7 +2415,7 @@
           <a:p>
             <a:fld id="{48D8CAB9-F02B-405D-B26E-A393DAA55285}" type="datetimeFigureOut">
               <a:rPr lang="en-US" smtClean="0"/>
-              <a:t>12/14/2020</a:t>
+              <a:t>12/15/2020</a:t>
             </a:fld>
             <a:endParaRPr lang="en-US"/>
           </a:p>
@@ -2645,7 +2647,7 @@
           <a:p>
             <a:fld id="{48D8CAB9-F02B-405D-B26E-A393DAA55285}" type="datetimeFigureOut">
               <a:rPr lang="en-US" smtClean="0"/>
-              <a:t>12/14/2020</a:t>
+              <a:t>12/15/2020</a:t>
             </a:fld>
             <a:endParaRPr lang="en-US"/>
           </a:p>
@@ -3012,7 +3014,7 @@
           <a:p>
             <a:fld id="{48D8CAB9-F02B-405D-B26E-A393DAA55285}" type="datetimeFigureOut">
               <a:rPr lang="en-US" smtClean="0"/>
-              <a:t>12/14/2020</a:t>
+              <a:t>12/15/2020</a:t>
             </a:fld>
             <a:endParaRPr lang="en-US"/>
           </a:p>
@@ -3130,7 +3132,7 @@
           <a:p>
             <a:fld id="{48D8CAB9-F02B-405D-B26E-A393DAA55285}" type="datetimeFigureOut">
               <a:rPr lang="en-US" smtClean="0"/>
-              <a:t>12/14/2020</a:t>
+              <a:t>12/15/2020</a:t>
             </a:fld>
             <a:endParaRPr lang="en-US"/>
           </a:p>
@@ -3225,7 +3227,7 @@
           <a:p>
             <a:fld id="{48D8CAB9-F02B-405D-B26E-A393DAA55285}" type="datetimeFigureOut">
               <a:rPr lang="en-US" smtClean="0"/>
-              <a:t>12/14/2020</a:t>
+              <a:t>12/15/2020</a:t>
             </a:fld>
             <a:endParaRPr lang="en-US"/>
           </a:p>
@@ -3502,7 +3504,7 @@
           <a:p>
             <a:fld id="{48D8CAB9-F02B-405D-B26E-A393DAA55285}" type="datetimeFigureOut">
               <a:rPr lang="en-US" smtClean="0"/>
-              <a:t>12/14/2020</a:t>
+              <a:t>12/15/2020</a:t>
             </a:fld>
             <a:endParaRPr lang="en-US"/>
           </a:p>
@@ -3755,7 +3757,7 @@
           <a:p>
             <a:fld id="{48D8CAB9-F02B-405D-B26E-A393DAA55285}" type="datetimeFigureOut">
               <a:rPr lang="en-US" smtClean="0"/>
-              <a:t>12/14/2020</a:t>
+              <a:t>12/15/2020</a:t>
             </a:fld>
             <a:endParaRPr lang="en-US"/>
           </a:p>
@@ -3968,7 +3970,7 @@
           <a:p>
             <a:fld id="{48D8CAB9-F02B-405D-B26E-A393DAA55285}" type="datetimeFigureOut">
               <a:rPr lang="en-US" smtClean="0"/>
-              <a:t>12/14/2020</a:t>
+              <a:t>12/15/2020</a:t>
             </a:fld>
             <a:endParaRPr lang="en-US"/>
           </a:p>
@@ -4475,11 +4477,7 @@
           <a:p>
             <a:r>
               <a:rPr lang="en-US" sz="2200" dirty="0"/>
-              <a:t>Ashley Thumann, </a:t>
-            </a:r>
-            <a:r>
-              <a:rPr lang="en-US" sz="2200" dirty="0"/>
-              <a:t>MHA</a:t>
+              <a:t>Ashley Thumann, MHA</a:t>
             </a:r>
           </a:p>
           <a:p>
@@ -4861,6 +4859,600 @@
       </p:grpSpPr>
       <p:sp>
         <p:nvSpPr>
+          <p:cNvPr id="2" name="Title 1"/>
+          <p:cNvSpPr>
+            <a:spLocks noGrp="1"/>
+          </p:cNvSpPr>
+          <p:nvPr>
+            <p:ph type="title"/>
+          </p:nvPr>
+        </p:nvSpPr>
+        <p:spPr>
+          <a:xfrm>
+            <a:off x="776452" y="19985"/>
+            <a:ext cx="10515600" cy="640416"/>
+          </a:xfrm>
+        </p:spPr>
+        <p:txBody>
+          <a:bodyPr>
+            <a:normAutofit/>
+          </a:bodyPr>
+          <a:lstStyle/>
+          <a:p>
+            <a:r>
+              <a:rPr lang="en-US" sz="3600" b="1" i="1" dirty="0">
+                <a:solidFill>
+                  <a:srgbClr val="0070C0"/>
+                </a:solidFill>
+              </a:rPr>
+              <a:t>IRB and Privacy Review Guidance</a:t>
+            </a:r>
+          </a:p>
+        </p:txBody>
+      </p:sp>
+      <p:sp>
+        <p:nvSpPr>
+          <p:cNvPr id="3" name="Content Placeholder 2"/>
+          <p:cNvSpPr>
+            <a:spLocks noGrp="1"/>
+          </p:cNvSpPr>
+          <p:nvPr>
+            <p:ph idx="1"/>
+          </p:nvPr>
+        </p:nvSpPr>
+        <p:spPr>
+          <a:xfrm>
+            <a:off x="88900" y="660402"/>
+            <a:ext cx="12103099" cy="6197598"/>
+          </a:xfrm>
+        </p:spPr>
+        <p:txBody>
+          <a:bodyPr>
+            <a:noAutofit/>
+          </a:bodyPr>
+          <a:lstStyle/>
+          <a:p>
+            <a:r>
+              <a:rPr lang="en-US" sz="2400" dirty="0" smtClean="0">
+                <a:solidFill>
+                  <a:schemeClr val="bg1">
+                    <a:lumMod val="50000"/>
+                  </a:schemeClr>
+                </a:solidFill>
+              </a:rPr>
+              <a:t>Requests that are preparatory to research </a:t>
+            </a:r>
+            <a:r>
+              <a:rPr lang="en-US" sz="2400" dirty="0">
+                <a:solidFill>
+                  <a:schemeClr val="bg1">
+                    <a:lumMod val="50000"/>
+                  </a:schemeClr>
+                </a:solidFill>
+              </a:rPr>
+              <a:t>must be submitted to the IRB/University Privacy </a:t>
+            </a:r>
+            <a:r>
+              <a:rPr lang="en-US" sz="2400" dirty="0" smtClean="0">
+                <a:solidFill>
+                  <a:schemeClr val="bg1">
+                    <a:lumMod val="50000"/>
+                  </a:schemeClr>
+                </a:solidFill>
+              </a:rPr>
+              <a:t>Board for review and approval.</a:t>
+            </a:r>
+          </a:p>
+          <a:p>
+            <a:endParaRPr lang="en-US" sz="2400" dirty="0" smtClean="0">
+              <a:solidFill>
+                <a:schemeClr val="bg1">
+                  <a:lumMod val="50000"/>
+                </a:schemeClr>
+              </a:solidFill>
+            </a:endParaRPr>
+          </a:p>
+          <a:p>
+            <a:r>
+              <a:rPr lang="en-US" sz="2400" dirty="0" smtClean="0">
+                <a:solidFill>
+                  <a:schemeClr val="bg1">
+                    <a:lumMod val="50000"/>
+                  </a:schemeClr>
+                </a:solidFill>
+              </a:rPr>
+              <a:t>Program Evaluation, CQI, &amp; Feasibility Assessments:</a:t>
+            </a:r>
+          </a:p>
+          <a:p>
+            <a:pPr lvl="1"/>
+            <a:r>
+              <a:rPr lang="en-US" sz="2000" dirty="0" smtClean="0">
+                <a:solidFill>
+                  <a:schemeClr val="bg1">
+                    <a:lumMod val="50000"/>
+                  </a:schemeClr>
+                </a:solidFill>
+              </a:rPr>
+              <a:t>If PHI is </a:t>
+            </a:r>
+            <a:r>
+              <a:rPr lang="en-US" sz="2000" b="1" u="sng" dirty="0" smtClean="0">
+                <a:solidFill>
+                  <a:schemeClr val="bg1">
+                    <a:lumMod val="50000"/>
+                  </a:schemeClr>
+                </a:solidFill>
+              </a:rPr>
+              <a:t>NOT</a:t>
+            </a:r>
+            <a:r>
+              <a:rPr lang="en-US" sz="2000" dirty="0" smtClean="0">
+                <a:solidFill>
+                  <a:schemeClr val="bg1">
+                    <a:lumMod val="50000"/>
+                  </a:schemeClr>
+                </a:solidFill>
+              </a:rPr>
+              <a:t> included, it is generally not considered human subjects research.</a:t>
+            </a:r>
+          </a:p>
+          <a:p>
+            <a:pPr lvl="1"/>
+            <a:r>
+              <a:rPr lang="en-US" sz="2000" dirty="0" smtClean="0">
+                <a:solidFill>
+                  <a:schemeClr val="bg1">
+                    <a:lumMod val="50000"/>
+                  </a:schemeClr>
+                </a:solidFill>
+              </a:rPr>
+              <a:t>A determination of human subjects research (DHSR) may be submitted to the IRB.</a:t>
+            </a:r>
+          </a:p>
+          <a:p>
+            <a:pPr lvl="1"/>
+            <a:r>
+              <a:rPr lang="en-US" sz="2000" dirty="0" smtClean="0">
+                <a:solidFill>
+                  <a:schemeClr val="bg1">
+                    <a:lumMod val="50000"/>
+                  </a:schemeClr>
+                </a:solidFill>
+              </a:rPr>
+              <a:t>Aggregate data may be provided without an IRB submission.</a:t>
+            </a:r>
+          </a:p>
+          <a:p>
+            <a:endParaRPr lang="en-US" sz="2400" dirty="0" smtClean="0">
+              <a:solidFill>
+                <a:schemeClr val="bg1">
+                  <a:lumMod val="50000"/>
+                </a:schemeClr>
+              </a:solidFill>
+            </a:endParaRPr>
+          </a:p>
+          <a:p>
+            <a:r>
+              <a:rPr lang="en-US" sz="2400" dirty="0" smtClean="0">
+                <a:solidFill>
+                  <a:schemeClr val="bg1">
+                    <a:lumMod val="50000"/>
+                  </a:schemeClr>
+                </a:solidFill>
+              </a:rPr>
+              <a:t>The following activities are </a:t>
+            </a:r>
+            <a:r>
+              <a:rPr lang="en-US" sz="2400" b="1" u="sng" dirty="0" smtClean="0">
+                <a:solidFill>
+                  <a:schemeClr val="bg1">
+                    <a:lumMod val="50000"/>
+                  </a:schemeClr>
+                </a:solidFill>
+              </a:rPr>
+              <a:t>NOT</a:t>
+            </a:r>
+            <a:r>
+              <a:rPr lang="en-US" sz="2400" dirty="0" smtClean="0">
+                <a:solidFill>
+                  <a:schemeClr val="bg1">
+                    <a:lumMod val="50000"/>
+                  </a:schemeClr>
+                </a:solidFill>
+              </a:rPr>
+              <a:t> human subjects research:</a:t>
+            </a:r>
+          </a:p>
+          <a:p>
+            <a:pPr lvl="1"/>
+            <a:r>
+              <a:rPr lang="en-US" sz="2000" dirty="0">
+                <a:solidFill>
+                  <a:schemeClr val="bg1">
+                    <a:lumMod val="50000"/>
+                  </a:schemeClr>
+                </a:solidFill>
+              </a:rPr>
+              <a:t>Classroom evaluation activities when assessment involves regular classroom activities and the results of the evaluation process are intended to be used for the sole purpose of enhancing teaching practices of the </a:t>
+            </a:r>
+            <a:r>
+              <a:rPr lang="en-US" sz="2000" dirty="0" smtClean="0">
+                <a:solidFill>
+                  <a:schemeClr val="bg1">
+                    <a:lumMod val="50000"/>
+                  </a:schemeClr>
+                </a:solidFill>
+              </a:rPr>
+              <a:t>instructor</a:t>
+            </a:r>
+            <a:endParaRPr lang="en-US" sz="2000" dirty="0">
+              <a:solidFill>
+                <a:schemeClr val="bg1">
+                  <a:lumMod val="50000"/>
+                </a:schemeClr>
+              </a:solidFill>
+            </a:endParaRPr>
+          </a:p>
+          <a:p>
+            <a:pPr lvl="1"/>
+            <a:r>
+              <a:rPr lang="en-US" sz="2000" dirty="0">
+                <a:solidFill>
+                  <a:schemeClr val="bg1">
+                    <a:lumMod val="50000"/>
+                  </a:schemeClr>
+                </a:solidFill>
+              </a:rPr>
+              <a:t>Quality improvement activities designed to enhance functionality of a department or campus program provided that results are not intended to be shared outside of the </a:t>
+            </a:r>
+            <a:r>
+              <a:rPr lang="en-US" sz="2000" dirty="0" smtClean="0">
+                <a:solidFill>
+                  <a:schemeClr val="bg1">
+                    <a:lumMod val="50000"/>
+                  </a:schemeClr>
+                </a:solidFill>
+              </a:rPr>
+              <a:t>University</a:t>
+            </a:r>
+            <a:endParaRPr lang="en-US" sz="2000" dirty="0">
+              <a:solidFill>
+                <a:schemeClr val="bg1">
+                  <a:lumMod val="50000"/>
+                </a:schemeClr>
+              </a:solidFill>
+            </a:endParaRPr>
+          </a:p>
+          <a:p>
+            <a:pPr lvl="1"/>
+            <a:r>
+              <a:rPr lang="en-US" sz="2000" dirty="0">
+                <a:solidFill>
+                  <a:schemeClr val="bg1">
+                    <a:lumMod val="50000"/>
+                  </a:schemeClr>
+                </a:solidFill>
+              </a:rPr>
+              <a:t>Program </a:t>
+            </a:r>
+            <a:r>
+              <a:rPr lang="en-US" sz="2000" dirty="0" smtClean="0">
+                <a:solidFill>
+                  <a:schemeClr val="bg1">
+                    <a:lumMod val="50000"/>
+                  </a:schemeClr>
+                </a:solidFill>
+              </a:rPr>
+              <a:t>evaluations</a:t>
+            </a:r>
+            <a:endParaRPr lang="en-US" sz="2000" dirty="0">
+              <a:solidFill>
+                <a:schemeClr val="bg1">
+                  <a:lumMod val="50000"/>
+                </a:schemeClr>
+              </a:solidFill>
+            </a:endParaRPr>
+          </a:p>
+          <a:p>
+            <a:pPr lvl="1"/>
+            <a:r>
+              <a:rPr lang="en-US" sz="2000" dirty="0">
+                <a:solidFill>
+                  <a:schemeClr val="bg1">
+                    <a:lumMod val="50000"/>
+                  </a:schemeClr>
+                </a:solidFill>
+              </a:rPr>
+              <a:t>Public health practice surveillance </a:t>
+            </a:r>
+            <a:r>
+              <a:rPr lang="en-US" sz="2000" dirty="0" smtClean="0">
+                <a:solidFill>
+                  <a:schemeClr val="bg1">
+                    <a:lumMod val="50000"/>
+                  </a:schemeClr>
+                </a:solidFill>
+              </a:rPr>
+              <a:t>activities</a:t>
+            </a:r>
+            <a:endParaRPr lang="en-US" sz="2000" dirty="0">
+              <a:solidFill>
+                <a:schemeClr val="bg1">
+                  <a:lumMod val="50000"/>
+                </a:schemeClr>
+              </a:solidFill>
+            </a:endParaRPr>
+          </a:p>
+        </p:txBody>
+      </p:sp>
+    </p:spTree>
+    <p:extLst>
+      <p:ext uri="{BB962C8B-B14F-4D97-AF65-F5344CB8AC3E}">
+        <p14:creationId xmlns:p14="http://schemas.microsoft.com/office/powerpoint/2010/main" val="1045530161"/>
+      </p:ext>
+    </p:extLst>
+  </p:cSld>
+  <p:clrMapOvr>
+    <a:masterClrMapping/>
+  </p:clrMapOvr>
+  <p:timing>
+    <p:tnLst>
+      <p:par>
+        <p:cTn id="1" dur="indefinite" restart="never" nodeType="tmRoot"/>
+      </p:par>
+    </p:tnLst>
+  </p:timing>
+</p:sld>
+</file>
+
+<file path=ppt/slides/slide11.xml><?xml version="1.0" encoding="utf-8"?>
+<p:sld xmlns:a="http://schemas.openxmlformats.org/drawingml/2006/main" xmlns:r="http://schemas.openxmlformats.org/officeDocument/2006/relationships" xmlns:p="http://schemas.openxmlformats.org/presentationml/2006/main">
+  <p:cSld>
+    <p:spTree>
+      <p:nvGrpSpPr>
+        <p:cNvPr id="1" name=""/>
+        <p:cNvGrpSpPr/>
+        <p:nvPr/>
+      </p:nvGrpSpPr>
+      <p:grpSpPr>
+        <a:xfrm>
+          <a:off x="0" y="0"/>
+          <a:ext cx="0" cy="0"/>
+          <a:chOff x="0" y="0"/>
+          <a:chExt cx="0" cy="0"/>
+        </a:xfrm>
+      </p:grpSpPr>
+      <p:sp>
+        <p:nvSpPr>
+          <p:cNvPr id="2" name="Title 1"/>
+          <p:cNvSpPr>
+            <a:spLocks noGrp="1"/>
+          </p:cNvSpPr>
+          <p:nvPr>
+            <p:ph type="title"/>
+          </p:nvPr>
+        </p:nvSpPr>
+        <p:spPr>
+          <a:xfrm>
+            <a:off x="838200" y="365126"/>
+            <a:ext cx="10515600" cy="806214"/>
+          </a:xfrm>
+        </p:spPr>
+        <p:txBody>
+          <a:bodyPr>
+            <a:normAutofit/>
+          </a:bodyPr>
+          <a:lstStyle/>
+          <a:p>
+            <a:r>
+              <a:rPr lang="en-US" sz="3600" b="1" i="1" dirty="0">
+                <a:solidFill>
+                  <a:srgbClr val="0070C0"/>
+                </a:solidFill>
+              </a:rPr>
+              <a:t>CDW Faculty &amp; Staff</a:t>
+            </a:r>
+            <a:endParaRPr lang="en-US" sz="3600" b="1" i="1" dirty="0">
+              <a:solidFill>
+                <a:srgbClr val="0070C0"/>
+              </a:solidFill>
+            </a:endParaRPr>
+          </a:p>
+        </p:txBody>
+      </p:sp>
+      <p:sp>
+        <p:nvSpPr>
+          <p:cNvPr id="3" name="Content Placeholder 2"/>
+          <p:cNvSpPr>
+            <a:spLocks noGrp="1"/>
+          </p:cNvSpPr>
+          <p:nvPr>
+            <p:ph idx="1"/>
+          </p:nvPr>
+        </p:nvSpPr>
+        <p:spPr>
+          <a:xfrm>
+            <a:off x="838200" y="1171340"/>
+            <a:ext cx="10515600" cy="5005623"/>
+          </a:xfrm>
+        </p:spPr>
+        <p:txBody>
+          <a:bodyPr>
+            <a:normAutofit lnSpcReduction="10000"/>
+          </a:bodyPr>
+          <a:lstStyle/>
+          <a:p>
+            <a:r>
+              <a:rPr lang="en-US" sz="2200" b="1" i="1" dirty="0">
+                <a:latin typeface="+mj-lt"/>
+                <a:ea typeface="+mj-ea"/>
+                <a:cs typeface="+mj-cs"/>
+              </a:rPr>
+              <a:t>David Bard, </a:t>
+            </a:r>
+            <a:r>
+              <a:rPr lang="en-US" sz="2200" b="1" i="1" dirty="0" smtClean="0">
+                <a:latin typeface="+mj-lt"/>
+                <a:ea typeface="+mj-ea"/>
+                <a:cs typeface="+mj-cs"/>
+              </a:rPr>
+              <a:t>Ph.D. is the Chief Research Information Officer </a:t>
+            </a:r>
+            <a:endParaRPr lang="en-US" sz="2200" b="1" i="1" dirty="0">
+              <a:latin typeface="+mj-lt"/>
+              <a:ea typeface="+mj-ea"/>
+              <a:cs typeface="+mj-cs"/>
+            </a:endParaRPr>
+          </a:p>
+          <a:p>
+            <a:r>
+              <a:rPr lang="en-US" sz="2200" b="1" i="1" dirty="0">
+                <a:latin typeface="+mj-lt"/>
+                <a:ea typeface="+mj-ea"/>
+                <a:cs typeface="+mj-cs"/>
+              </a:rPr>
+              <a:t>William Beasley, </a:t>
+            </a:r>
+            <a:r>
+              <a:rPr lang="en-US" sz="2200" b="1" i="1" dirty="0" smtClean="0">
+                <a:latin typeface="+mj-lt"/>
+                <a:ea typeface="+mj-ea"/>
+                <a:cs typeface="+mj-cs"/>
+              </a:rPr>
+              <a:t>Ph.D.</a:t>
+            </a:r>
+            <a:endParaRPr lang="en-US" sz="2200" b="1" i="1" dirty="0">
+              <a:latin typeface="+mj-lt"/>
+              <a:ea typeface="+mj-ea"/>
+              <a:cs typeface="+mj-cs"/>
+            </a:endParaRPr>
+          </a:p>
+          <a:p>
+            <a:r>
+              <a:rPr lang="en-US" sz="2200" b="1" i="1" dirty="0">
+                <a:latin typeface="+mj-lt"/>
+                <a:ea typeface="+mj-ea"/>
+                <a:cs typeface="+mj-cs"/>
+              </a:rPr>
+              <a:t>Lise </a:t>
+            </a:r>
+            <a:r>
+              <a:rPr lang="en-US" sz="2200" b="1" i="1" dirty="0" smtClean="0">
+                <a:latin typeface="+mj-lt"/>
+                <a:ea typeface="+mj-ea"/>
+                <a:cs typeface="+mj-cs"/>
+              </a:rPr>
+              <a:t>DeShea, Ph.D. </a:t>
+            </a:r>
+            <a:r>
+              <a:rPr lang="en-US" sz="2100" dirty="0"/>
+              <a:t>is a senior research biostatistician </a:t>
+            </a:r>
+            <a:r>
+              <a:rPr lang="en-US" sz="2100" dirty="0"/>
+              <a:t>who has worked on the OUHSC campus for </a:t>
+            </a:r>
+            <a:r>
+              <a:rPr lang="en-US" sz="2100" dirty="0"/>
+              <a:t>more than 10 </a:t>
+            </a:r>
+            <a:r>
+              <a:rPr lang="en-US" sz="2100" dirty="0"/>
+              <a:t>years, following </a:t>
+            </a:r>
+            <a:r>
+              <a:rPr lang="en-US" sz="2100" dirty="0"/>
+              <a:t>her employment with OHCA as a statistician analyzing claims data in Quality Assurance. </a:t>
+            </a:r>
+            <a:r>
+              <a:rPr lang="en-US" sz="2100" dirty="0"/>
+              <a:t>She has authored 3 </a:t>
+            </a:r>
+            <a:r>
+              <a:rPr lang="en-US" sz="2100" dirty="0"/>
+              <a:t>statistics </a:t>
+            </a:r>
+            <a:r>
+              <a:rPr lang="en-US" sz="2100" dirty="0"/>
+              <a:t>textbooks and has years </a:t>
+            </a:r>
+            <a:r>
+              <a:rPr lang="en-US" sz="2100" dirty="0"/>
+              <a:t>of teaching </a:t>
+            </a:r>
+            <a:r>
+              <a:rPr lang="en-US" sz="2100" dirty="0"/>
+              <a:t>experience. Lise </a:t>
+            </a:r>
+            <a:r>
+              <a:rPr lang="en-US" sz="2100" dirty="0"/>
+              <a:t>helps researchers write presentations and papers, with 2 publications since starting with the CDW in late July.</a:t>
+            </a:r>
+          </a:p>
+          <a:p>
+            <a:r>
+              <a:rPr lang="en-US" sz="2200" b="1" i="1" dirty="0">
+                <a:latin typeface="+mj-lt"/>
+                <a:ea typeface="+mj-ea"/>
+                <a:cs typeface="+mj-cs"/>
+              </a:rPr>
+              <a:t>Geneva Marshall </a:t>
+            </a:r>
+            <a:r>
+              <a:rPr lang="en-US" sz="2100" dirty="0"/>
+              <a:t>joined the Clinical Data Warehouse team after spending 8 years at OUHSC supporting academic research under Drs. Bard and Beasley. She spent the last 5 years supporting the expansion and upkeep of a data pipeline using R and SQL to combine several datasets for the Maternal, Infant, and Early Childhood Home Visiting programs evaluation, as well as working with biostatisticians to create and streamline a common set of procedures and functions in R for performing multiple imputation, elastic net variable selection, analysis, and visualization on these data. She expects to graduate OSU in May with a MS in Business Analytics and an emphasis in Data Science.</a:t>
+            </a:r>
+          </a:p>
+          <a:p>
+            <a:r>
+              <a:rPr lang="en-US" sz="2200" b="1" i="1" dirty="0">
+                <a:latin typeface="+mj-lt"/>
+                <a:ea typeface="+mj-ea"/>
+                <a:cs typeface="+mj-cs"/>
+              </a:rPr>
+              <a:t>Ashley Thumann, MHA</a:t>
+            </a:r>
+            <a:endParaRPr lang="en-US" sz="2200" b="1" i="1" dirty="0">
+              <a:latin typeface="+mj-lt"/>
+              <a:ea typeface="+mj-ea"/>
+              <a:cs typeface="+mj-cs"/>
+            </a:endParaRPr>
+          </a:p>
+        </p:txBody>
+      </p:sp>
+    </p:spTree>
+    <p:extLst>
+      <p:ext uri="{BB962C8B-B14F-4D97-AF65-F5344CB8AC3E}">
+        <p14:creationId xmlns:p14="http://schemas.microsoft.com/office/powerpoint/2010/main" val="172627691"/>
+      </p:ext>
+    </p:extLst>
+  </p:cSld>
+  <p:clrMapOvr>
+    <a:masterClrMapping/>
+  </p:clrMapOvr>
+</p:sld>
+</file>
+
+<file path=ppt/slides/slide12.xml><?xml version="1.0" encoding="utf-8"?>
+<p:sld xmlns:a="http://schemas.openxmlformats.org/drawingml/2006/main" xmlns:r="http://schemas.openxmlformats.org/officeDocument/2006/relationships" xmlns:p="http://schemas.openxmlformats.org/presentationml/2006/main">
+  <p:cSld>
+    <p:spTree>
+      <p:nvGrpSpPr>
+        <p:cNvPr id="1" name=""/>
+        <p:cNvGrpSpPr/>
+        <p:nvPr/>
+      </p:nvGrpSpPr>
+      <p:grpSpPr>
+        <a:xfrm>
+          <a:off x="0" y="0"/>
+          <a:ext cx="0" cy="0"/>
+          <a:chOff x="0" y="0"/>
+          <a:chExt cx="0" cy="0"/>
+        </a:xfrm>
+      </p:grpSpPr>
+      <p:sp>
+        <p:nvSpPr>
           <p:cNvPr id="13" name="Title 12"/>
           <p:cNvSpPr>
             <a:spLocks noGrp="1"/>
@@ -5267,7 +5859,7 @@
 </p:sld>
 </file>
 
-<file path=ppt/slides/slide11.xml><?xml version="1.0" encoding="utf-8"?>
+<file path=ppt/slides/slide13.xml><?xml version="1.0" encoding="utf-8"?>
 <p:sld xmlns:a="http://schemas.openxmlformats.org/drawingml/2006/main" xmlns:r="http://schemas.openxmlformats.org/officeDocument/2006/relationships" xmlns:p="http://schemas.openxmlformats.org/presentationml/2006/main">
   <p:cSld>
     <p:bg>
@@ -6516,21 +7108,21 @@
                 <a:gridCol w="3021582">
                   <a:extLst>
                     <a:ext uri="{9D8B030D-6E8A-4147-A177-3AD203B41FA5}">
-                      <a16:colId xmlns="" xmlns:a16="http://schemas.microsoft.com/office/drawing/2014/main" val="1356431335"/>
+                      <a16:colId xmlns:a16="http://schemas.microsoft.com/office/drawing/2014/main" val="1356431335"/>
                     </a:ext>
                   </a:extLst>
                 </a:gridCol>
                 <a:gridCol w="1175819">
                   <a:extLst>
                     <a:ext uri="{9D8B030D-6E8A-4147-A177-3AD203B41FA5}">
-                      <a16:colId xmlns="" xmlns:a16="http://schemas.microsoft.com/office/drawing/2014/main" val="4074852346"/>
+                      <a16:colId xmlns:a16="http://schemas.microsoft.com/office/drawing/2014/main" val="4074852346"/>
                     </a:ext>
                   </a:extLst>
                 </a:gridCol>
                 <a:gridCol w="1175819">
                   <a:extLst>
                     <a:ext uri="{9D8B030D-6E8A-4147-A177-3AD203B41FA5}">
-                      <a16:colId xmlns="" xmlns:a16="http://schemas.microsoft.com/office/drawing/2014/main" val="715510892"/>
+                      <a16:colId xmlns:a16="http://schemas.microsoft.com/office/drawing/2014/main" val="715510892"/>
                     </a:ext>
                   </a:extLst>
                 </a:gridCol>
@@ -6607,7 +7199,7 @@
                 </a:tc>
                 <a:extLst>
                   <a:ext uri="{0D108BD9-81ED-4DB2-BD59-A6C34878D82A}">
-                    <a16:rowId xmlns="" xmlns:a16="http://schemas.microsoft.com/office/drawing/2014/main" val="1236399335"/>
+                    <a16:rowId xmlns:a16="http://schemas.microsoft.com/office/drawing/2014/main" val="1236399335"/>
                   </a:ext>
                 </a:extLst>
               </a:tr>
@@ -6683,7 +7275,7 @@
                 </a:tc>
                 <a:extLst>
                   <a:ext uri="{0D108BD9-81ED-4DB2-BD59-A6C34878D82A}">
-                    <a16:rowId xmlns="" xmlns:a16="http://schemas.microsoft.com/office/drawing/2014/main" val="3548785687"/>
+                    <a16:rowId xmlns:a16="http://schemas.microsoft.com/office/drawing/2014/main" val="3548785687"/>
                   </a:ext>
                 </a:extLst>
               </a:tr>
@@ -6759,7 +7351,7 @@
                 </a:tc>
                 <a:extLst>
                   <a:ext uri="{0D108BD9-81ED-4DB2-BD59-A6C34878D82A}">
-                    <a16:rowId xmlns="" xmlns:a16="http://schemas.microsoft.com/office/drawing/2014/main" val="949879066"/>
+                    <a16:rowId xmlns:a16="http://schemas.microsoft.com/office/drawing/2014/main" val="949879066"/>
                   </a:ext>
                 </a:extLst>
               </a:tr>
@@ -6835,7 +7427,7 @@
                 </a:tc>
                 <a:extLst>
                   <a:ext uri="{0D108BD9-81ED-4DB2-BD59-A6C34878D82A}">
-                    <a16:rowId xmlns="" xmlns:a16="http://schemas.microsoft.com/office/drawing/2014/main" val="3222670053"/>
+                    <a16:rowId xmlns:a16="http://schemas.microsoft.com/office/drawing/2014/main" val="3222670053"/>
                   </a:ext>
                 </a:extLst>
               </a:tr>
@@ -6911,7 +7503,7 @@
                 </a:tc>
                 <a:extLst>
                   <a:ext uri="{0D108BD9-81ED-4DB2-BD59-A6C34878D82A}">
-                    <a16:rowId xmlns="" xmlns:a16="http://schemas.microsoft.com/office/drawing/2014/main" val="1661099666"/>
+                    <a16:rowId xmlns:a16="http://schemas.microsoft.com/office/drawing/2014/main" val="1661099666"/>
                   </a:ext>
                 </a:extLst>
               </a:tr>
@@ -6987,7 +7579,7 @@
                 </a:tc>
                 <a:extLst>
                   <a:ext uri="{0D108BD9-81ED-4DB2-BD59-A6C34878D82A}">
-                    <a16:rowId xmlns="" xmlns:a16="http://schemas.microsoft.com/office/drawing/2014/main" val="4172047643"/>
+                    <a16:rowId xmlns:a16="http://schemas.microsoft.com/office/drawing/2014/main" val="4172047643"/>
                   </a:ext>
                 </a:extLst>
               </a:tr>
@@ -7063,7 +7655,7 @@
                 </a:tc>
                 <a:extLst>
                   <a:ext uri="{0D108BD9-81ED-4DB2-BD59-A6C34878D82A}">
-                    <a16:rowId xmlns="" xmlns:a16="http://schemas.microsoft.com/office/drawing/2014/main" val="1057878429"/>
+                    <a16:rowId xmlns:a16="http://schemas.microsoft.com/office/drawing/2014/main" val="1057878429"/>
                   </a:ext>
                 </a:extLst>
               </a:tr>
@@ -7139,7 +7731,7 @@
                 </a:tc>
                 <a:extLst>
                   <a:ext uri="{0D108BD9-81ED-4DB2-BD59-A6C34878D82A}">
-                    <a16:rowId xmlns="" xmlns:a16="http://schemas.microsoft.com/office/drawing/2014/main" val="2151953881"/>
+                    <a16:rowId xmlns:a16="http://schemas.microsoft.com/office/drawing/2014/main" val="2151953881"/>
                   </a:ext>
                 </a:extLst>
               </a:tr>
@@ -7215,7 +7807,7 @@
                 </a:tc>
                 <a:extLst>
                   <a:ext uri="{0D108BD9-81ED-4DB2-BD59-A6C34878D82A}">
-                    <a16:rowId xmlns="" xmlns:a16="http://schemas.microsoft.com/office/drawing/2014/main" val="3615318075"/>
+                    <a16:rowId xmlns:a16="http://schemas.microsoft.com/office/drawing/2014/main" val="3615318075"/>
                   </a:ext>
                 </a:extLst>
               </a:tr>
@@ -7291,7 +7883,7 @@
                 </a:tc>
                 <a:extLst>
                   <a:ext uri="{0D108BD9-81ED-4DB2-BD59-A6C34878D82A}">
-                    <a16:rowId xmlns="" xmlns:a16="http://schemas.microsoft.com/office/drawing/2014/main" val="1810581365"/>
+                    <a16:rowId xmlns:a16="http://schemas.microsoft.com/office/drawing/2014/main" val="1810581365"/>
                   </a:ext>
                 </a:extLst>
               </a:tr>
@@ -7367,7 +7959,7 @@
                 </a:tc>
                 <a:extLst>
                   <a:ext uri="{0D108BD9-81ED-4DB2-BD59-A6C34878D82A}">
-                    <a16:rowId xmlns="" xmlns:a16="http://schemas.microsoft.com/office/drawing/2014/main" val="240284698"/>
+                    <a16:rowId xmlns:a16="http://schemas.microsoft.com/office/drawing/2014/main" val="240284698"/>
                   </a:ext>
                 </a:extLst>
               </a:tr>
@@ -7443,7 +8035,7 @@
                 </a:tc>
                 <a:extLst>
                   <a:ext uri="{0D108BD9-81ED-4DB2-BD59-A6C34878D82A}">
-                    <a16:rowId xmlns="" xmlns:a16="http://schemas.microsoft.com/office/drawing/2014/main" val="2906176452"/>
+                    <a16:rowId xmlns:a16="http://schemas.microsoft.com/office/drawing/2014/main" val="2906176452"/>
                   </a:ext>
                 </a:extLst>
               </a:tr>
@@ -7519,7 +8111,7 @@
                 </a:tc>
                 <a:extLst>
                   <a:ext uri="{0D108BD9-81ED-4DB2-BD59-A6C34878D82A}">
-                    <a16:rowId xmlns="" xmlns:a16="http://schemas.microsoft.com/office/drawing/2014/main" val="3562986470"/>
+                    <a16:rowId xmlns:a16="http://schemas.microsoft.com/office/drawing/2014/main" val="3562986470"/>
                   </a:ext>
                 </a:extLst>
               </a:tr>
@@ -7595,7 +8187,7 @@
                 </a:tc>
                 <a:extLst>
                   <a:ext uri="{0D108BD9-81ED-4DB2-BD59-A6C34878D82A}">
-                    <a16:rowId xmlns="" xmlns:a16="http://schemas.microsoft.com/office/drawing/2014/main" val="1671168545"/>
+                    <a16:rowId xmlns:a16="http://schemas.microsoft.com/office/drawing/2014/main" val="1671168545"/>
                   </a:ext>
                 </a:extLst>
               </a:tr>
@@ -7671,7 +8263,7 @@
                 </a:tc>
                 <a:extLst>
                   <a:ext uri="{0D108BD9-81ED-4DB2-BD59-A6C34878D82A}">
-                    <a16:rowId xmlns="" xmlns:a16="http://schemas.microsoft.com/office/drawing/2014/main" val="2432487341"/>
+                    <a16:rowId xmlns:a16="http://schemas.microsoft.com/office/drawing/2014/main" val="2432487341"/>
                   </a:ext>
                 </a:extLst>
               </a:tr>
@@ -7747,7 +8339,7 @@
                 </a:tc>
                 <a:extLst>
                   <a:ext uri="{0D108BD9-81ED-4DB2-BD59-A6C34878D82A}">
-                    <a16:rowId xmlns="" xmlns:a16="http://schemas.microsoft.com/office/drawing/2014/main" val="823347675"/>
+                    <a16:rowId xmlns:a16="http://schemas.microsoft.com/office/drawing/2014/main" val="823347675"/>
                   </a:ext>
                 </a:extLst>
               </a:tr>
@@ -7823,7 +8415,7 @@
                 </a:tc>
                 <a:extLst>
                   <a:ext uri="{0D108BD9-81ED-4DB2-BD59-A6C34878D82A}">
-                    <a16:rowId xmlns="" xmlns:a16="http://schemas.microsoft.com/office/drawing/2014/main" val="3888237083"/>
+                    <a16:rowId xmlns:a16="http://schemas.microsoft.com/office/drawing/2014/main" val="3888237083"/>
                   </a:ext>
                 </a:extLst>
               </a:tr>
@@ -7899,7 +8491,7 @@
                 </a:tc>
                 <a:extLst>
                   <a:ext uri="{0D108BD9-81ED-4DB2-BD59-A6C34878D82A}">
-                    <a16:rowId xmlns="" xmlns:a16="http://schemas.microsoft.com/office/drawing/2014/main" val="1186328292"/>
+                    <a16:rowId xmlns:a16="http://schemas.microsoft.com/office/drawing/2014/main" val="1186328292"/>
                   </a:ext>
                 </a:extLst>
               </a:tr>
@@ -7993,7 +8585,7 @@
                 </a:tc>
                 <a:extLst>
                   <a:ext uri="{0D108BD9-81ED-4DB2-BD59-A6C34878D82A}">
-                    <a16:rowId xmlns="" xmlns:a16="http://schemas.microsoft.com/office/drawing/2014/main" val="4173546526"/>
+                    <a16:rowId xmlns:a16="http://schemas.microsoft.com/office/drawing/2014/main" val="4173546526"/>
                   </a:ext>
                 </a:extLst>
               </a:tr>
@@ -8069,7 +8661,7 @@
                 </a:tc>
                 <a:extLst>
                   <a:ext uri="{0D108BD9-81ED-4DB2-BD59-A6C34878D82A}">
-                    <a16:rowId xmlns="" xmlns:a16="http://schemas.microsoft.com/office/drawing/2014/main" val="4247627454"/>
+                    <a16:rowId xmlns:a16="http://schemas.microsoft.com/office/drawing/2014/main" val="4247627454"/>
                   </a:ext>
                 </a:extLst>
               </a:tr>
@@ -8145,7 +8737,7 @@
                 </a:tc>
                 <a:extLst>
                   <a:ext uri="{0D108BD9-81ED-4DB2-BD59-A6C34878D82A}">
-                    <a16:rowId xmlns="" xmlns:a16="http://schemas.microsoft.com/office/drawing/2014/main" val="2227278853"/>
+                    <a16:rowId xmlns:a16="http://schemas.microsoft.com/office/drawing/2014/main" val="2227278853"/>
                   </a:ext>
                 </a:extLst>
               </a:tr>
@@ -8221,7 +8813,7 @@
                 </a:tc>
                 <a:extLst>
                   <a:ext uri="{0D108BD9-81ED-4DB2-BD59-A6C34878D82A}">
-                    <a16:rowId xmlns="" xmlns:a16="http://schemas.microsoft.com/office/drawing/2014/main" val="2842433311"/>
+                    <a16:rowId xmlns:a16="http://schemas.microsoft.com/office/drawing/2014/main" val="2842433311"/>
                   </a:ext>
                 </a:extLst>
               </a:tr>
@@ -8253,21 +8845,21 @@
                 <a:gridCol w="3036706">
                   <a:extLst>
                     <a:ext uri="{9D8B030D-6E8A-4147-A177-3AD203B41FA5}">
-                      <a16:colId xmlns="" xmlns:a16="http://schemas.microsoft.com/office/drawing/2014/main" val="1022886225"/>
+                      <a16:colId xmlns:a16="http://schemas.microsoft.com/office/drawing/2014/main" val="1022886225"/>
                     </a:ext>
                   </a:extLst>
                 </a:gridCol>
                 <a:gridCol w="1181705">
                   <a:extLst>
                     <a:ext uri="{9D8B030D-6E8A-4147-A177-3AD203B41FA5}">
-                      <a16:colId xmlns="" xmlns:a16="http://schemas.microsoft.com/office/drawing/2014/main" val="2020208361"/>
+                      <a16:colId xmlns:a16="http://schemas.microsoft.com/office/drawing/2014/main" val="2020208361"/>
                     </a:ext>
                   </a:extLst>
                 </a:gridCol>
                 <a:gridCol w="1181705">
                   <a:extLst>
                     <a:ext uri="{9D8B030D-6E8A-4147-A177-3AD203B41FA5}">
-                      <a16:colId xmlns="" xmlns:a16="http://schemas.microsoft.com/office/drawing/2014/main" val="2629210063"/>
+                      <a16:colId xmlns:a16="http://schemas.microsoft.com/office/drawing/2014/main" val="2629210063"/>
                     </a:ext>
                   </a:extLst>
                 </a:gridCol>
@@ -8344,7 +8936,7 @@
                 </a:tc>
                 <a:extLst>
                   <a:ext uri="{0D108BD9-81ED-4DB2-BD59-A6C34878D82A}">
-                    <a16:rowId xmlns="" xmlns:a16="http://schemas.microsoft.com/office/drawing/2014/main" val="3352158023"/>
+                    <a16:rowId xmlns:a16="http://schemas.microsoft.com/office/drawing/2014/main" val="3352158023"/>
                   </a:ext>
                 </a:extLst>
               </a:tr>
@@ -8420,7 +9012,7 @@
                 </a:tc>
                 <a:extLst>
                   <a:ext uri="{0D108BD9-81ED-4DB2-BD59-A6C34878D82A}">
-                    <a16:rowId xmlns="" xmlns:a16="http://schemas.microsoft.com/office/drawing/2014/main" val="4290189252"/>
+                    <a16:rowId xmlns:a16="http://schemas.microsoft.com/office/drawing/2014/main" val="4290189252"/>
                   </a:ext>
                 </a:extLst>
               </a:tr>
@@ -8496,7 +9088,7 @@
                 </a:tc>
                 <a:extLst>
                   <a:ext uri="{0D108BD9-81ED-4DB2-BD59-A6C34878D82A}">
-                    <a16:rowId xmlns="" xmlns:a16="http://schemas.microsoft.com/office/drawing/2014/main" val="3727132500"/>
+                    <a16:rowId xmlns:a16="http://schemas.microsoft.com/office/drawing/2014/main" val="3727132500"/>
                   </a:ext>
                 </a:extLst>
               </a:tr>
@@ -8572,7 +9164,7 @@
                 </a:tc>
                 <a:extLst>
                   <a:ext uri="{0D108BD9-81ED-4DB2-BD59-A6C34878D82A}">
-                    <a16:rowId xmlns="" xmlns:a16="http://schemas.microsoft.com/office/drawing/2014/main" val="4208757681"/>
+                    <a16:rowId xmlns:a16="http://schemas.microsoft.com/office/drawing/2014/main" val="4208757681"/>
                   </a:ext>
                 </a:extLst>
               </a:tr>
@@ -8648,7 +9240,7 @@
                 </a:tc>
                 <a:extLst>
                   <a:ext uri="{0D108BD9-81ED-4DB2-BD59-A6C34878D82A}">
-                    <a16:rowId xmlns="" xmlns:a16="http://schemas.microsoft.com/office/drawing/2014/main" val="2929237673"/>
+                    <a16:rowId xmlns:a16="http://schemas.microsoft.com/office/drawing/2014/main" val="2929237673"/>
                   </a:ext>
                 </a:extLst>
               </a:tr>
@@ -8724,7 +9316,7 @@
                 </a:tc>
                 <a:extLst>
                   <a:ext uri="{0D108BD9-81ED-4DB2-BD59-A6C34878D82A}">
-                    <a16:rowId xmlns="" xmlns:a16="http://schemas.microsoft.com/office/drawing/2014/main" val="2848627066"/>
+                    <a16:rowId xmlns:a16="http://schemas.microsoft.com/office/drawing/2014/main" val="2848627066"/>
                   </a:ext>
                 </a:extLst>
               </a:tr>
@@ -8800,7 +9392,7 @@
                 </a:tc>
                 <a:extLst>
                   <a:ext uri="{0D108BD9-81ED-4DB2-BD59-A6C34878D82A}">
-                    <a16:rowId xmlns="" xmlns:a16="http://schemas.microsoft.com/office/drawing/2014/main" val="1011726148"/>
+                    <a16:rowId xmlns:a16="http://schemas.microsoft.com/office/drawing/2014/main" val="1011726148"/>
                   </a:ext>
                 </a:extLst>
               </a:tr>
@@ -8882,7 +9474,7 @@
                 </a:tc>
                 <a:extLst>
                   <a:ext uri="{0D108BD9-81ED-4DB2-BD59-A6C34878D82A}">
-                    <a16:rowId xmlns="" xmlns:a16="http://schemas.microsoft.com/office/drawing/2014/main" val="17463372"/>
+                    <a16:rowId xmlns:a16="http://schemas.microsoft.com/office/drawing/2014/main" val="17463372"/>
                   </a:ext>
                 </a:extLst>
               </a:tr>
@@ -8958,7 +9550,7 @@
                 </a:tc>
                 <a:extLst>
                   <a:ext uri="{0D108BD9-81ED-4DB2-BD59-A6C34878D82A}">
-                    <a16:rowId xmlns="" xmlns:a16="http://schemas.microsoft.com/office/drawing/2014/main" val="1971138859"/>
+                    <a16:rowId xmlns:a16="http://schemas.microsoft.com/office/drawing/2014/main" val="1971138859"/>
                   </a:ext>
                 </a:extLst>
               </a:tr>
@@ -9034,7 +9626,7 @@
                 </a:tc>
                 <a:extLst>
                   <a:ext uri="{0D108BD9-81ED-4DB2-BD59-A6C34878D82A}">
-                    <a16:rowId xmlns="" xmlns:a16="http://schemas.microsoft.com/office/drawing/2014/main" val="1508729639"/>
+                    <a16:rowId xmlns:a16="http://schemas.microsoft.com/office/drawing/2014/main" val="1508729639"/>
                   </a:ext>
                 </a:extLst>
               </a:tr>
@@ -9116,7 +9708,7 @@
                 </a:tc>
                 <a:extLst>
                   <a:ext uri="{0D108BD9-81ED-4DB2-BD59-A6C34878D82A}">
-                    <a16:rowId xmlns="" xmlns:a16="http://schemas.microsoft.com/office/drawing/2014/main" val="3853913370"/>
+                    <a16:rowId xmlns:a16="http://schemas.microsoft.com/office/drawing/2014/main" val="3853913370"/>
                   </a:ext>
                 </a:extLst>
               </a:tr>
@@ -9192,7 +9784,7 @@
                 </a:tc>
                 <a:extLst>
                   <a:ext uri="{0D108BD9-81ED-4DB2-BD59-A6C34878D82A}">
-                    <a16:rowId xmlns="" xmlns:a16="http://schemas.microsoft.com/office/drawing/2014/main" val="2386013325"/>
+                    <a16:rowId xmlns:a16="http://schemas.microsoft.com/office/drawing/2014/main" val="2386013325"/>
                   </a:ext>
                 </a:extLst>
               </a:tr>
@@ -9268,7 +9860,7 @@
                 </a:tc>
                 <a:extLst>
                   <a:ext uri="{0D108BD9-81ED-4DB2-BD59-A6C34878D82A}">
-                    <a16:rowId xmlns="" xmlns:a16="http://schemas.microsoft.com/office/drawing/2014/main" val="4131206225"/>
+                    <a16:rowId xmlns:a16="http://schemas.microsoft.com/office/drawing/2014/main" val="4131206225"/>
                   </a:ext>
                 </a:extLst>
               </a:tr>
@@ -9344,7 +9936,7 @@
                 </a:tc>
                 <a:extLst>
                   <a:ext uri="{0D108BD9-81ED-4DB2-BD59-A6C34878D82A}">
-                    <a16:rowId xmlns="" xmlns:a16="http://schemas.microsoft.com/office/drawing/2014/main" val="673049777"/>
+                    <a16:rowId xmlns:a16="http://schemas.microsoft.com/office/drawing/2014/main" val="673049777"/>
                   </a:ext>
                 </a:extLst>
               </a:tr>
@@ -9420,7 +10012,7 @@
                 </a:tc>
                 <a:extLst>
                   <a:ext uri="{0D108BD9-81ED-4DB2-BD59-A6C34878D82A}">
-                    <a16:rowId xmlns="" xmlns:a16="http://schemas.microsoft.com/office/drawing/2014/main" val="1698139637"/>
+                    <a16:rowId xmlns:a16="http://schemas.microsoft.com/office/drawing/2014/main" val="1698139637"/>
                   </a:ext>
                 </a:extLst>
               </a:tr>
@@ -9496,7 +10088,7 @@
                 </a:tc>
                 <a:extLst>
                   <a:ext uri="{0D108BD9-81ED-4DB2-BD59-A6C34878D82A}">
-                    <a16:rowId xmlns="" xmlns:a16="http://schemas.microsoft.com/office/drawing/2014/main" val="3929276156"/>
+                    <a16:rowId xmlns:a16="http://schemas.microsoft.com/office/drawing/2014/main" val="3929276156"/>
                   </a:ext>
                 </a:extLst>
               </a:tr>
@@ -9572,7 +10164,7 @@
                 </a:tc>
                 <a:extLst>
                   <a:ext uri="{0D108BD9-81ED-4DB2-BD59-A6C34878D82A}">
-                    <a16:rowId xmlns="" xmlns:a16="http://schemas.microsoft.com/office/drawing/2014/main" val="1881763618"/>
+                    <a16:rowId xmlns:a16="http://schemas.microsoft.com/office/drawing/2014/main" val="1881763618"/>
                   </a:ext>
                 </a:extLst>
               </a:tr>
@@ -9648,7 +10240,7 @@
                 </a:tc>
                 <a:extLst>
                   <a:ext uri="{0D108BD9-81ED-4DB2-BD59-A6C34878D82A}">
-                    <a16:rowId xmlns="" xmlns:a16="http://schemas.microsoft.com/office/drawing/2014/main" val="160454722"/>
+                    <a16:rowId xmlns:a16="http://schemas.microsoft.com/office/drawing/2014/main" val="160454722"/>
                   </a:ext>
                 </a:extLst>
               </a:tr>
@@ -9724,7 +10316,7 @@
                 </a:tc>
                 <a:extLst>
                   <a:ext uri="{0D108BD9-81ED-4DB2-BD59-A6C34878D82A}">
-                    <a16:rowId xmlns="" xmlns:a16="http://schemas.microsoft.com/office/drawing/2014/main" val="3488362082"/>
+                    <a16:rowId xmlns:a16="http://schemas.microsoft.com/office/drawing/2014/main" val="3488362082"/>
                   </a:ext>
                 </a:extLst>
               </a:tr>
@@ -9800,7 +10392,7 @@
                 </a:tc>
                 <a:extLst>
                   <a:ext uri="{0D108BD9-81ED-4DB2-BD59-A6C34878D82A}">
-                    <a16:rowId xmlns="" xmlns:a16="http://schemas.microsoft.com/office/drawing/2014/main" val="1840069665"/>
+                    <a16:rowId xmlns:a16="http://schemas.microsoft.com/office/drawing/2014/main" val="1840069665"/>
                   </a:ext>
                 </a:extLst>
               </a:tr>
@@ -9876,7 +10468,7 @@
                 </a:tc>
                 <a:extLst>
                   <a:ext uri="{0D108BD9-81ED-4DB2-BD59-A6C34878D82A}">
-                    <a16:rowId xmlns="" xmlns:a16="http://schemas.microsoft.com/office/drawing/2014/main" val="985474525"/>
+                    <a16:rowId xmlns:a16="http://schemas.microsoft.com/office/drawing/2014/main" val="985474525"/>
                   </a:ext>
                 </a:extLst>
               </a:tr>
@@ -9952,7 +10544,7 @@
                 </a:tc>
                 <a:extLst>
                   <a:ext uri="{0D108BD9-81ED-4DB2-BD59-A6C34878D82A}">
-                    <a16:rowId xmlns="" xmlns:a16="http://schemas.microsoft.com/office/drawing/2014/main" val="3784109591"/>
+                    <a16:rowId xmlns:a16="http://schemas.microsoft.com/office/drawing/2014/main" val="3784109591"/>
                   </a:ext>
                 </a:extLst>
               </a:tr>
@@ -10028,7 +10620,7 @@
                 </a:tc>
                 <a:extLst>
                   <a:ext uri="{0D108BD9-81ED-4DB2-BD59-A6C34878D82A}">
-                    <a16:rowId xmlns="" xmlns:a16="http://schemas.microsoft.com/office/drawing/2014/main" val="2131307175"/>
+                    <a16:rowId xmlns:a16="http://schemas.microsoft.com/office/drawing/2014/main" val="2131307175"/>
                   </a:ext>
                 </a:extLst>
               </a:tr>
@@ -10173,21 +10765,21 @@
                 <a:gridCol w="3284597">
                   <a:extLst>
                     <a:ext uri="{9D8B030D-6E8A-4147-A177-3AD203B41FA5}">
-                      <a16:colId xmlns="" xmlns:a16="http://schemas.microsoft.com/office/drawing/2014/main" val="1356431335"/>
+                      <a16:colId xmlns:a16="http://schemas.microsoft.com/office/drawing/2014/main" val="1356431335"/>
                     </a:ext>
                   </a:extLst>
                 </a:gridCol>
                 <a:gridCol w="912804">
                   <a:extLst>
                     <a:ext uri="{9D8B030D-6E8A-4147-A177-3AD203B41FA5}">
-                      <a16:colId xmlns="" xmlns:a16="http://schemas.microsoft.com/office/drawing/2014/main" val="4074852346"/>
+                      <a16:colId xmlns:a16="http://schemas.microsoft.com/office/drawing/2014/main" val="4074852346"/>
                     </a:ext>
                   </a:extLst>
                 </a:gridCol>
                 <a:gridCol w="1175819">
                   <a:extLst>
                     <a:ext uri="{9D8B030D-6E8A-4147-A177-3AD203B41FA5}">
-                      <a16:colId xmlns="" xmlns:a16="http://schemas.microsoft.com/office/drawing/2014/main" val="715510892"/>
+                      <a16:colId xmlns:a16="http://schemas.microsoft.com/office/drawing/2014/main" val="715510892"/>
                     </a:ext>
                   </a:extLst>
                 </a:gridCol>
@@ -10264,7 +10856,7 @@
                 </a:tc>
                 <a:extLst>
                   <a:ext uri="{0D108BD9-81ED-4DB2-BD59-A6C34878D82A}">
-                    <a16:rowId xmlns="" xmlns:a16="http://schemas.microsoft.com/office/drawing/2014/main" val="1236399335"/>
+                    <a16:rowId xmlns:a16="http://schemas.microsoft.com/office/drawing/2014/main" val="1236399335"/>
                   </a:ext>
                 </a:extLst>
               </a:tr>
@@ -10340,7 +10932,7 @@
                 </a:tc>
                 <a:extLst>
                   <a:ext uri="{0D108BD9-81ED-4DB2-BD59-A6C34878D82A}">
-                    <a16:rowId xmlns="" xmlns:a16="http://schemas.microsoft.com/office/drawing/2014/main" val="3548785687"/>
+                    <a16:rowId xmlns:a16="http://schemas.microsoft.com/office/drawing/2014/main" val="3548785687"/>
                   </a:ext>
                 </a:extLst>
               </a:tr>
@@ -10438,7 +11030,7 @@
                 </a:tc>
                 <a:extLst>
                   <a:ext uri="{0D108BD9-81ED-4DB2-BD59-A6C34878D82A}">
-                    <a16:rowId xmlns="" xmlns:a16="http://schemas.microsoft.com/office/drawing/2014/main" val="949879066"/>
+                    <a16:rowId xmlns:a16="http://schemas.microsoft.com/office/drawing/2014/main" val="949879066"/>
                   </a:ext>
                 </a:extLst>
               </a:tr>
@@ -10536,7 +11128,7 @@
                 </a:tc>
                 <a:extLst>
                   <a:ext uri="{0D108BD9-81ED-4DB2-BD59-A6C34878D82A}">
-                    <a16:rowId xmlns="" xmlns:a16="http://schemas.microsoft.com/office/drawing/2014/main" val="3222670053"/>
+                    <a16:rowId xmlns:a16="http://schemas.microsoft.com/office/drawing/2014/main" val="3222670053"/>
                   </a:ext>
                 </a:extLst>
               </a:tr>
@@ -10634,7 +11226,7 @@
                 </a:tc>
                 <a:extLst>
                   <a:ext uri="{0D108BD9-81ED-4DB2-BD59-A6C34878D82A}">
-                    <a16:rowId xmlns="" xmlns:a16="http://schemas.microsoft.com/office/drawing/2014/main" val="1661099666"/>
+                    <a16:rowId xmlns:a16="http://schemas.microsoft.com/office/drawing/2014/main" val="1661099666"/>
                   </a:ext>
                 </a:extLst>
               </a:tr>
@@ -10732,7 +11324,7 @@
                 </a:tc>
                 <a:extLst>
                   <a:ext uri="{0D108BD9-81ED-4DB2-BD59-A6C34878D82A}">
-                    <a16:rowId xmlns="" xmlns:a16="http://schemas.microsoft.com/office/drawing/2014/main" val="4172047643"/>
+                    <a16:rowId xmlns:a16="http://schemas.microsoft.com/office/drawing/2014/main" val="4172047643"/>
                   </a:ext>
                 </a:extLst>
               </a:tr>
@@ -10830,7 +11422,7 @@
                 </a:tc>
                 <a:extLst>
                   <a:ext uri="{0D108BD9-81ED-4DB2-BD59-A6C34878D82A}">
-                    <a16:rowId xmlns="" xmlns:a16="http://schemas.microsoft.com/office/drawing/2014/main" val="1057878429"/>
+                    <a16:rowId xmlns:a16="http://schemas.microsoft.com/office/drawing/2014/main" val="1057878429"/>
                   </a:ext>
                 </a:extLst>
               </a:tr>
@@ -10928,7 +11520,7 @@
                 </a:tc>
                 <a:extLst>
                   <a:ext uri="{0D108BD9-81ED-4DB2-BD59-A6C34878D82A}">
-                    <a16:rowId xmlns="" xmlns:a16="http://schemas.microsoft.com/office/drawing/2014/main" val="2151953881"/>
+                    <a16:rowId xmlns:a16="http://schemas.microsoft.com/office/drawing/2014/main" val="2151953881"/>
                   </a:ext>
                 </a:extLst>
               </a:tr>
@@ -11036,7 +11628,7 @@
                 </a:tc>
                 <a:extLst>
                   <a:ext uri="{0D108BD9-81ED-4DB2-BD59-A6C34878D82A}">
-                    <a16:rowId xmlns="" xmlns:a16="http://schemas.microsoft.com/office/drawing/2014/main" val="3615318075"/>
+                    <a16:rowId xmlns:a16="http://schemas.microsoft.com/office/drawing/2014/main" val="3615318075"/>
                   </a:ext>
                 </a:extLst>
               </a:tr>
@@ -11164,7 +11756,7 @@
                 </a:tc>
                 <a:extLst>
                   <a:ext uri="{0D108BD9-81ED-4DB2-BD59-A6C34878D82A}">
-                    <a16:rowId xmlns="" xmlns:a16="http://schemas.microsoft.com/office/drawing/2014/main" val="1810581365"/>
+                    <a16:rowId xmlns:a16="http://schemas.microsoft.com/office/drawing/2014/main" val="1810581365"/>
                   </a:ext>
                 </a:extLst>
               </a:tr>
@@ -11252,7 +11844,7 @@
                 </a:tc>
                 <a:extLst>
                   <a:ext uri="{0D108BD9-81ED-4DB2-BD59-A6C34878D82A}">
-                    <a16:rowId xmlns="" xmlns:a16="http://schemas.microsoft.com/office/drawing/2014/main" val="240284698"/>
+                    <a16:rowId xmlns:a16="http://schemas.microsoft.com/office/drawing/2014/main" val="240284698"/>
                   </a:ext>
                 </a:extLst>
               </a:tr>
@@ -11340,7 +11932,7 @@
                 </a:tc>
                 <a:extLst>
                   <a:ext uri="{0D108BD9-81ED-4DB2-BD59-A6C34878D82A}">
-                    <a16:rowId xmlns="" xmlns:a16="http://schemas.microsoft.com/office/drawing/2014/main" val="2906176452"/>
+                    <a16:rowId xmlns:a16="http://schemas.microsoft.com/office/drawing/2014/main" val="2906176452"/>
                   </a:ext>
                 </a:extLst>
               </a:tr>
@@ -11438,7 +12030,7 @@
                 </a:tc>
                 <a:extLst>
                   <a:ext uri="{0D108BD9-81ED-4DB2-BD59-A6C34878D82A}">
-                    <a16:rowId xmlns="" xmlns:a16="http://schemas.microsoft.com/office/drawing/2014/main" val="3562986470"/>
+                    <a16:rowId xmlns:a16="http://schemas.microsoft.com/office/drawing/2014/main" val="3562986470"/>
                   </a:ext>
                 </a:extLst>
               </a:tr>
@@ -11546,7 +12138,7 @@
                 </a:tc>
                 <a:extLst>
                   <a:ext uri="{0D108BD9-81ED-4DB2-BD59-A6C34878D82A}">
-                    <a16:rowId xmlns="" xmlns:a16="http://schemas.microsoft.com/office/drawing/2014/main" val="1671168545"/>
+                    <a16:rowId xmlns:a16="http://schemas.microsoft.com/office/drawing/2014/main" val="1671168545"/>
                   </a:ext>
                 </a:extLst>
               </a:tr>
@@ -11644,7 +12236,7 @@
                 </a:tc>
                 <a:extLst>
                   <a:ext uri="{0D108BD9-81ED-4DB2-BD59-A6C34878D82A}">
-                    <a16:rowId xmlns="" xmlns:a16="http://schemas.microsoft.com/office/drawing/2014/main" val="2432487341"/>
+                    <a16:rowId xmlns:a16="http://schemas.microsoft.com/office/drawing/2014/main" val="2432487341"/>
                   </a:ext>
                 </a:extLst>
               </a:tr>
@@ -11762,7 +12354,7 @@
                 </a:tc>
                 <a:extLst>
                   <a:ext uri="{0D108BD9-81ED-4DB2-BD59-A6C34878D82A}">
-                    <a16:rowId xmlns="" xmlns:a16="http://schemas.microsoft.com/office/drawing/2014/main" val="823347675"/>
+                    <a16:rowId xmlns:a16="http://schemas.microsoft.com/office/drawing/2014/main" val="823347675"/>
                   </a:ext>
                 </a:extLst>
               </a:tr>
@@ -11860,7 +12452,7 @@
                 </a:tc>
                 <a:extLst>
                   <a:ext uri="{0D108BD9-81ED-4DB2-BD59-A6C34878D82A}">
-                    <a16:rowId xmlns="" xmlns:a16="http://schemas.microsoft.com/office/drawing/2014/main" val="3888237083"/>
+                    <a16:rowId xmlns:a16="http://schemas.microsoft.com/office/drawing/2014/main" val="3888237083"/>
                   </a:ext>
                 </a:extLst>
               </a:tr>
@@ -11948,7 +12540,7 @@
                 </a:tc>
                 <a:extLst>
                   <a:ext uri="{0D108BD9-81ED-4DB2-BD59-A6C34878D82A}">
-                    <a16:rowId xmlns="" xmlns:a16="http://schemas.microsoft.com/office/drawing/2014/main" val="1186328292"/>
+                    <a16:rowId xmlns:a16="http://schemas.microsoft.com/office/drawing/2014/main" val="1186328292"/>
                   </a:ext>
                 </a:extLst>
               </a:tr>
@@ -12046,7 +12638,7 @@
                 </a:tc>
                 <a:extLst>
                   <a:ext uri="{0D108BD9-81ED-4DB2-BD59-A6C34878D82A}">
-                    <a16:rowId xmlns="" xmlns:a16="http://schemas.microsoft.com/office/drawing/2014/main" val="4173546526"/>
+                    <a16:rowId xmlns:a16="http://schemas.microsoft.com/office/drawing/2014/main" val="4173546526"/>
                   </a:ext>
                 </a:extLst>
               </a:tr>
@@ -12146,7 +12738,7 @@
                 </a:tc>
                 <a:extLst>
                   <a:ext uri="{0D108BD9-81ED-4DB2-BD59-A6C34878D82A}">
-                    <a16:rowId xmlns="" xmlns:a16="http://schemas.microsoft.com/office/drawing/2014/main" val="4247627454"/>
+                    <a16:rowId xmlns:a16="http://schemas.microsoft.com/office/drawing/2014/main" val="4247627454"/>
                   </a:ext>
                 </a:extLst>
               </a:tr>
@@ -12244,7 +12836,7 @@
                 </a:tc>
                 <a:extLst>
                   <a:ext uri="{0D108BD9-81ED-4DB2-BD59-A6C34878D82A}">
-                    <a16:rowId xmlns="" xmlns:a16="http://schemas.microsoft.com/office/drawing/2014/main" val="2227278853"/>
+                    <a16:rowId xmlns:a16="http://schemas.microsoft.com/office/drawing/2014/main" val="2227278853"/>
                   </a:ext>
                 </a:extLst>
               </a:tr>
@@ -12342,7 +12934,7 @@
                 </a:tc>
                 <a:extLst>
                   <a:ext uri="{0D108BD9-81ED-4DB2-BD59-A6C34878D82A}">
-                    <a16:rowId xmlns="" xmlns:a16="http://schemas.microsoft.com/office/drawing/2014/main" val="2842433311"/>
+                    <a16:rowId xmlns:a16="http://schemas.microsoft.com/office/drawing/2014/main" val="2842433311"/>
                   </a:ext>
                 </a:extLst>
               </a:tr>
@@ -12374,21 +12966,21 @@
                 <a:gridCol w="3568779">
                   <a:extLst>
                     <a:ext uri="{9D8B030D-6E8A-4147-A177-3AD203B41FA5}">
-                      <a16:colId xmlns="" xmlns:a16="http://schemas.microsoft.com/office/drawing/2014/main" val="1356431335"/>
+                      <a16:colId xmlns:a16="http://schemas.microsoft.com/office/drawing/2014/main" val="1356431335"/>
                     </a:ext>
                   </a:extLst>
                 </a:gridCol>
                 <a:gridCol w="751115">
                   <a:extLst>
                     <a:ext uri="{9D8B030D-6E8A-4147-A177-3AD203B41FA5}">
-                      <a16:colId xmlns="" xmlns:a16="http://schemas.microsoft.com/office/drawing/2014/main" val="4074852346"/>
+                      <a16:colId xmlns:a16="http://schemas.microsoft.com/office/drawing/2014/main" val="4074852346"/>
                     </a:ext>
                   </a:extLst>
                 </a:gridCol>
                 <a:gridCol w="1053326">
                   <a:extLst>
                     <a:ext uri="{9D8B030D-6E8A-4147-A177-3AD203B41FA5}">
-                      <a16:colId xmlns="" xmlns:a16="http://schemas.microsoft.com/office/drawing/2014/main" val="715510892"/>
+                      <a16:colId xmlns:a16="http://schemas.microsoft.com/office/drawing/2014/main" val="715510892"/>
                     </a:ext>
                   </a:extLst>
                 </a:gridCol>
@@ -12465,7 +13057,7 @@
                 </a:tc>
                 <a:extLst>
                   <a:ext uri="{0D108BD9-81ED-4DB2-BD59-A6C34878D82A}">
-                    <a16:rowId xmlns="" xmlns:a16="http://schemas.microsoft.com/office/drawing/2014/main" val="1236399335"/>
+                    <a16:rowId xmlns:a16="http://schemas.microsoft.com/office/drawing/2014/main" val="1236399335"/>
                   </a:ext>
                 </a:extLst>
               </a:tr>
@@ -12553,7 +13145,7 @@
                 </a:tc>
                 <a:extLst>
                   <a:ext uri="{0D108BD9-81ED-4DB2-BD59-A6C34878D82A}">
-                    <a16:rowId xmlns="" xmlns:a16="http://schemas.microsoft.com/office/drawing/2014/main" val="3548785687"/>
+                    <a16:rowId xmlns:a16="http://schemas.microsoft.com/office/drawing/2014/main" val="3548785687"/>
                   </a:ext>
                 </a:extLst>
               </a:tr>
@@ -12641,7 +13233,7 @@
                 </a:tc>
                 <a:extLst>
                   <a:ext uri="{0D108BD9-81ED-4DB2-BD59-A6C34878D82A}">
-                    <a16:rowId xmlns="" xmlns:a16="http://schemas.microsoft.com/office/drawing/2014/main" val="949879066"/>
+                    <a16:rowId xmlns:a16="http://schemas.microsoft.com/office/drawing/2014/main" val="949879066"/>
                   </a:ext>
                 </a:extLst>
               </a:tr>
@@ -12751,7 +13343,7 @@
                 </a:tc>
                 <a:extLst>
                   <a:ext uri="{0D108BD9-81ED-4DB2-BD59-A6C34878D82A}">
-                    <a16:rowId xmlns="" xmlns:a16="http://schemas.microsoft.com/office/drawing/2014/main" val="3222670053"/>
+                    <a16:rowId xmlns:a16="http://schemas.microsoft.com/office/drawing/2014/main" val="3222670053"/>
                   </a:ext>
                 </a:extLst>
               </a:tr>
@@ -12859,7 +13451,7 @@
                 </a:tc>
                 <a:extLst>
                   <a:ext uri="{0D108BD9-81ED-4DB2-BD59-A6C34878D82A}">
-                    <a16:rowId xmlns="" xmlns:a16="http://schemas.microsoft.com/office/drawing/2014/main" val="1661099666"/>
+                    <a16:rowId xmlns:a16="http://schemas.microsoft.com/office/drawing/2014/main" val="1661099666"/>
                   </a:ext>
                 </a:extLst>
               </a:tr>
@@ -12957,7 +13549,7 @@
                 </a:tc>
                 <a:extLst>
                   <a:ext uri="{0D108BD9-81ED-4DB2-BD59-A6C34878D82A}">
-                    <a16:rowId xmlns="" xmlns:a16="http://schemas.microsoft.com/office/drawing/2014/main" val="4172047643"/>
+                    <a16:rowId xmlns:a16="http://schemas.microsoft.com/office/drawing/2014/main" val="4172047643"/>
                   </a:ext>
                 </a:extLst>
               </a:tr>
@@ -13055,7 +13647,7 @@
                 </a:tc>
                 <a:extLst>
                   <a:ext uri="{0D108BD9-81ED-4DB2-BD59-A6C34878D82A}">
-                    <a16:rowId xmlns="" xmlns:a16="http://schemas.microsoft.com/office/drawing/2014/main" val="1057878429"/>
+                    <a16:rowId xmlns:a16="http://schemas.microsoft.com/office/drawing/2014/main" val="1057878429"/>
                   </a:ext>
                 </a:extLst>
               </a:tr>
@@ -13153,7 +13745,7 @@
                 </a:tc>
                 <a:extLst>
                   <a:ext uri="{0D108BD9-81ED-4DB2-BD59-A6C34878D82A}">
-                    <a16:rowId xmlns="" xmlns:a16="http://schemas.microsoft.com/office/drawing/2014/main" val="2151953881"/>
+                    <a16:rowId xmlns:a16="http://schemas.microsoft.com/office/drawing/2014/main" val="2151953881"/>
                   </a:ext>
                 </a:extLst>
               </a:tr>
@@ -13245,7 +13837,7 @@
                 </a:tc>
                 <a:extLst>
                   <a:ext uri="{0D108BD9-81ED-4DB2-BD59-A6C34878D82A}">
-                    <a16:rowId xmlns="" xmlns:a16="http://schemas.microsoft.com/office/drawing/2014/main" val="3615318075"/>
+                    <a16:rowId xmlns:a16="http://schemas.microsoft.com/office/drawing/2014/main" val="3615318075"/>
                   </a:ext>
                 </a:extLst>
               </a:tr>
@@ -13343,7 +13935,7 @@
                 </a:tc>
                 <a:extLst>
                   <a:ext uri="{0D108BD9-81ED-4DB2-BD59-A6C34878D82A}">
-                    <a16:rowId xmlns="" xmlns:a16="http://schemas.microsoft.com/office/drawing/2014/main" val="1810581365"/>
+                    <a16:rowId xmlns:a16="http://schemas.microsoft.com/office/drawing/2014/main" val="1810581365"/>
                   </a:ext>
                 </a:extLst>
               </a:tr>
@@ -13435,7 +14027,7 @@
                 </a:tc>
                 <a:extLst>
                   <a:ext uri="{0D108BD9-81ED-4DB2-BD59-A6C34878D82A}">
-                    <a16:rowId xmlns="" xmlns:a16="http://schemas.microsoft.com/office/drawing/2014/main" val="240284698"/>
+                    <a16:rowId xmlns:a16="http://schemas.microsoft.com/office/drawing/2014/main" val="240284698"/>
                   </a:ext>
                 </a:extLst>
               </a:tr>
@@ -13533,7 +14125,7 @@
                 </a:tc>
                 <a:extLst>
                   <a:ext uri="{0D108BD9-81ED-4DB2-BD59-A6C34878D82A}">
-                    <a16:rowId xmlns="" xmlns:a16="http://schemas.microsoft.com/office/drawing/2014/main" val="2906176452"/>
+                    <a16:rowId xmlns:a16="http://schemas.microsoft.com/office/drawing/2014/main" val="2906176452"/>
                   </a:ext>
                 </a:extLst>
               </a:tr>
@@ -13621,7 +14213,7 @@
                 </a:tc>
                 <a:extLst>
                   <a:ext uri="{0D108BD9-81ED-4DB2-BD59-A6C34878D82A}">
-                    <a16:rowId xmlns="" xmlns:a16="http://schemas.microsoft.com/office/drawing/2014/main" val="3562986470"/>
+                    <a16:rowId xmlns:a16="http://schemas.microsoft.com/office/drawing/2014/main" val="3562986470"/>
                   </a:ext>
                 </a:extLst>
               </a:tr>
@@ -13721,7 +14313,7 @@
                 </a:tc>
                 <a:extLst>
                   <a:ext uri="{0D108BD9-81ED-4DB2-BD59-A6C34878D82A}">
-                    <a16:rowId xmlns="" xmlns:a16="http://schemas.microsoft.com/office/drawing/2014/main" val="1671168545"/>
+                    <a16:rowId xmlns:a16="http://schemas.microsoft.com/office/drawing/2014/main" val="1671168545"/>
                   </a:ext>
                 </a:extLst>
               </a:tr>
@@ -13851,7 +14443,7 @@
                 </a:tc>
                 <a:extLst>
                   <a:ext uri="{0D108BD9-81ED-4DB2-BD59-A6C34878D82A}">
-                    <a16:rowId xmlns="" xmlns:a16="http://schemas.microsoft.com/office/drawing/2014/main" val="2432487341"/>
+                    <a16:rowId xmlns:a16="http://schemas.microsoft.com/office/drawing/2014/main" val="2432487341"/>
                   </a:ext>
                 </a:extLst>
               </a:tr>
@@ -13993,7 +14585,7 @@
                 </a:tc>
                 <a:extLst>
                   <a:ext uri="{0D108BD9-81ED-4DB2-BD59-A6C34878D82A}">
-                    <a16:rowId xmlns="" xmlns:a16="http://schemas.microsoft.com/office/drawing/2014/main" val="823347675"/>
+                    <a16:rowId xmlns:a16="http://schemas.microsoft.com/office/drawing/2014/main" val="823347675"/>
                   </a:ext>
                 </a:extLst>
               </a:tr>
@@ -14099,7 +14691,7 @@
                 </a:tc>
                 <a:extLst>
                   <a:ext uri="{0D108BD9-81ED-4DB2-BD59-A6C34878D82A}">
-                    <a16:rowId xmlns="" xmlns:a16="http://schemas.microsoft.com/office/drawing/2014/main" val="3888237083"/>
+                    <a16:rowId xmlns:a16="http://schemas.microsoft.com/office/drawing/2014/main" val="3888237083"/>
                   </a:ext>
                 </a:extLst>
               </a:tr>
@@ -14197,7 +14789,7 @@
                 </a:tc>
                 <a:extLst>
                   <a:ext uri="{0D108BD9-81ED-4DB2-BD59-A6C34878D82A}">
-                    <a16:rowId xmlns="" xmlns:a16="http://schemas.microsoft.com/office/drawing/2014/main" val="1186328292"/>
+                    <a16:rowId xmlns:a16="http://schemas.microsoft.com/office/drawing/2014/main" val="1186328292"/>
                   </a:ext>
                 </a:extLst>
               </a:tr>
@@ -14342,21 +14934,21 @@
                 <a:gridCol w="3333583">
                   <a:extLst>
                     <a:ext uri="{9D8B030D-6E8A-4147-A177-3AD203B41FA5}">
-                      <a16:colId xmlns="" xmlns:a16="http://schemas.microsoft.com/office/drawing/2014/main" val="1356431335"/>
+                      <a16:colId xmlns:a16="http://schemas.microsoft.com/office/drawing/2014/main" val="1356431335"/>
                     </a:ext>
                   </a:extLst>
                 </a:gridCol>
                 <a:gridCol w="869736">
                   <a:extLst>
                     <a:ext uri="{9D8B030D-6E8A-4147-A177-3AD203B41FA5}">
-                      <a16:colId xmlns="" xmlns:a16="http://schemas.microsoft.com/office/drawing/2014/main" val="4074852346"/>
+                      <a16:colId xmlns:a16="http://schemas.microsoft.com/office/drawing/2014/main" val="4074852346"/>
                     </a:ext>
                   </a:extLst>
                 </a:gridCol>
                 <a:gridCol w="1169901">
                   <a:extLst>
                     <a:ext uri="{9D8B030D-6E8A-4147-A177-3AD203B41FA5}">
-                      <a16:colId xmlns="" xmlns:a16="http://schemas.microsoft.com/office/drawing/2014/main" val="715510892"/>
+                      <a16:colId xmlns:a16="http://schemas.microsoft.com/office/drawing/2014/main" val="715510892"/>
                     </a:ext>
                   </a:extLst>
                 </a:gridCol>
@@ -14433,7 +15025,7 @@
                 </a:tc>
                 <a:extLst>
                   <a:ext uri="{0D108BD9-81ED-4DB2-BD59-A6C34878D82A}">
-                    <a16:rowId xmlns="" xmlns:a16="http://schemas.microsoft.com/office/drawing/2014/main" val="1236399335"/>
+                    <a16:rowId xmlns:a16="http://schemas.microsoft.com/office/drawing/2014/main" val="1236399335"/>
                   </a:ext>
                 </a:extLst>
               </a:tr>
@@ -14525,7 +15117,7 @@
                 </a:tc>
                 <a:extLst>
                   <a:ext uri="{0D108BD9-81ED-4DB2-BD59-A6C34878D82A}">
-                    <a16:rowId xmlns="" xmlns:a16="http://schemas.microsoft.com/office/drawing/2014/main" val="3548785687"/>
+                    <a16:rowId xmlns:a16="http://schemas.microsoft.com/office/drawing/2014/main" val="3548785687"/>
                   </a:ext>
                 </a:extLst>
               </a:tr>
@@ -14617,7 +15209,7 @@
                 </a:tc>
                 <a:extLst>
                   <a:ext uri="{0D108BD9-81ED-4DB2-BD59-A6C34878D82A}">
-                    <a16:rowId xmlns="" xmlns:a16="http://schemas.microsoft.com/office/drawing/2014/main" val="949879066"/>
+                    <a16:rowId xmlns:a16="http://schemas.microsoft.com/office/drawing/2014/main" val="949879066"/>
                   </a:ext>
                 </a:extLst>
               </a:tr>
@@ -14753,7 +15345,7 @@
                 </a:tc>
                 <a:extLst>
                   <a:ext uri="{0D108BD9-81ED-4DB2-BD59-A6C34878D82A}">
-                    <a16:rowId xmlns="" xmlns:a16="http://schemas.microsoft.com/office/drawing/2014/main" val="3222670053"/>
+                    <a16:rowId xmlns:a16="http://schemas.microsoft.com/office/drawing/2014/main" val="3222670053"/>
                   </a:ext>
                 </a:extLst>
               </a:tr>
@@ -14845,7 +15437,7 @@
                 </a:tc>
                 <a:extLst>
                   <a:ext uri="{0D108BD9-81ED-4DB2-BD59-A6C34878D82A}">
-                    <a16:rowId xmlns="" xmlns:a16="http://schemas.microsoft.com/office/drawing/2014/main" val="1661099666"/>
+                    <a16:rowId xmlns:a16="http://schemas.microsoft.com/office/drawing/2014/main" val="1661099666"/>
                   </a:ext>
                 </a:extLst>
               </a:tr>
@@ -14937,7 +15529,7 @@
                 </a:tc>
                 <a:extLst>
                   <a:ext uri="{0D108BD9-81ED-4DB2-BD59-A6C34878D82A}">
-                    <a16:rowId xmlns="" xmlns:a16="http://schemas.microsoft.com/office/drawing/2014/main" val="4172047643"/>
+                    <a16:rowId xmlns:a16="http://schemas.microsoft.com/office/drawing/2014/main" val="4172047643"/>
                   </a:ext>
                 </a:extLst>
               </a:tr>
@@ -15029,7 +15621,7 @@
                 </a:tc>
                 <a:extLst>
                   <a:ext uri="{0D108BD9-81ED-4DB2-BD59-A6C34878D82A}">
-                    <a16:rowId xmlns="" xmlns:a16="http://schemas.microsoft.com/office/drawing/2014/main" val="1057878429"/>
+                    <a16:rowId xmlns:a16="http://schemas.microsoft.com/office/drawing/2014/main" val="1057878429"/>
                   </a:ext>
                 </a:extLst>
               </a:tr>
@@ -15121,7 +15713,7 @@
                 </a:tc>
                 <a:extLst>
                   <a:ext uri="{0D108BD9-81ED-4DB2-BD59-A6C34878D82A}">
-                    <a16:rowId xmlns="" xmlns:a16="http://schemas.microsoft.com/office/drawing/2014/main" val="2151953881"/>
+                    <a16:rowId xmlns:a16="http://schemas.microsoft.com/office/drawing/2014/main" val="2151953881"/>
                   </a:ext>
                 </a:extLst>
               </a:tr>
@@ -15213,7 +15805,7 @@
                 </a:tc>
                 <a:extLst>
                   <a:ext uri="{0D108BD9-81ED-4DB2-BD59-A6C34878D82A}">
-                    <a16:rowId xmlns="" xmlns:a16="http://schemas.microsoft.com/office/drawing/2014/main" val="3615318075"/>
+                    <a16:rowId xmlns:a16="http://schemas.microsoft.com/office/drawing/2014/main" val="3615318075"/>
                   </a:ext>
                 </a:extLst>
               </a:tr>
@@ -15305,7 +15897,7 @@
                 </a:tc>
                 <a:extLst>
                   <a:ext uri="{0D108BD9-81ED-4DB2-BD59-A6C34878D82A}">
-                    <a16:rowId xmlns="" xmlns:a16="http://schemas.microsoft.com/office/drawing/2014/main" val="1810581365"/>
+                    <a16:rowId xmlns:a16="http://schemas.microsoft.com/office/drawing/2014/main" val="1810581365"/>
                   </a:ext>
                 </a:extLst>
               </a:tr>
@@ -15407,7 +15999,7 @@
                 </a:tc>
                 <a:extLst>
                   <a:ext uri="{0D108BD9-81ED-4DB2-BD59-A6C34878D82A}">
-                    <a16:rowId xmlns="" xmlns:a16="http://schemas.microsoft.com/office/drawing/2014/main" val="240284698"/>
+                    <a16:rowId xmlns:a16="http://schemas.microsoft.com/office/drawing/2014/main" val="240284698"/>
                   </a:ext>
                 </a:extLst>
               </a:tr>
@@ -15509,7 +16101,7 @@
                 </a:tc>
                 <a:extLst>
                   <a:ext uri="{0D108BD9-81ED-4DB2-BD59-A6C34878D82A}">
-                    <a16:rowId xmlns="" xmlns:a16="http://schemas.microsoft.com/office/drawing/2014/main" val="2906176452"/>
+                    <a16:rowId xmlns:a16="http://schemas.microsoft.com/office/drawing/2014/main" val="2906176452"/>
                   </a:ext>
                 </a:extLst>
               </a:tr>
@@ -15613,7 +16205,7 @@
                 </a:tc>
                 <a:extLst>
                   <a:ext uri="{0D108BD9-81ED-4DB2-BD59-A6C34878D82A}">
-                    <a16:rowId xmlns="" xmlns:a16="http://schemas.microsoft.com/office/drawing/2014/main" val="3562986470"/>
+                    <a16:rowId xmlns:a16="http://schemas.microsoft.com/office/drawing/2014/main" val="3562986470"/>
                   </a:ext>
                 </a:extLst>
               </a:tr>
@@ -15715,7 +16307,7 @@
                 </a:tc>
                 <a:extLst>
                   <a:ext uri="{0D108BD9-81ED-4DB2-BD59-A6C34878D82A}">
-                    <a16:rowId xmlns="" xmlns:a16="http://schemas.microsoft.com/office/drawing/2014/main" val="1671168545"/>
+                    <a16:rowId xmlns:a16="http://schemas.microsoft.com/office/drawing/2014/main" val="1671168545"/>
                   </a:ext>
                 </a:extLst>
               </a:tr>
@@ -15817,7 +16409,7 @@
                 </a:tc>
                 <a:extLst>
                   <a:ext uri="{0D108BD9-81ED-4DB2-BD59-A6C34878D82A}">
-                    <a16:rowId xmlns="" xmlns:a16="http://schemas.microsoft.com/office/drawing/2014/main" val="2432487341"/>
+                    <a16:rowId xmlns:a16="http://schemas.microsoft.com/office/drawing/2014/main" val="2432487341"/>
                   </a:ext>
                 </a:extLst>
               </a:tr>
@@ -15919,7 +16511,7 @@
                 </a:tc>
                 <a:extLst>
                   <a:ext uri="{0D108BD9-81ED-4DB2-BD59-A6C34878D82A}">
-                    <a16:rowId xmlns="" xmlns:a16="http://schemas.microsoft.com/office/drawing/2014/main" val="823347675"/>
+                    <a16:rowId xmlns:a16="http://schemas.microsoft.com/office/drawing/2014/main" val="823347675"/>
                   </a:ext>
                 </a:extLst>
               </a:tr>
@@ -16035,7 +16627,7 @@
                 </a:tc>
                 <a:extLst>
                   <a:ext uri="{0D108BD9-81ED-4DB2-BD59-A6C34878D82A}">
-                    <a16:rowId xmlns="" xmlns:a16="http://schemas.microsoft.com/office/drawing/2014/main" val="3888237083"/>
+                    <a16:rowId xmlns:a16="http://schemas.microsoft.com/office/drawing/2014/main" val="3888237083"/>
                   </a:ext>
                 </a:extLst>
               </a:tr>
@@ -16182,7 +16774,7 @@
                 </a:tc>
                 <a:extLst>
                   <a:ext uri="{0D108BD9-81ED-4DB2-BD59-A6C34878D82A}">
-                    <a16:rowId xmlns="" xmlns:a16="http://schemas.microsoft.com/office/drawing/2014/main" val="1186328292"/>
+                    <a16:rowId xmlns:a16="http://schemas.microsoft.com/office/drawing/2014/main" val="1186328292"/>
                   </a:ext>
                 </a:extLst>
               </a:tr>
@@ -16197,12 +16789,16 @@
             <a:graphicFrameLocks noGrp="1"/>
           </p:cNvGraphicFramePr>
           <p:nvPr>
-            <p:extLst/>
+            <p:extLst>
+              <p:ext uri="{D42A27DB-BD31-4B8C-83A1-F6EECF244321}">
+                <p14:modId xmlns:p14="http://schemas.microsoft.com/office/powerpoint/2010/main" val="3112294336"/>
+              </p:ext>
+            </p:extLst>
           </p:nvPr>
         </p:nvGraphicFramePr>
         <p:xfrm>
           <a:off x="6326335" y="1345921"/>
-          <a:ext cx="5373220" cy="4842741"/>
+          <a:ext cx="5373220" cy="4752312"/>
         </p:xfrm>
         <a:graphic>
           <a:graphicData uri="http://schemas.openxmlformats.org/drawingml/2006/table">
@@ -16214,26 +16810,26 @@
                 <a:gridCol w="3021582">
                   <a:extLst>
                     <a:ext uri="{9D8B030D-6E8A-4147-A177-3AD203B41FA5}">
-                      <a16:colId xmlns="" xmlns:a16="http://schemas.microsoft.com/office/drawing/2014/main" val="1356431335"/>
+                      <a16:colId xmlns:a16="http://schemas.microsoft.com/office/drawing/2014/main" val="1356431335"/>
                     </a:ext>
                   </a:extLst>
                 </a:gridCol>
                 <a:gridCol w="1175819">
                   <a:extLst>
                     <a:ext uri="{9D8B030D-6E8A-4147-A177-3AD203B41FA5}">
-                      <a16:colId xmlns="" xmlns:a16="http://schemas.microsoft.com/office/drawing/2014/main" val="4074852346"/>
+                      <a16:colId xmlns:a16="http://schemas.microsoft.com/office/drawing/2014/main" val="4074852346"/>
                     </a:ext>
                   </a:extLst>
                 </a:gridCol>
                 <a:gridCol w="1175819">
                   <a:extLst>
                     <a:ext uri="{9D8B030D-6E8A-4147-A177-3AD203B41FA5}">
-                      <a16:colId xmlns="" xmlns:a16="http://schemas.microsoft.com/office/drawing/2014/main" val="715510892"/>
+                      <a16:colId xmlns:a16="http://schemas.microsoft.com/office/drawing/2014/main" val="715510892"/>
                     </a:ext>
                   </a:extLst>
                 </a:gridCol>
               </a:tblGrid>
-              <a:tr h="252469">
+              <a:tr h="260946">
                 <a:tc>
                   <a:txBody>
                     <a:bodyPr/>
@@ -16305,11 +16901,11 @@
                 </a:tc>
                 <a:extLst>
                   <a:ext uri="{0D108BD9-81ED-4DB2-BD59-A6C34878D82A}">
-                    <a16:rowId xmlns="" xmlns:a16="http://schemas.microsoft.com/office/drawing/2014/main" val="1236399335"/>
+                    <a16:rowId xmlns:a16="http://schemas.microsoft.com/office/drawing/2014/main" val="1236399335"/>
                   </a:ext>
                 </a:extLst>
               </a:tr>
-              <a:tr h="252469">
+              <a:tr h="260946">
                 <a:tc>
                   <a:txBody>
                     <a:bodyPr/>
@@ -16397,11 +16993,11 @@
                 </a:tc>
                 <a:extLst>
                   <a:ext uri="{0D108BD9-81ED-4DB2-BD59-A6C34878D82A}">
-                    <a16:rowId xmlns="" xmlns:a16="http://schemas.microsoft.com/office/drawing/2014/main" val="3548785687"/>
+                    <a16:rowId xmlns:a16="http://schemas.microsoft.com/office/drawing/2014/main" val="3548785687"/>
                   </a:ext>
                 </a:extLst>
               </a:tr>
-              <a:tr h="350545">
+              <a:tr h="362315">
                 <a:tc>
                   <a:txBody>
                     <a:bodyPr/>
@@ -16495,11 +17091,11 @@
                 </a:tc>
                 <a:extLst>
                   <a:ext uri="{0D108BD9-81ED-4DB2-BD59-A6C34878D82A}">
-                    <a16:rowId xmlns="" xmlns:a16="http://schemas.microsoft.com/office/drawing/2014/main" val="949879066"/>
+                    <a16:rowId xmlns:a16="http://schemas.microsoft.com/office/drawing/2014/main" val="949879066"/>
                   </a:ext>
                 </a:extLst>
               </a:tr>
-              <a:tr h="350545">
+              <a:tr h="362315">
                 <a:tc>
                   <a:txBody>
                     <a:bodyPr/>
@@ -16605,11 +17201,11 @@
                 </a:tc>
                 <a:extLst>
                   <a:ext uri="{0D108BD9-81ED-4DB2-BD59-A6C34878D82A}">
-                    <a16:rowId xmlns="" xmlns:a16="http://schemas.microsoft.com/office/drawing/2014/main" val="3222670053"/>
+                    <a16:rowId xmlns:a16="http://schemas.microsoft.com/office/drawing/2014/main" val="3222670053"/>
                   </a:ext>
                 </a:extLst>
               </a:tr>
-              <a:tr h="252469">
+              <a:tr h="354413">
                 <a:tc>
                   <a:txBody>
                     <a:bodyPr/>
@@ -16715,11 +17311,11 @@
                 </a:tc>
                 <a:extLst>
                   <a:ext uri="{0D108BD9-81ED-4DB2-BD59-A6C34878D82A}">
-                    <a16:rowId xmlns="" xmlns:a16="http://schemas.microsoft.com/office/drawing/2014/main" val="1661099666"/>
+                    <a16:rowId xmlns:a16="http://schemas.microsoft.com/office/drawing/2014/main" val="1661099666"/>
                   </a:ext>
                 </a:extLst>
               </a:tr>
-              <a:tr h="252469">
+              <a:tr h="260946">
                 <a:tc>
                   <a:txBody>
                     <a:bodyPr/>
@@ -16823,11 +17419,11 @@
                 </a:tc>
                 <a:extLst>
                   <a:ext uri="{0D108BD9-81ED-4DB2-BD59-A6C34878D82A}">
-                    <a16:rowId xmlns="" xmlns:a16="http://schemas.microsoft.com/office/drawing/2014/main" val="4172047643"/>
+                    <a16:rowId xmlns:a16="http://schemas.microsoft.com/office/drawing/2014/main" val="4172047643"/>
                   </a:ext>
                 </a:extLst>
               </a:tr>
-              <a:tr h="350545">
+              <a:tr h="362315">
                 <a:tc>
                   <a:txBody>
                     <a:bodyPr/>
@@ -16931,11 +17527,11 @@
                 </a:tc>
                 <a:extLst>
                   <a:ext uri="{0D108BD9-81ED-4DB2-BD59-A6C34878D82A}">
-                    <a16:rowId xmlns="" xmlns:a16="http://schemas.microsoft.com/office/drawing/2014/main" val="1057878429"/>
+                    <a16:rowId xmlns:a16="http://schemas.microsoft.com/office/drawing/2014/main" val="1057878429"/>
                   </a:ext>
                 </a:extLst>
               </a:tr>
-              <a:tr h="252469">
+              <a:tr h="260946">
                 <a:tc>
                   <a:txBody>
                     <a:bodyPr/>
@@ -17027,11 +17623,11 @@
                 </a:tc>
                 <a:extLst>
                   <a:ext uri="{0D108BD9-81ED-4DB2-BD59-A6C34878D82A}">
-                    <a16:rowId xmlns="" xmlns:a16="http://schemas.microsoft.com/office/drawing/2014/main" val="2151953881"/>
+                    <a16:rowId xmlns:a16="http://schemas.microsoft.com/office/drawing/2014/main" val="2151953881"/>
                   </a:ext>
                 </a:extLst>
               </a:tr>
-              <a:tr h="252469">
+              <a:tr h="260946">
                 <a:tc>
                   <a:txBody>
                     <a:bodyPr/>
@@ -17123,11 +17719,11 @@
                 </a:tc>
                 <a:extLst>
                   <a:ext uri="{0D108BD9-81ED-4DB2-BD59-A6C34878D82A}">
-                    <a16:rowId xmlns="" xmlns:a16="http://schemas.microsoft.com/office/drawing/2014/main" val="3615318075"/>
+                    <a16:rowId xmlns:a16="http://schemas.microsoft.com/office/drawing/2014/main" val="3615318075"/>
                   </a:ext>
                 </a:extLst>
               </a:tr>
-              <a:tr h="350545">
+              <a:tr h="362315">
                 <a:tc>
                   <a:txBody>
                     <a:bodyPr/>
@@ -17243,11 +17839,11 @@
                 </a:tc>
                 <a:extLst>
                   <a:ext uri="{0D108BD9-81ED-4DB2-BD59-A6C34878D82A}">
-                    <a16:rowId xmlns="" xmlns:a16="http://schemas.microsoft.com/office/drawing/2014/main" val="1810581365"/>
+                    <a16:rowId xmlns:a16="http://schemas.microsoft.com/office/drawing/2014/main" val="1810581365"/>
                   </a:ext>
                 </a:extLst>
               </a:tr>
-              <a:tr h="252469">
+              <a:tr h="319724">
                 <a:tc>
                   <a:txBody>
                     <a:bodyPr/>
@@ -17351,17 +17947,58 @@
                 </a:tc>
                 <a:extLst>
                   <a:ext uri="{0D108BD9-81ED-4DB2-BD59-A6C34878D82A}">
-                    <a16:rowId xmlns="" xmlns:a16="http://schemas.microsoft.com/office/drawing/2014/main" val="240284698"/>
+                    <a16:rowId xmlns:a16="http://schemas.microsoft.com/office/drawing/2014/main" val="240284698"/>
                   </a:ext>
                 </a:extLst>
               </a:tr>
-              <a:tr h="252469">
-                <a:tc>
-                  <a:txBody>
-                    <a:bodyPr/>
-                    <a:lstStyle/>
-                    <a:p>
-                      <a:pPr algn="l" fontAlgn="b"/>
+              <a:tr h="354413">
+                <a:tc>
+                  <a:txBody>
+                    <a:bodyPr/>
+                    <a:lstStyle/>
+                    <a:p>
+                      <a:pPr marL="0" algn="l" defTabSz="914400" rtl="0" eaLnBrk="1" fontAlgn="b" latinLnBrk="0" hangingPunct="1"/>
+                      <a:r>
+                        <a:rPr lang="en-US" sz="1100" b="0" i="0" u="none" strike="noStrike" kern="1200" dirty="0" smtClean="0">
+                          <a:solidFill>
+                            <a:srgbClr val="000000"/>
+                          </a:solidFill>
+                          <a:effectLst/>
+                          <a:latin typeface="Calibri" panose="020F0502020204030204" pitchFamily="34" charset="0"/>
+                          <a:ea typeface="+mn-ea"/>
+                          <a:cs typeface="+mn-cs"/>
+                        </a:rPr>
+                        <a:t>Stress Hydrocortisone in Pediatric Septic Shock (SHIPSS)</a:t>
+                      </a:r>
+                      <a:endParaRPr lang="en-US" sz="1100" b="0" i="0" u="none" strike="noStrike" kern="1200" dirty="0">
+                        <a:solidFill>
+                          <a:srgbClr val="000000"/>
+                        </a:solidFill>
+                        <a:effectLst/>
+                        <a:latin typeface="Calibri" panose="020F0502020204030204" pitchFamily="34" charset="0"/>
+                        <a:ea typeface="+mn-ea"/>
+                        <a:cs typeface="+mn-cs"/>
+                      </a:endParaRPr>
+                    </a:p>
+                  </a:txBody>
+                  <a:tcPr marL="7620" marR="7620" marT="7620" marB="0" anchor="b"/>
+                </a:tc>
+                <a:tc>
+                  <a:txBody>
+                    <a:bodyPr/>
+                    <a:lstStyle/>
+                    <a:p>
+                      <a:pPr algn="l" fontAlgn="b"/>
+                      <a:r>
+                        <a:rPr lang="en-US" sz="1100" b="0" i="0" u="none" strike="noStrike" dirty="0" smtClean="0">
+                          <a:solidFill>
+                            <a:srgbClr val="000000"/>
+                          </a:solidFill>
+                          <a:effectLst/>
+                          <a:latin typeface="Calibri" panose="020F0502020204030204" pitchFamily="34" charset="0"/>
+                        </a:rPr>
+                        <a:t>C. Allen</a:t>
+                      </a:r>
                       <a:endParaRPr lang="en-US" sz="1100" b="0" i="0" u="none" strike="noStrike" dirty="0">
                         <a:solidFill>
                           <a:srgbClr val="000000"/>
@@ -17379,23 +18016,16 @@
                     <a:lstStyle/>
                     <a:p>
                       <a:pPr algn="l" fontAlgn="b"/>
-                      <a:endParaRPr lang="en-US" sz="1100" b="0" i="0" u="none" strike="noStrike" dirty="0">
-                        <a:solidFill>
-                          <a:srgbClr val="000000"/>
-                        </a:solidFill>
-                        <a:effectLst/>
-                        <a:latin typeface="Calibri" panose="020F0502020204030204" pitchFamily="34" charset="0"/>
-                      </a:endParaRPr>
-                    </a:p>
-                  </a:txBody>
-                  <a:tcPr marL="7620" marR="7620" marT="7620" marB="0" anchor="b"/>
-                </a:tc>
-                <a:tc>
-                  <a:txBody>
-                    <a:bodyPr/>
-                    <a:lstStyle/>
-                    <a:p>
-                      <a:pPr algn="l" fontAlgn="b"/>
+                      <a:r>
+                        <a:rPr lang="en-US" sz="1100" b="0" i="0" u="none" strike="noStrike" dirty="0" smtClean="0">
+                          <a:solidFill>
+                            <a:srgbClr val="000000"/>
+                          </a:solidFill>
+                          <a:effectLst/>
+                          <a:latin typeface="Calibri" panose="020F0502020204030204" pitchFamily="34" charset="0"/>
+                        </a:rPr>
+                        <a:t>Pediatrics</a:t>
+                      </a:r>
                       <a:endParaRPr lang="en-US" sz="1100" b="0" i="0" u="none" strike="noStrike" dirty="0">
                         <a:solidFill>
                           <a:srgbClr val="000000"/>
@@ -17409,17 +18039,58 @@
                 </a:tc>
                 <a:extLst>
                   <a:ext uri="{0D108BD9-81ED-4DB2-BD59-A6C34878D82A}">
-                    <a16:rowId xmlns="" xmlns:a16="http://schemas.microsoft.com/office/drawing/2014/main" val="2906176452"/>
+                    <a16:rowId xmlns:a16="http://schemas.microsoft.com/office/drawing/2014/main" val="2906176452"/>
                   </a:ext>
                 </a:extLst>
               </a:tr>
-              <a:tr h="252469">
-                <a:tc>
-                  <a:txBody>
-                    <a:bodyPr/>
-                    <a:lstStyle/>
-                    <a:p>
-                      <a:pPr algn="l" fontAlgn="b"/>
+              <a:tr h="354413">
+                <a:tc>
+                  <a:txBody>
+                    <a:bodyPr/>
+                    <a:lstStyle/>
+                    <a:p>
+                      <a:pPr algn="l" fontAlgn="b"/>
+                      <a:r>
+                        <a:rPr lang="en-US" sz="1100" b="0" i="0" u="none" strike="noStrike" kern="1200" dirty="0" smtClean="0">
+                          <a:solidFill>
+                            <a:srgbClr val="000000"/>
+                          </a:solidFill>
+                          <a:effectLst/>
+                          <a:latin typeface="Calibri" panose="020F0502020204030204" pitchFamily="34" charset="0"/>
+                          <a:ea typeface="+mn-ea"/>
+                          <a:cs typeface="+mn-cs"/>
+                        </a:rPr>
+                        <a:t>Severe Neurologic Injury Outcomes during COVID 19 Crisis (NCC COVID 19 OUTCOMES)</a:t>
+                      </a:r>
+                      <a:endParaRPr lang="en-US" sz="1100" b="0" i="0" u="none" strike="noStrike" kern="1200" dirty="0">
+                        <a:solidFill>
+                          <a:srgbClr val="000000"/>
+                        </a:solidFill>
+                        <a:effectLst/>
+                        <a:latin typeface="Calibri" panose="020F0502020204030204" pitchFamily="34" charset="0"/>
+                        <a:ea typeface="+mn-ea"/>
+                        <a:cs typeface="+mn-cs"/>
+                      </a:endParaRPr>
+                    </a:p>
+                  </a:txBody>
+                  <a:tcPr marL="7620" marR="7620" marT="7620" marB="0" anchor="b"/>
+                </a:tc>
+                <a:tc>
+                  <a:txBody>
+                    <a:bodyPr/>
+                    <a:lstStyle/>
+                    <a:p>
+                      <a:pPr algn="l" fontAlgn="b"/>
+                      <a:r>
+                        <a:rPr lang="en-US" sz="1100" b="0" i="0" u="none" strike="noStrike" dirty="0" smtClean="0">
+                          <a:solidFill>
+                            <a:srgbClr val="000000"/>
+                          </a:solidFill>
+                          <a:effectLst/>
+                          <a:latin typeface="Calibri" panose="020F0502020204030204" pitchFamily="34" charset="0"/>
+                        </a:rPr>
+                        <a:t>D. Masoom</a:t>
+                      </a:r>
                       <a:endParaRPr lang="en-US" sz="1100" b="0" i="0" u="none" strike="noStrike" dirty="0">
                         <a:solidFill>
                           <a:srgbClr val="000000"/>
@@ -17437,23 +18108,16 @@
                     <a:lstStyle/>
                     <a:p>
                       <a:pPr algn="l" fontAlgn="b"/>
-                      <a:endParaRPr lang="en-US" sz="1100" b="0" i="0" u="none" strike="noStrike" dirty="0">
-                        <a:solidFill>
-                          <a:srgbClr val="000000"/>
-                        </a:solidFill>
-                        <a:effectLst/>
-                        <a:latin typeface="Calibri" panose="020F0502020204030204" pitchFamily="34" charset="0"/>
-                      </a:endParaRPr>
-                    </a:p>
-                  </a:txBody>
-                  <a:tcPr marL="7620" marR="7620" marT="7620" marB="0" anchor="b"/>
-                </a:tc>
-                <a:tc>
-                  <a:txBody>
-                    <a:bodyPr/>
-                    <a:lstStyle/>
-                    <a:p>
-                      <a:pPr algn="l" fontAlgn="b"/>
+                      <a:r>
+                        <a:rPr lang="en-US" sz="1100" b="0" i="0" u="none" strike="noStrike" dirty="0" smtClean="0">
+                          <a:solidFill>
+                            <a:srgbClr val="000000"/>
+                          </a:solidFill>
+                          <a:effectLst/>
+                          <a:latin typeface="Calibri" panose="020F0502020204030204" pitchFamily="34" charset="0"/>
+                        </a:rPr>
+                        <a:t>Neurology</a:t>
+                      </a:r>
                       <a:endParaRPr lang="en-US" sz="1100" b="0" i="0" u="none" strike="noStrike" dirty="0">
                         <a:solidFill>
                           <a:srgbClr val="000000"/>
@@ -17467,17 +18131,60 @@
                 </a:tc>
                 <a:extLst>
                   <a:ext uri="{0D108BD9-81ED-4DB2-BD59-A6C34878D82A}">
-                    <a16:rowId xmlns="" xmlns:a16="http://schemas.microsoft.com/office/drawing/2014/main" val="3562986470"/>
+                    <a16:rowId xmlns:a16="http://schemas.microsoft.com/office/drawing/2014/main" val="3562986470"/>
                   </a:ext>
                 </a:extLst>
               </a:tr>
-              <a:tr h="252469">
-                <a:tc>
-                  <a:txBody>
-                    <a:bodyPr/>
-                    <a:lstStyle/>
-                    <a:p>
-                      <a:pPr algn="l" fontAlgn="b"/>
+              <a:tr h="354413">
+                <a:tc>
+                  <a:txBody>
+                    <a:bodyPr/>
+                    <a:lstStyle/>
+                    <a:p>
+                      <a:pPr marL="0" algn="l" defTabSz="914400" rtl="0" eaLnBrk="1" fontAlgn="b" latinLnBrk="0" hangingPunct="1"/>
+                      <a:r>
+                        <a:rPr lang="en-US" sz="1100" b="0" i="0" u="none" strike="noStrike" kern="1200" dirty="0" smtClean="0">
+                          <a:solidFill>
+                            <a:srgbClr val="000000"/>
+                          </a:solidFill>
+                          <a:effectLst/>
+                          <a:latin typeface="Calibri" panose="020F0502020204030204" pitchFamily="34" charset="0"/>
+                          <a:ea typeface="+mn-ea"/>
+                          <a:cs typeface="+mn-cs"/>
+                        </a:rPr>
+                        <a:t>Implementation of pain protocol and outcome of sickle cell patients</a:t>
+                      </a:r>
+                      <a:endParaRPr lang="en-US" sz="1100" b="0" i="0" u="none" strike="noStrike" kern="1200" dirty="0">
+                        <a:solidFill>
+                          <a:srgbClr val="000000"/>
+                        </a:solidFill>
+                        <a:effectLst/>
+                        <a:latin typeface="Calibri" panose="020F0502020204030204" pitchFamily="34" charset="0"/>
+                        <a:ea typeface="+mn-ea"/>
+                        <a:cs typeface="+mn-cs"/>
+                      </a:endParaRPr>
+                    </a:p>
+                  </a:txBody>
+                  <a:tcPr marL="7620" marR="7620" marT="7620" marB="0" anchor="b"/>
+                </a:tc>
+                <a:tc>
+                  <a:txBody>
+                    <a:bodyPr/>
+                    <a:lstStyle/>
+                    <a:p>
+                      <a:pPr marL="0" indent="0" algn="l" fontAlgn="b">
+                        <a:buNone/>
+                      </a:pPr>
+                      <a:r>
+                        <a:rPr lang="en-US" sz="1100" b="0" i="0" u="none" strike="noStrike" dirty="0" smtClean="0">
+                          <a:solidFill>
+                            <a:srgbClr val="000000"/>
+                          </a:solidFill>
+                          <a:effectLst/>
+                          <a:latin typeface="Calibri" panose="020F0502020204030204" pitchFamily="34" charset="0"/>
+                        </a:rPr>
+                        <a:t>L. Rooms</a:t>
+                      </a:r>
                       <a:endParaRPr lang="en-US" sz="1100" b="0" i="0" u="none" strike="noStrike" dirty="0">
                         <a:solidFill>
                           <a:srgbClr val="000000"/>
@@ -17494,26 +18201,17 @@
                     <a:bodyPr/>
                     <a:lstStyle/>
                     <a:p>
-                      <a:pPr marL="228600" indent="-228600" algn="l" fontAlgn="b">
-                        <a:buAutoNum type="alphaUcPeriod"/>
-                      </a:pPr>
-                      <a:endParaRPr lang="en-US" sz="1100" b="0" i="0" u="none" strike="noStrike" dirty="0">
-                        <a:solidFill>
-                          <a:srgbClr val="000000"/>
-                        </a:solidFill>
-                        <a:effectLst/>
-                        <a:latin typeface="Calibri" panose="020F0502020204030204" pitchFamily="34" charset="0"/>
-                      </a:endParaRPr>
-                    </a:p>
-                  </a:txBody>
-                  <a:tcPr marL="7620" marR="7620" marT="7620" marB="0" anchor="b"/>
-                </a:tc>
-                <a:tc>
-                  <a:txBody>
-                    <a:bodyPr/>
-                    <a:lstStyle/>
-                    <a:p>
-                      <a:pPr algn="l" fontAlgn="b"/>
+                      <a:pPr algn="l" fontAlgn="b"/>
+                      <a:r>
+                        <a:rPr lang="en-US" sz="1100" b="0" i="0" u="none" strike="noStrike" dirty="0" smtClean="0">
+                          <a:solidFill>
+                            <a:srgbClr val="000000"/>
+                          </a:solidFill>
+                          <a:effectLst/>
+                          <a:latin typeface="Calibri" panose="020F0502020204030204" pitchFamily="34" charset="0"/>
+                        </a:rPr>
+                        <a:t>Pediatrics</a:t>
+                      </a:r>
                       <a:endParaRPr lang="en-US" sz="1100" b="0" i="0" u="none" strike="noStrike" dirty="0">
                         <a:solidFill>
                           <a:srgbClr val="000000"/>
@@ -17527,17 +18225,68 @@
                 </a:tc>
                 <a:extLst>
                   <a:ext uri="{0D108BD9-81ED-4DB2-BD59-A6C34878D82A}">
-                    <a16:rowId xmlns="" xmlns:a16="http://schemas.microsoft.com/office/drawing/2014/main" val="1671168545"/>
+                    <a16:rowId xmlns:a16="http://schemas.microsoft.com/office/drawing/2014/main" val="1671168545"/>
                   </a:ext>
                 </a:extLst>
               </a:tr>
-              <a:tr h="252469">
-                <a:tc>
-                  <a:txBody>
-                    <a:bodyPr/>
-                    <a:lstStyle/>
-                    <a:p>
-                      <a:pPr algn="l" fontAlgn="b"/>
+              <a:tr h="260946">
+                <a:tc>
+                  <a:txBody>
+                    <a:bodyPr/>
+                    <a:lstStyle/>
+                    <a:p>
+                      <a:pPr marL="0" algn="l" defTabSz="914400" rtl="0" eaLnBrk="1" fontAlgn="b" latinLnBrk="0" hangingPunct="1"/>
+                      <a:r>
+                        <a:rPr lang="en-US" sz="1100" b="0" i="0" u="none" strike="noStrike" kern="1200" dirty="0" smtClean="0">
+                          <a:solidFill>
+                            <a:srgbClr val="000000"/>
+                          </a:solidFill>
+                          <a:effectLst/>
+                          <a:latin typeface="Calibri" panose="020F0502020204030204" pitchFamily="34" charset="0"/>
+                          <a:ea typeface="+mn-ea"/>
+                          <a:cs typeface="+mn-cs"/>
+                        </a:rPr>
+                        <a:t>ORIEN Project; Total Cancer Care Protocol</a:t>
+                      </a:r>
+                      <a:endParaRPr lang="en-US" sz="1100" b="0" i="0" u="none" strike="noStrike" kern="1200" dirty="0">
+                        <a:solidFill>
+                          <a:srgbClr val="000000"/>
+                        </a:solidFill>
+                        <a:effectLst/>
+                        <a:latin typeface="Calibri" panose="020F0502020204030204" pitchFamily="34" charset="0"/>
+                        <a:ea typeface="+mn-ea"/>
+                        <a:cs typeface="+mn-cs"/>
+                      </a:endParaRPr>
+                    </a:p>
+                  </a:txBody>
+                  <a:tcPr marL="7620" marR="7620" marT="7620" marB="0" anchor="b"/>
+                </a:tc>
+                <a:tc>
+                  <a:txBody>
+                    <a:bodyPr/>
+                    <a:lstStyle/>
+                    <a:p>
+                      <a:pPr algn="l" fontAlgn="b"/>
+                      <a:r>
+                        <a:rPr lang="en-US" sz="1100" b="0" i="0" u="none" strike="noStrike" dirty="0" smtClean="0">
+                          <a:solidFill>
+                            <a:srgbClr val="000000"/>
+                          </a:solidFill>
+                          <a:effectLst/>
+                          <a:latin typeface="Calibri" panose="020F0502020204030204" pitchFamily="34" charset="0"/>
+                        </a:rPr>
+                        <a:t>A. </a:t>
+                      </a:r>
+                      <a:r>
+                        <a:rPr lang="en-US" sz="1100" b="0" i="0" u="none" strike="noStrike" dirty="0" err="1" smtClean="0">
+                          <a:solidFill>
+                            <a:srgbClr val="000000"/>
+                          </a:solidFill>
+                          <a:effectLst/>
+                          <a:latin typeface="Calibri" panose="020F0502020204030204" pitchFamily="34" charset="0"/>
+                        </a:rPr>
+                        <a:t>Tripathi</a:t>
+                      </a:r>
                       <a:endParaRPr lang="en-US" sz="1100" b="0" i="0" u="none" strike="noStrike" dirty="0">
                         <a:solidFill>
                           <a:srgbClr val="000000"/>
@@ -17555,23 +18304,16 @@
                     <a:lstStyle/>
                     <a:p>
                       <a:pPr algn="l" fontAlgn="b"/>
-                      <a:endParaRPr lang="en-US" sz="1100" b="0" i="0" u="none" strike="noStrike" dirty="0">
-                        <a:solidFill>
-                          <a:srgbClr val="000000"/>
-                        </a:solidFill>
-                        <a:effectLst/>
-                        <a:latin typeface="Calibri" panose="020F0502020204030204" pitchFamily="34" charset="0"/>
-                      </a:endParaRPr>
-                    </a:p>
-                  </a:txBody>
-                  <a:tcPr marL="7620" marR="7620" marT="7620" marB="0" anchor="b"/>
-                </a:tc>
-                <a:tc>
-                  <a:txBody>
-                    <a:bodyPr/>
-                    <a:lstStyle/>
-                    <a:p>
-                      <a:pPr algn="l" fontAlgn="b"/>
+                      <a:r>
+                        <a:rPr lang="en-US" sz="1100" b="0" i="0" u="none" strike="noStrike" dirty="0" smtClean="0">
+                          <a:solidFill>
+                            <a:srgbClr val="000000"/>
+                          </a:solidFill>
+                          <a:effectLst/>
+                          <a:latin typeface="Calibri" panose="020F0502020204030204" pitchFamily="34" charset="0"/>
+                        </a:rPr>
+                        <a:t>Cancer Center</a:t>
+                      </a:r>
                       <a:endParaRPr lang="en-US" sz="1100" b="0" i="0" u="none" strike="noStrike" dirty="0">
                         <a:solidFill>
                           <a:srgbClr val="000000"/>
@@ -17585,126 +18327,7 @@
                 </a:tc>
                 <a:extLst>
                   <a:ext uri="{0D108BD9-81ED-4DB2-BD59-A6C34878D82A}">
-                    <a16:rowId xmlns="" xmlns:a16="http://schemas.microsoft.com/office/drawing/2014/main" val="2432487341"/>
-                  </a:ext>
-                </a:extLst>
-              </a:tr>
-              <a:tr h="287147">
-                <a:tc>
-                  <a:txBody>
-                    <a:bodyPr/>
-                    <a:lstStyle/>
-                    <a:p>
-                      <a:pPr algn="l" fontAlgn="b"/>
-                      <a:endParaRPr lang="en-US" sz="1100" b="0" i="0" u="none" strike="noStrike" kern="1200" dirty="0">
-                        <a:solidFill>
-                          <a:srgbClr val="000000"/>
-                        </a:solidFill>
-                        <a:effectLst/>
-                        <a:latin typeface="Calibri" panose="020F0502020204030204" pitchFamily="34" charset="0"/>
-                        <a:ea typeface="+mn-ea"/>
-                        <a:cs typeface="+mn-cs"/>
-                      </a:endParaRPr>
-                    </a:p>
-                  </a:txBody>
-                  <a:tcPr marL="7620" marR="7620" marT="7620" marB="0" anchor="b"/>
-                </a:tc>
-                <a:tc>
-                  <a:txBody>
-                    <a:bodyPr/>
-                    <a:lstStyle/>
-                    <a:p>
-                      <a:pPr algn="l" fontAlgn="b"/>
-                      <a:endParaRPr lang="en-US" sz="1100" b="0" i="0" u="none" strike="noStrike" dirty="0">
-                        <a:solidFill>
-                          <a:srgbClr val="000000"/>
-                        </a:solidFill>
-                        <a:effectLst/>
-                        <a:latin typeface="Calibri" panose="020F0502020204030204" pitchFamily="34" charset="0"/>
-                      </a:endParaRPr>
-                    </a:p>
-                  </a:txBody>
-                  <a:tcPr marL="7620" marR="7620" marT="7620" marB="0" anchor="b"/>
-                </a:tc>
-                <a:tc>
-                  <a:txBody>
-                    <a:bodyPr/>
-                    <a:lstStyle/>
-                    <a:p>
-                      <a:pPr algn="l" fontAlgn="b"/>
-                      <a:endParaRPr lang="en-US" sz="1100" b="0" i="0" u="none" strike="noStrike" dirty="0">
-                        <a:solidFill>
-                          <a:srgbClr val="000000"/>
-                        </a:solidFill>
-                        <a:effectLst/>
-                        <a:latin typeface="Calibri" panose="020F0502020204030204" pitchFamily="34" charset="0"/>
-                      </a:endParaRPr>
-                    </a:p>
-                  </a:txBody>
-                  <a:tcPr marL="7620" marR="7620" marT="7620" marB="0" anchor="b"/>
-                </a:tc>
-                <a:extLst>
-                  <a:ext uri="{0D108BD9-81ED-4DB2-BD59-A6C34878D82A}">
-                    <a16:rowId xmlns="" xmlns:a16="http://schemas.microsoft.com/office/drawing/2014/main" val="823347675"/>
-                  </a:ext>
-                </a:extLst>
-              </a:tr>
-              <a:tr h="285824">
-                <a:tc>
-                  <a:txBody>
-                    <a:bodyPr/>
-                    <a:lstStyle/>
-                    <a:p>
-                      <a:endParaRPr lang="en-US" sz="1100" b="0" i="0" u="none" strike="noStrike" kern="1200" dirty="0">
-                        <a:solidFill>
-                          <a:srgbClr val="000000"/>
-                        </a:solidFill>
-                        <a:effectLst/>
-                        <a:latin typeface="Calibri" panose="020F0502020204030204" pitchFamily="34" charset="0"/>
-                        <a:ea typeface="+mn-ea"/>
-                        <a:cs typeface="+mn-cs"/>
-                      </a:endParaRPr>
-                    </a:p>
-                  </a:txBody>
-                  <a:tcPr marL="47625" marR="47625" marT="47625" marB="47625" anchor="ctr"/>
-                </a:tc>
-                <a:tc>
-                  <a:txBody>
-                    <a:bodyPr/>
-                    <a:lstStyle/>
-                    <a:p>
-                      <a:pPr algn="l" fontAlgn="b"/>
-                      <a:endParaRPr lang="en-US" sz="1100" b="0" i="0" u="none" strike="noStrike" dirty="0">
-                        <a:solidFill>
-                          <a:srgbClr val="000000"/>
-                        </a:solidFill>
-                        <a:effectLst/>
-                        <a:latin typeface="Calibri" panose="020F0502020204030204" pitchFamily="34" charset="0"/>
-                      </a:endParaRPr>
-                    </a:p>
-                  </a:txBody>
-                  <a:tcPr marL="7620" marR="7620" marT="7620" marB="0" anchor="b"/>
-                </a:tc>
-                <a:tc>
-                  <a:txBody>
-                    <a:bodyPr/>
-                    <a:lstStyle/>
-                    <a:p>
-                      <a:pPr algn="l" fontAlgn="b"/>
-                      <a:endParaRPr lang="en-US" sz="1100" b="0" i="0" u="none" strike="noStrike" dirty="0">
-                        <a:solidFill>
-                          <a:srgbClr val="000000"/>
-                        </a:solidFill>
-                        <a:effectLst/>
-                        <a:latin typeface="Calibri" panose="020F0502020204030204" pitchFamily="34" charset="0"/>
-                      </a:endParaRPr>
-                    </a:p>
-                  </a:txBody>
-                  <a:tcPr marL="7620" marR="7620" marT="7620" marB="0" anchor="b"/>
-                </a:tc>
-                <a:extLst>
-                  <a:ext uri="{0D108BD9-81ED-4DB2-BD59-A6C34878D82A}">
-                    <a16:rowId xmlns="" xmlns:a16="http://schemas.microsoft.com/office/drawing/2014/main" val="3888237083"/>
+                    <a16:rowId xmlns:a16="http://schemas.microsoft.com/office/drawing/2014/main" val="2432487341"/>
                   </a:ext>
                 </a:extLst>
               </a:tr>
@@ -17733,6 +18356,1600 @@
 </file>
 
 <file path=ppt/slides/slide8.xml><?xml version="1.0" encoding="utf-8"?>
+<p:sld xmlns:a="http://schemas.openxmlformats.org/drawingml/2006/main" xmlns:r="http://schemas.openxmlformats.org/officeDocument/2006/relationships" xmlns:p="http://schemas.openxmlformats.org/presentationml/2006/main">
+  <p:cSld>
+    <p:spTree>
+      <p:nvGrpSpPr>
+        <p:cNvPr id="1" name=""/>
+        <p:cNvGrpSpPr/>
+        <p:nvPr/>
+      </p:nvGrpSpPr>
+      <p:grpSpPr>
+        <a:xfrm>
+          <a:off x="0" y="0"/>
+          <a:ext cx="0" cy="0"/>
+          <a:chOff x="0" y="0"/>
+          <a:chExt cx="0" cy="0"/>
+        </a:xfrm>
+      </p:grpSpPr>
+      <p:sp>
+        <p:nvSpPr>
+          <p:cNvPr id="2" name="Title 1"/>
+          <p:cNvSpPr>
+            <a:spLocks noGrp="1"/>
+          </p:cNvSpPr>
+          <p:nvPr>
+            <p:ph type="title" idx="4294967295"/>
+          </p:nvPr>
+        </p:nvSpPr>
+        <p:spPr>
+          <a:xfrm>
+            <a:off x="699247" y="141007"/>
+            <a:ext cx="10515600" cy="804863"/>
+          </a:xfrm>
+        </p:spPr>
+        <p:txBody>
+          <a:bodyPr>
+            <a:normAutofit fontScale="90000"/>
+          </a:bodyPr>
+          <a:lstStyle/>
+          <a:p>
+            <a:pPr algn="ctr"/>
+            <a:r>
+              <a:rPr lang="en-US" sz="3200" b="1" i="1" dirty="0">
+                <a:solidFill>
+                  <a:srgbClr val="0070C0"/>
+                </a:solidFill>
+              </a:rPr>
+              <a:t>Clinical Trials &amp; Other Research Studies Supported by the </a:t>
+            </a:r>
+            <a:r>
+              <a:rPr lang="en-US" sz="3200" b="1" i="1" dirty="0" smtClean="0">
+                <a:solidFill>
+                  <a:srgbClr val="0070C0"/>
+                </a:solidFill>
+              </a:rPr>
+              <a:t>CDW</a:t>
+            </a:r>
+            <a:br>
+              <a:rPr lang="en-US" sz="3200" b="1" i="1" dirty="0" smtClean="0">
+                <a:solidFill>
+                  <a:srgbClr val="0070C0"/>
+                </a:solidFill>
+              </a:rPr>
+            </a:br>
+            <a:r>
+              <a:rPr lang="en-US" sz="3200" dirty="0">
+                <a:solidFill>
+                  <a:schemeClr val="bg1">
+                    <a:lumMod val="50000"/>
+                  </a:schemeClr>
+                </a:solidFill>
+              </a:rPr>
+              <a:t>s</a:t>
+            </a:r>
+            <a:r>
+              <a:rPr lang="en-US" sz="3200" dirty="0" smtClean="0">
+                <a:solidFill>
+                  <a:schemeClr val="bg1">
+                    <a:lumMod val="50000"/>
+                  </a:schemeClr>
+                </a:solidFill>
+              </a:rPr>
+              <a:t>ince 2017; page </a:t>
+            </a:r>
+            <a:r>
+              <a:rPr lang="en-US" sz="3200" dirty="0" smtClean="0">
+                <a:solidFill>
+                  <a:schemeClr val="bg1">
+                    <a:lumMod val="50000"/>
+                  </a:schemeClr>
+                </a:solidFill>
+              </a:rPr>
+              <a:t>4</a:t>
+            </a:r>
+            <a:endParaRPr lang="en-US" sz="3200" dirty="0">
+              <a:solidFill>
+                <a:schemeClr val="bg1">
+                  <a:lumMod val="50000"/>
+                </a:schemeClr>
+              </a:solidFill>
+            </a:endParaRPr>
+          </a:p>
+        </p:txBody>
+      </p:sp>
+      <p:graphicFrame>
+        <p:nvGraphicFramePr>
+          <p:cNvPr id="4" name="Table 3"/>
+          <p:cNvGraphicFramePr>
+            <a:graphicFrameLocks noGrp="1"/>
+          </p:cNvGraphicFramePr>
+          <p:nvPr>
+            <p:extLst>
+              <p:ext uri="{D42A27DB-BD31-4B8C-83A1-F6EECF244321}">
+                <p14:modId xmlns:p14="http://schemas.microsoft.com/office/powerpoint/2010/main" val="1323827819"/>
+              </p:ext>
+            </p:extLst>
+          </p:nvPr>
+        </p:nvGraphicFramePr>
+        <p:xfrm>
+          <a:off x="462810" y="1345919"/>
+          <a:ext cx="5373220" cy="4149452"/>
+        </p:xfrm>
+        <a:graphic>
+          <a:graphicData uri="http://schemas.openxmlformats.org/drawingml/2006/table">
+            <a:tbl>
+              <a:tblPr>
+                <a:tableStyleId>{5C22544A-7EE6-4342-B048-85BDC9FD1C3A}</a:tableStyleId>
+              </a:tblPr>
+              <a:tblGrid>
+                <a:gridCol w="3333583">
+                  <a:extLst>
+                    <a:ext uri="{9D8B030D-6E8A-4147-A177-3AD203B41FA5}">
+                      <a16:colId xmlns:a16="http://schemas.microsoft.com/office/drawing/2014/main" val="1356431335"/>
+                    </a:ext>
+                  </a:extLst>
+                </a:gridCol>
+                <a:gridCol w="869736">
+                  <a:extLst>
+                    <a:ext uri="{9D8B030D-6E8A-4147-A177-3AD203B41FA5}">
+                      <a16:colId xmlns:a16="http://schemas.microsoft.com/office/drawing/2014/main" val="4074852346"/>
+                    </a:ext>
+                  </a:extLst>
+                </a:gridCol>
+                <a:gridCol w="1169901">
+                  <a:extLst>
+                    <a:ext uri="{9D8B030D-6E8A-4147-A177-3AD203B41FA5}">
+                      <a16:colId xmlns:a16="http://schemas.microsoft.com/office/drawing/2014/main" val="715510892"/>
+                    </a:ext>
+                  </a:extLst>
+                </a:gridCol>
+              </a:tblGrid>
+              <a:tr h="239252">
+                <a:tc>
+                  <a:txBody>
+                    <a:bodyPr/>
+                    <a:lstStyle/>
+                    <a:p>
+                      <a:pPr algn="l" fontAlgn="b"/>
+                      <a:r>
+                        <a:rPr lang="en-US" sz="1100" b="1" u="none" strike="noStrike" dirty="0">
+                          <a:effectLst/>
+                        </a:rPr>
+                        <a:t>Short Name</a:t>
+                      </a:r>
+                      <a:endParaRPr lang="en-US" sz="1100" b="1" i="0" u="none" strike="noStrike" dirty="0">
+                        <a:solidFill>
+                          <a:srgbClr val="000000"/>
+                        </a:solidFill>
+                        <a:effectLst/>
+                        <a:latin typeface="Calibri" panose="020F0502020204030204" pitchFamily="34" charset="0"/>
+                      </a:endParaRPr>
+                    </a:p>
+                  </a:txBody>
+                  <a:tcPr marL="7620" marR="7620" marT="7620" marB="0" anchor="b"/>
+                </a:tc>
+                <a:tc>
+                  <a:txBody>
+                    <a:bodyPr/>
+                    <a:lstStyle/>
+                    <a:p>
+                      <a:pPr algn="l" fontAlgn="b"/>
+                      <a:r>
+                        <a:rPr lang="en-US" sz="1100" b="1" u="none" strike="noStrike" dirty="0">
+                          <a:effectLst/>
+                        </a:rPr>
+                        <a:t>PI</a:t>
+                      </a:r>
+                      <a:endParaRPr lang="en-US" sz="1100" b="1" i="0" u="none" strike="noStrike" dirty="0">
+                        <a:solidFill>
+                          <a:srgbClr val="000000"/>
+                        </a:solidFill>
+                        <a:effectLst/>
+                        <a:latin typeface="Calibri" panose="020F0502020204030204" pitchFamily="34" charset="0"/>
+                      </a:endParaRPr>
+                    </a:p>
+                  </a:txBody>
+                  <a:tcPr marL="7620" marR="7620" marT="7620" marB="0" anchor="b"/>
+                </a:tc>
+                <a:tc>
+                  <a:txBody>
+                    <a:bodyPr/>
+                    <a:lstStyle/>
+                    <a:p>
+                      <a:pPr algn="l" fontAlgn="b"/>
+                      <a:r>
+                        <a:rPr lang="en-US" sz="1100" b="1" u="none" strike="noStrike" dirty="0">
+                          <a:effectLst/>
+                        </a:rPr>
+                        <a:t>Department</a:t>
+                      </a:r>
+                      <a:endParaRPr lang="en-US" sz="1100" b="1" i="0" u="none" strike="noStrike" dirty="0">
+                        <a:solidFill>
+                          <a:srgbClr val="000000"/>
+                        </a:solidFill>
+                        <a:effectLst/>
+                        <a:latin typeface="Calibri" panose="020F0502020204030204" pitchFamily="34" charset="0"/>
+                      </a:endParaRPr>
+                    </a:p>
+                  </a:txBody>
+                  <a:tcPr marL="7620" marR="7620" marT="7620" marB="0" anchor="b"/>
+                </a:tc>
+                <a:extLst>
+                  <a:ext uri="{0D108BD9-81ED-4DB2-BD59-A6C34878D82A}">
+                    <a16:rowId xmlns:a16="http://schemas.microsoft.com/office/drawing/2014/main" val="1236399335"/>
+                  </a:ext>
+                </a:extLst>
+              </a:tr>
+              <a:tr h="239252">
+                <a:tc>
+                  <a:txBody>
+                    <a:bodyPr/>
+                    <a:lstStyle/>
+                    <a:p>
+                      <a:pPr algn="l" fontAlgn="b"/>
+                      <a:r>
+                        <a:rPr lang="en-US" sz="1100" b="0" i="0" u="none" strike="noStrike" kern="1200" dirty="0" smtClean="0">
+                          <a:solidFill>
+                            <a:srgbClr val="000000"/>
+                          </a:solidFill>
+                          <a:effectLst/>
+                          <a:latin typeface="Calibri" panose="020F0502020204030204" pitchFamily="34" charset="0"/>
+                          <a:ea typeface="+mn-ea"/>
+                          <a:cs typeface="+mn-cs"/>
+                        </a:rPr>
+                        <a:t>Predictors of Sever Sepsis in Patients with Intestinal Failure</a:t>
+                      </a:r>
+                      <a:endParaRPr lang="en-US" sz="1100" b="0" i="0" u="none" strike="noStrike" kern="1200" dirty="0">
+                        <a:solidFill>
+                          <a:srgbClr val="000000"/>
+                        </a:solidFill>
+                        <a:effectLst/>
+                        <a:latin typeface="Calibri" panose="020F0502020204030204" pitchFamily="34" charset="0"/>
+                        <a:ea typeface="+mn-ea"/>
+                        <a:cs typeface="+mn-cs"/>
+                      </a:endParaRPr>
+                    </a:p>
+                  </a:txBody>
+                  <a:tcPr marL="7620" marR="7620" marT="7620" marB="0" anchor="b"/>
+                </a:tc>
+                <a:tc>
+                  <a:txBody>
+                    <a:bodyPr/>
+                    <a:lstStyle/>
+                    <a:p>
+                      <a:pPr algn="l" fontAlgn="b"/>
+                      <a:r>
+                        <a:rPr lang="en-US" sz="1100" b="0" i="0" u="none" strike="noStrike" dirty="0" smtClean="0">
+                          <a:solidFill>
+                            <a:srgbClr val="000000"/>
+                          </a:solidFill>
+                          <a:effectLst/>
+                          <a:latin typeface="Calibri" panose="020F0502020204030204" pitchFamily="34" charset="0"/>
+                        </a:rPr>
+                        <a:t>C. Knoles</a:t>
+                      </a:r>
+                      <a:endParaRPr lang="en-US" sz="1100" b="0" i="0" u="none" strike="noStrike" dirty="0">
+                        <a:solidFill>
+                          <a:srgbClr val="000000"/>
+                        </a:solidFill>
+                        <a:effectLst/>
+                        <a:latin typeface="Calibri" panose="020F0502020204030204" pitchFamily="34" charset="0"/>
+                      </a:endParaRPr>
+                    </a:p>
+                  </a:txBody>
+                  <a:tcPr marL="7620" marR="7620" marT="7620" marB="0" anchor="b"/>
+                </a:tc>
+                <a:tc>
+                  <a:txBody>
+                    <a:bodyPr/>
+                    <a:lstStyle/>
+                    <a:p>
+                      <a:pPr algn="l" fontAlgn="b"/>
+                      <a:r>
+                        <a:rPr lang="en-US" sz="1100" b="0" i="0" u="none" strike="noStrike" dirty="0" smtClean="0">
+                          <a:solidFill>
+                            <a:srgbClr val="000000"/>
+                          </a:solidFill>
+                          <a:effectLst/>
+                          <a:latin typeface="Calibri" panose="020F0502020204030204" pitchFamily="34" charset="0"/>
+                        </a:rPr>
+                        <a:t>Pediatrics</a:t>
+                      </a:r>
+                      <a:endParaRPr lang="en-US" sz="1100" b="0" i="0" u="none" strike="noStrike" dirty="0">
+                        <a:solidFill>
+                          <a:srgbClr val="000000"/>
+                        </a:solidFill>
+                        <a:effectLst/>
+                        <a:latin typeface="Calibri" panose="020F0502020204030204" pitchFamily="34" charset="0"/>
+                      </a:endParaRPr>
+                    </a:p>
+                  </a:txBody>
+                  <a:tcPr marL="7620" marR="7620" marT="7620" marB="0" anchor="b"/>
+                </a:tc>
+                <a:extLst>
+                  <a:ext uri="{0D108BD9-81ED-4DB2-BD59-A6C34878D82A}">
+                    <a16:rowId xmlns:a16="http://schemas.microsoft.com/office/drawing/2014/main" val="3548785687"/>
+                  </a:ext>
+                </a:extLst>
+              </a:tr>
+              <a:tr h="239252">
+                <a:tc>
+                  <a:txBody>
+                    <a:bodyPr/>
+                    <a:lstStyle/>
+                    <a:p>
+                      <a:pPr algn="l" fontAlgn="b"/>
+                      <a:r>
+                        <a:rPr lang="en-US" sz="1100" b="0" i="0" u="none" strike="noStrike" kern="1200" dirty="0" smtClean="0">
+                          <a:solidFill>
+                            <a:srgbClr val="000000"/>
+                          </a:solidFill>
+                          <a:effectLst/>
+                          <a:latin typeface="Calibri" panose="020F0502020204030204" pitchFamily="34" charset="0"/>
+                          <a:ea typeface="+mn-ea"/>
+                          <a:cs typeface="+mn-cs"/>
+                        </a:rPr>
+                        <a:t>Relationship</a:t>
+                      </a:r>
+                      <a:r>
+                        <a:rPr lang="en-US" sz="1100" b="0" i="0" u="none" strike="noStrike" kern="1200" baseline="0" dirty="0" smtClean="0">
+                          <a:solidFill>
+                            <a:srgbClr val="000000"/>
+                          </a:solidFill>
+                          <a:effectLst/>
+                          <a:latin typeface="Calibri" panose="020F0502020204030204" pitchFamily="34" charset="0"/>
+                          <a:ea typeface="+mn-ea"/>
+                          <a:cs typeface="+mn-cs"/>
+                        </a:rPr>
+                        <a:t> Between Pretreatment Anxiety/Depression &amp; Patient Decision-Making in Prostate Cancer Treatment</a:t>
+                      </a:r>
+                      <a:endParaRPr lang="en-US" sz="1100" b="0" i="0" u="none" strike="noStrike" kern="1200" dirty="0">
+                        <a:solidFill>
+                          <a:srgbClr val="000000"/>
+                        </a:solidFill>
+                        <a:effectLst/>
+                        <a:latin typeface="Calibri" panose="020F0502020204030204" pitchFamily="34" charset="0"/>
+                        <a:ea typeface="+mn-ea"/>
+                        <a:cs typeface="+mn-cs"/>
+                      </a:endParaRPr>
+                    </a:p>
+                  </a:txBody>
+                  <a:tcPr marL="7620" marR="7620" marT="7620" marB="0" anchor="b"/>
+                </a:tc>
+                <a:tc>
+                  <a:txBody>
+                    <a:bodyPr/>
+                    <a:lstStyle/>
+                    <a:p>
+                      <a:pPr algn="l" fontAlgn="b"/>
+                      <a:r>
+                        <a:rPr lang="en-US" sz="1100" b="0" i="0" u="none" strike="noStrike" dirty="0" smtClean="0">
+                          <a:solidFill>
+                            <a:srgbClr val="000000"/>
+                          </a:solidFill>
+                          <a:effectLst/>
+                          <a:latin typeface="Calibri" panose="020F0502020204030204" pitchFamily="34" charset="0"/>
+                        </a:rPr>
+                        <a:t>J. Heinlen</a:t>
+                      </a:r>
+                      <a:endParaRPr lang="en-US" sz="1100" b="0" i="0" u="none" strike="noStrike" dirty="0">
+                        <a:solidFill>
+                          <a:srgbClr val="000000"/>
+                        </a:solidFill>
+                        <a:effectLst/>
+                        <a:latin typeface="Calibri" panose="020F0502020204030204" pitchFamily="34" charset="0"/>
+                      </a:endParaRPr>
+                    </a:p>
+                  </a:txBody>
+                  <a:tcPr marL="7620" marR="7620" marT="7620" marB="0" anchor="b"/>
+                </a:tc>
+                <a:tc>
+                  <a:txBody>
+                    <a:bodyPr/>
+                    <a:lstStyle/>
+                    <a:p>
+                      <a:pPr algn="l" fontAlgn="b"/>
+                      <a:r>
+                        <a:rPr lang="en-US" sz="1100" b="0" i="0" u="none" strike="noStrike" dirty="0" smtClean="0">
+                          <a:solidFill>
+                            <a:srgbClr val="000000"/>
+                          </a:solidFill>
+                          <a:effectLst/>
+                          <a:latin typeface="Calibri" panose="020F0502020204030204" pitchFamily="34" charset="0"/>
+                        </a:rPr>
+                        <a:t>Urology</a:t>
+                      </a:r>
+                      <a:endParaRPr lang="en-US" sz="1100" b="0" i="0" u="none" strike="noStrike" dirty="0">
+                        <a:solidFill>
+                          <a:srgbClr val="000000"/>
+                        </a:solidFill>
+                        <a:effectLst/>
+                        <a:latin typeface="Calibri" panose="020F0502020204030204" pitchFamily="34" charset="0"/>
+                      </a:endParaRPr>
+                    </a:p>
+                  </a:txBody>
+                  <a:tcPr marL="7620" marR="7620" marT="7620" marB="0" anchor="b"/>
+                </a:tc>
+                <a:extLst>
+                  <a:ext uri="{0D108BD9-81ED-4DB2-BD59-A6C34878D82A}">
+                    <a16:rowId xmlns:a16="http://schemas.microsoft.com/office/drawing/2014/main" val="949879066"/>
+                  </a:ext>
+                </a:extLst>
+              </a:tr>
+              <a:tr h="353296">
+                <a:tc>
+                  <a:txBody>
+                    <a:bodyPr/>
+                    <a:lstStyle/>
+                    <a:p>
+                      <a:pPr algn="l" fontAlgn="b"/>
+                      <a:r>
+                        <a:rPr lang="en-US" sz="1100" b="0" i="0" u="none" strike="noStrike" kern="1200" dirty="0" smtClean="0">
+                          <a:solidFill>
+                            <a:srgbClr val="000000"/>
+                          </a:solidFill>
+                          <a:effectLst/>
+                          <a:latin typeface="Calibri" panose="020F0502020204030204" pitchFamily="34" charset="0"/>
+                          <a:ea typeface="+mn-ea"/>
+                          <a:cs typeface="+mn-cs"/>
+                        </a:rPr>
+                        <a:t>Quality</a:t>
+                      </a:r>
+                      <a:r>
+                        <a:rPr lang="en-US" sz="1100" b="0" i="0" u="none" strike="noStrike" kern="1200" baseline="0" dirty="0" smtClean="0">
+                          <a:solidFill>
+                            <a:srgbClr val="000000"/>
+                          </a:solidFill>
+                          <a:effectLst/>
+                          <a:latin typeface="Calibri" panose="020F0502020204030204" pitchFamily="34" charset="0"/>
+                          <a:ea typeface="+mn-ea"/>
+                          <a:cs typeface="+mn-cs"/>
+                        </a:rPr>
+                        <a:t> of Life of Ethnically Diverse Black Prostate Cancer Survivors: Development of a Conceptual Model Using Grounded Theory</a:t>
+                      </a:r>
+                      <a:endParaRPr lang="en-US" sz="1100" b="0" i="0" u="none" strike="noStrike" kern="1200" dirty="0">
+                        <a:solidFill>
+                          <a:srgbClr val="000000"/>
+                        </a:solidFill>
+                        <a:effectLst/>
+                        <a:latin typeface="Calibri" panose="020F0502020204030204" pitchFamily="34" charset="0"/>
+                        <a:ea typeface="+mn-ea"/>
+                        <a:cs typeface="+mn-cs"/>
+                      </a:endParaRPr>
+                    </a:p>
+                  </a:txBody>
+                  <a:tcPr marL="7620" marR="7620" marT="7620" marB="0" anchor="b"/>
+                </a:tc>
+                <a:tc>
+                  <a:txBody>
+                    <a:bodyPr/>
+                    <a:lstStyle/>
+                    <a:p>
+                      <a:pPr algn="l" fontAlgn="b"/>
+                      <a:r>
+                        <a:rPr lang="en-US" sz="1100" b="0" i="0" u="none" strike="noStrike" dirty="0" smtClean="0">
+                          <a:solidFill>
+                            <a:srgbClr val="000000"/>
+                          </a:solidFill>
+                          <a:effectLst/>
+                          <a:latin typeface="Calibri" panose="020F0502020204030204" pitchFamily="34" charset="0"/>
+                        </a:rPr>
+                        <a:t>M. </a:t>
+                      </a:r>
+                      <a:r>
+                        <a:rPr lang="en-US" sz="1100" b="0" i="0" u="none" strike="noStrike" dirty="0" err="1" smtClean="0">
+                          <a:solidFill>
+                            <a:srgbClr val="000000"/>
+                          </a:solidFill>
+                          <a:effectLst/>
+                          <a:latin typeface="Calibri" panose="020F0502020204030204" pitchFamily="34" charset="0"/>
+                        </a:rPr>
+                        <a:t>Ogunsanya</a:t>
+                      </a:r>
+                      <a:endParaRPr lang="en-US" sz="1100" b="0" i="0" u="none" strike="noStrike" dirty="0">
+                        <a:solidFill>
+                          <a:srgbClr val="000000"/>
+                        </a:solidFill>
+                        <a:effectLst/>
+                        <a:latin typeface="Calibri" panose="020F0502020204030204" pitchFamily="34" charset="0"/>
+                      </a:endParaRPr>
+                    </a:p>
+                  </a:txBody>
+                  <a:tcPr marL="7620" marR="7620" marT="7620" marB="0" anchor="b"/>
+                </a:tc>
+                <a:tc>
+                  <a:txBody>
+                    <a:bodyPr/>
+                    <a:lstStyle/>
+                    <a:p>
+                      <a:pPr algn="l" fontAlgn="b"/>
+                      <a:r>
+                        <a:rPr lang="en-US" sz="1100" b="0" i="0" u="none" strike="noStrike" dirty="0" smtClean="0">
+                          <a:solidFill>
+                            <a:srgbClr val="000000"/>
+                          </a:solidFill>
+                          <a:effectLst/>
+                          <a:latin typeface="Calibri" panose="020F0502020204030204" pitchFamily="34" charset="0"/>
+                        </a:rPr>
+                        <a:t>Pharmacy</a:t>
+                      </a:r>
+                      <a:endParaRPr lang="en-US" sz="1100" b="0" i="0" u="none" strike="noStrike" dirty="0">
+                        <a:solidFill>
+                          <a:srgbClr val="000000"/>
+                        </a:solidFill>
+                        <a:effectLst/>
+                        <a:latin typeface="Calibri" panose="020F0502020204030204" pitchFamily="34" charset="0"/>
+                      </a:endParaRPr>
+                    </a:p>
+                  </a:txBody>
+                  <a:tcPr marL="7620" marR="7620" marT="7620" marB="0" anchor="b"/>
+                </a:tc>
+                <a:extLst>
+                  <a:ext uri="{0D108BD9-81ED-4DB2-BD59-A6C34878D82A}">
+                    <a16:rowId xmlns:a16="http://schemas.microsoft.com/office/drawing/2014/main" val="3222670053"/>
+                  </a:ext>
+                </a:extLst>
+              </a:tr>
+              <a:tr h="239252">
+                <a:tc>
+                  <a:txBody>
+                    <a:bodyPr/>
+                    <a:lstStyle/>
+                    <a:p>
+                      <a:pPr algn="l" fontAlgn="b"/>
+                      <a:r>
+                        <a:rPr lang="en-US" sz="1100" b="0" i="0" u="none" strike="noStrike" kern="1200" dirty="0" smtClean="0">
+                          <a:solidFill>
+                            <a:srgbClr val="000000"/>
+                          </a:solidFill>
+                          <a:effectLst/>
+                          <a:latin typeface="Calibri" panose="020F0502020204030204" pitchFamily="34" charset="0"/>
+                          <a:ea typeface="+mn-ea"/>
+                          <a:cs typeface="+mn-cs"/>
+                        </a:rPr>
+                        <a:t>Clinical Presentations,</a:t>
+                      </a:r>
+                      <a:r>
+                        <a:rPr lang="en-US" sz="1100" b="0" i="0" u="none" strike="noStrike" kern="1200" baseline="0" dirty="0" smtClean="0">
+                          <a:solidFill>
+                            <a:srgbClr val="000000"/>
+                          </a:solidFill>
+                          <a:effectLst/>
+                          <a:latin typeface="Calibri" panose="020F0502020204030204" pitchFamily="34" charset="0"/>
+                          <a:ea typeface="+mn-ea"/>
+                          <a:cs typeface="+mn-cs"/>
+                        </a:rPr>
+                        <a:t> Laboratory Findings, Treatment, and Outcomes of Pediatric COVID-19 Patients</a:t>
+                      </a:r>
+                      <a:endParaRPr lang="en-US" sz="1100" b="0" i="0" u="none" strike="noStrike" kern="1200" dirty="0">
+                        <a:solidFill>
+                          <a:srgbClr val="000000"/>
+                        </a:solidFill>
+                        <a:effectLst/>
+                        <a:latin typeface="Calibri" panose="020F0502020204030204" pitchFamily="34" charset="0"/>
+                        <a:ea typeface="+mn-ea"/>
+                        <a:cs typeface="+mn-cs"/>
+                      </a:endParaRPr>
+                    </a:p>
+                  </a:txBody>
+                  <a:tcPr marL="7620" marR="7620" marT="7620" marB="0" anchor="b"/>
+                </a:tc>
+                <a:tc>
+                  <a:txBody>
+                    <a:bodyPr/>
+                    <a:lstStyle/>
+                    <a:p>
+                      <a:pPr marL="228600" indent="-228600" algn="l" fontAlgn="b">
+                        <a:buAutoNum type="alphaUcPeriod"/>
+                      </a:pPr>
+                      <a:r>
+                        <a:rPr lang="en-US" sz="1100" b="0" i="0" u="none" strike="noStrike" dirty="0" smtClean="0">
+                          <a:solidFill>
+                            <a:srgbClr val="000000"/>
+                          </a:solidFill>
+                          <a:effectLst/>
+                          <a:latin typeface="Calibri" panose="020F0502020204030204" pitchFamily="34" charset="0"/>
+                        </a:rPr>
+                        <a:t>Bogie</a:t>
+                      </a:r>
+                      <a:endParaRPr lang="en-US" sz="1100" b="0" i="0" u="none" strike="noStrike" dirty="0">
+                        <a:solidFill>
+                          <a:srgbClr val="000000"/>
+                        </a:solidFill>
+                        <a:effectLst/>
+                        <a:latin typeface="Calibri" panose="020F0502020204030204" pitchFamily="34" charset="0"/>
+                      </a:endParaRPr>
+                    </a:p>
+                  </a:txBody>
+                  <a:tcPr marL="7620" marR="7620" marT="7620" marB="0" anchor="b"/>
+                </a:tc>
+                <a:tc>
+                  <a:txBody>
+                    <a:bodyPr/>
+                    <a:lstStyle/>
+                    <a:p>
+                      <a:pPr algn="l" fontAlgn="b"/>
+                      <a:r>
+                        <a:rPr lang="en-US" sz="1100" b="0" i="0" u="none" strike="noStrike" dirty="0" smtClean="0">
+                          <a:solidFill>
+                            <a:srgbClr val="000000"/>
+                          </a:solidFill>
+                          <a:effectLst/>
+                          <a:latin typeface="Calibri" panose="020F0502020204030204" pitchFamily="34" charset="0"/>
+                        </a:rPr>
+                        <a:t>Pediatrics</a:t>
+                      </a:r>
+                      <a:endParaRPr lang="en-US" sz="1100" b="0" i="0" u="none" strike="noStrike" dirty="0">
+                        <a:solidFill>
+                          <a:srgbClr val="000000"/>
+                        </a:solidFill>
+                        <a:effectLst/>
+                        <a:latin typeface="Calibri" panose="020F0502020204030204" pitchFamily="34" charset="0"/>
+                      </a:endParaRPr>
+                    </a:p>
+                  </a:txBody>
+                  <a:tcPr marL="7620" marR="7620" marT="7620" marB="0" anchor="b"/>
+                </a:tc>
+                <a:extLst>
+                  <a:ext uri="{0D108BD9-81ED-4DB2-BD59-A6C34878D82A}">
+                    <a16:rowId xmlns:a16="http://schemas.microsoft.com/office/drawing/2014/main" val="1661099666"/>
+                  </a:ext>
+                </a:extLst>
+              </a:tr>
+              <a:tr h="239252">
+                <a:tc>
+                  <a:txBody>
+                    <a:bodyPr/>
+                    <a:lstStyle/>
+                    <a:p>
+                      <a:pPr algn="l" fontAlgn="b"/>
+                      <a:r>
+                        <a:rPr lang="en-US" sz="1100" b="0" i="0" u="none" strike="noStrike" kern="1200" dirty="0" smtClean="0">
+                          <a:solidFill>
+                            <a:srgbClr val="000000"/>
+                          </a:solidFill>
+                          <a:effectLst/>
+                          <a:latin typeface="Calibri" panose="020F0502020204030204" pitchFamily="34" charset="0"/>
+                          <a:ea typeface="+mn-ea"/>
+                          <a:cs typeface="+mn-cs"/>
+                        </a:rPr>
+                        <a:t>PEMCRC Anaphylaxis</a:t>
+                      </a:r>
+                      <a:r>
+                        <a:rPr lang="en-US" sz="1100" b="0" i="0" u="none" strike="noStrike" kern="1200" baseline="0" dirty="0" smtClean="0">
+                          <a:solidFill>
+                            <a:srgbClr val="000000"/>
+                          </a:solidFill>
+                          <a:effectLst/>
+                          <a:latin typeface="Calibri" panose="020F0502020204030204" pitchFamily="34" charset="0"/>
+                          <a:ea typeface="+mn-ea"/>
+                          <a:cs typeface="+mn-cs"/>
+                        </a:rPr>
+                        <a:t> Study</a:t>
+                      </a:r>
+                      <a:endParaRPr lang="en-US" sz="1100" b="0" i="0" u="none" strike="noStrike" kern="1200" dirty="0">
+                        <a:solidFill>
+                          <a:srgbClr val="000000"/>
+                        </a:solidFill>
+                        <a:effectLst/>
+                        <a:latin typeface="Calibri" panose="020F0502020204030204" pitchFamily="34" charset="0"/>
+                        <a:ea typeface="+mn-ea"/>
+                        <a:cs typeface="+mn-cs"/>
+                      </a:endParaRPr>
+                    </a:p>
+                  </a:txBody>
+                  <a:tcPr marL="7620" marR="7620" marT="7620" marB="0" anchor="b"/>
+                </a:tc>
+                <a:tc>
+                  <a:txBody>
+                    <a:bodyPr/>
+                    <a:lstStyle/>
+                    <a:p>
+                      <a:pPr marL="228600" indent="-228600" algn="l" fontAlgn="b">
+                        <a:buAutoNum type="alphaUcPeriod"/>
+                      </a:pPr>
+                      <a:r>
+                        <a:rPr lang="en-US" sz="1100" b="0" i="0" u="none" strike="noStrike" dirty="0" smtClean="0">
+                          <a:solidFill>
+                            <a:srgbClr val="000000"/>
+                          </a:solidFill>
+                          <a:effectLst/>
+                          <a:latin typeface="Calibri" panose="020F0502020204030204" pitchFamily="34" charset="0"/>
+                        </a:rPr>
+                        <a:t>Bogie</a:t>
+                      </a:r>
+                      <a:endParaRPr lang="en-US" sz="1100" b="0" i="0" u="none" strike="noStrike" dirty="0">
+                        <a:solidFill>
+                          <a:srgbClr val="000000"/>
+                        </a:solidFill>
+                        <a:effectLst/>
+                        <a:latin typeface="Calibri" panose="020F0502020204030204" pitchFamily="34" charset="0"/>
+                      </a:endParaRPr>
+                    </a:p>
+                  </a:txBody>
+                  <a:tcPr marL="7620" marR="7620" marT="7620" marB="0" anchor="b"/>
+                </a:tc>
+                <a:tc>
+                  <a:txBody>
+                    <a:bodyPr/>
+                    <a:lstStyle/>
+                    <a:p>
+                      <a:pPr algn="l" fontAlgn="b"/>
+                      <a:r>
+                        <a:rPr lang="en-US" sz="1100" b="0" i="0" u="none" strike="noStrike" dirty="0" smtClean="0">
+                          <a:solidFill>
+                            <a:srgbClr val="000000"/>
+                          </a:solidFill>
+                          <a:effectLst/>
+                          <a:latin typeface="Calibri" panose="020F0502020204030204" pitchFamily="34" charset="0"/>
+                        </a:rPr>
+                        <a:t>Pediatrics</a:t>
+                      </a:r>
+                      <a:endParaRPr lang="en-US" sz="1100" b="0" i="0" u="none" strike="noStrike" dirty="0">
+                        <a:solidFill>
+                          <a:srgbClr val="000000"/>
+                        </a:solidFill>
+                        <a:effectLst/>
+                        <a:latin typeface="Calibri" panose="020F0502020204030204" pitchFamily="34" charset="0"/>
+                      </a:endParaRPr>
+                    </a:p>
+                  </a:txBody>
+                  <a:tcPr marL="7620" marR="7620" marT="7620" marB="0" anchor="b"/>
+                </a:tc>
+                <a:extLst>
+                  <a:ext uri="{0D108BD9-81ED-4DB2-BD59-A6C34878D82A}">
+                    <a16:rowId xmlns:a16="http://schemas.microsoft.com/office/drawing/2014/main" val="4172047643"/>
+                  </a:ext>
+                </a:extLst>
+              </a:tr>
+              <a:tr h="239252">
+                <a:tc>
+                  <a:txBody>
+                    <a:bodyPr/>
+                    <a:lstStyle/>
+                    <a:p>
+                      <a:pPr algn="l" fontAlgn="b"/>
+                      <a:r>
+                        <a:rPr lang="en-US" sz="1100" b="0" i="0" u="none" strike="noStrike" kern="1200" dirty="0" smtClean="0">
+                          <a:solidFill>
+                            <a:srgbClr val="000000"/>
+                          </a:solidFill>
+                          <a:effectLst/>
+                          <a:latin typeface="Calibri" panose="020F0502020204030204" pitchFamily="34" charset="0"/>
+                          <a:ea typeface="+mn-ea"/>
+                          <a:cs typeface="+mn-cs"/>
+                        </a:rPr>
+                        <a:t>Analysis of Pediatric Migraine Treatment</a:t>
+                      </a:r>
+                      <a:endParaRPr lang="en-US" sz="1100" b="0" i="0" u="none" strike="noStrike" kern="1200" dirty="0">
+                        <a:solidFill>
+                          <a:srgbClr val="000000"/>
+                        </a:solidFill>
+                        <a:effectLst/>
+                        <a:latin typeface="Calibri" panose="020F0502020204030204" pitchFamily="34" charset="0"/>
+                        <a:ea typeface="+mn-ea"/>
+                        <a:cs typeface="+mn-cs"/>
+                      </a:endParaRPr>
+                    </a:p>
+                  </a:txBody>
+                  <a:tcPr marL="7620" marR="7620" marT="7620" marB="0" anchor="b"/>
+                </a:tc>
+                <a:tc>
+                  <a:txBody>
+                    <a:bodyPr/>
+                    <a:lstStyle/>
+                    <a:p>
+                      <a:pPr marL="228600" indent="-228600" algn="l" fontAlgn="b">
+                        <a:buAutoNum type="alphaUcPeriod"/>
+                      </a:pPr>
+                      <a:r>
+                        <a:rPr lang="en-US" sz="1100" b="0" i="0" u="none" strike="noStrike" dirty="0" smtClean="0">
+                          <a:solidFill>
+                            <a:srgbClr val="000000"/>
+                          </a:solidFill>
+                          <a:effectLst/>
+                          <a:latin typeface="Calibri" panose="020F0502020204030204" pitchFamily="34" charset="0"/>
+                        </a:rPr>
+                        <a:t>Bogie</a:t>
+                      </a:r>
+                      <a:endParaRPr lang="en-US" sz="1100" b="0" i="0" u="none" strike="noStrike" dirty="0">
+                        <a:solidFill>
+                          <a:srgbClr val="000000"/>
+                        </a:solidFill>
+                        <a:effectLst/>
+                        <a:latin typeface="Calibri" panose="020F0502020204030204" pitchFamily="34" charset="0"/>
+                      </a:endParaRPr>
+                    </a:p>
+                  </a:txBody>
+                  <a:tcPr marL="7620" marR="7620" marT="7620" marB="0" anchor="b"/>
+                </a:tc>
+                <a:tc>
+                  <a:txBody>
+                    <a:bodyPr/>
+                    <a:lstStyle/>
+                    <a:p>
+                      <a:pPr algn="l" fontAlgn="b"/>
+                      <a:r>
+                        <a:rPr lang="en-US" sz="1100" b="0" i="0" u="none" strike="noStrike" dirty="0" smtClean="0">
+                          <a:solidFill>
+                            <a:srgbClr val="000000"/>
+                          </a:solidFill>
+                          <a:effectLst/>
+                          <a:latin typeface="Calibri" panose="020F0502020204030204" pitchFamily="34" charset="0"/>
+                        </a:rPr>
+                        <a:t>Pediatrics</a:t>
+                      </a:r>
+                      <a:endParaRPr lang="en-US" sz="1100" b="0" i="0" u="none" strike="noStrike" dirty="0">
+                        <a:solidFill>
+                          <a:srgbClr val="000000"/>
+                        </a:solidFill>
+                        <a:effectLst/>
+                        <a:latin typeface="Calibri" panose="020F0502020204030204" pitchFamily="34" charset="0"/>
+                      </a:endParaRPr>
+                    </a:p>
+                  </a:txBody>
+                  <a:tcPr marL="7620" marR="7620" marT="7620" marB="0" anchor="b"/>
+                </a:tc>
+                <a:extLst>
+                  <a:ext uri="{0D108BD9-81ED-4DB2-BD59-A6C34878D82A}">
+                    <a16:rowId xmlns:a16="http://schemas.microsoft.com/office/drawing/2014/main" val="1057878429"/>
+                  </a:ext>
+                </a:extLst>
+              </a:tr>
+              <a:tr h="239252">
+                <a:tc>
+                  <a:txBody>
+                    <a:bodyPr/>
+                    <a:lstStyle/>
+                    <a:p>
+                      <a:pPr algn="l" fontAlgn="b"/>
+                      <a:r>
+                        <a:rPr lang="en-US" sz="1100" b="0" i="0" u="none" strike="noStrike" kern="1200" dirty="0" smtClean="0">
+                          <a:solidFill>
+                            <a:srgbClr val="000000"/>
+                          </a:solidFill>
+                          <a:effectLst/>
+                          <a:latin typeface="Calibri" panose="020F0502020204030204" pitchFamily="34" charset="0"/>
+                          <a:ea typeface="+mn-ea"/>
+                          <a:cs typeface="+mn-cs"/>
+                        </a:rPr>
+                        <a:t>Impact of COVID-19 on Distress Levels in Cancer Patients</a:t>
+                      </a:r>
+                      <a:endParaRPr lang="en-US" sz="1100" b="0" i="0" u="none" strike="noStrike" kern="1200" dirty="0">
+                        <a:solidFill>
+                          <a:srgbClr val="000000"/>
+                        </a:solidFill>
+                        <a:effectLst/>
+                        <a:latin typeface="Calibri" panose="020F0502020204030204" pitchFamily="34" charset="0"/>
+                        <a:ea typeface="+mn-ea"/>
+                        <a:cs typeface="+mn-cs"/>
+                      </a:endParaRPr>
+                    </a:p>
+                  </a:txBody>
+                  <a:tcPr marL="7620" marR="7620" marT="7620" marB="0" anchor="b"/>
+                </a:tc>
+                <a:tc>
+                  <a:txBody>
+                    <a:bodyPr/>
+                    <a:lstStyle/>
+                    <a:p>
+                      <a:pPr algn="l" fontAlgn="b"/>
+                      <a:r>
+                        <a:rPr lang="en-US" sz="1100" b="0" i="0" u="none" strike="noStrike" dirty="0" smtClean="0">
+                          <a:solidFill>
+                            <a:srgbClr val="000000"/>
+                          </a:solidFill>
+                          <a:effectLst/>
+                          <a:latin typeface="Calibri" panose="020F0502020204030204" pitchFamily="34" charset="0"/>
+                        </a:rPr>
+                        <a:t>R. Funk-Lawler</a:t>
+                      </a:r>
+                      <a:endParaRPr lang="en-US" sz="1100" b="0" i="0" u="none" strike="noStrike" dirty="0">
+                        <a:solidFill>
+                          <a:srgbClr val="000000"/>
+                        </a:solidFill>
+                        <a:effectLst/>
+                        <a:latin typeface="Calibri" panose="020F0502020204030204" pitchFamily="34" charset="0"/>
+                      </a:endParaRPr>
+                    </a:p>
+                  </a:txBody>
+                  <a:tcPr marL="7620" marR="7620" marT="7620" marB="0" anchor="b"/>
+                </a:tc>
+                <a:tc>
+                  <a:txBody>
+                    <a:bodyPr/>
+                    <a:lstStyle/>
+                    <a:p>
+                      <a:pPr algn="l" fontAlgn="b"/>
+                      <a:r>
+                        <a:rPr lang="en-US" sz="1100" b="0" i="0" u="none" strike="noStrike" dirty="0" smtClean="0">
+                          <a:solidFill>
+                            <a:srgbClr val="000000"/>
+                          </a:solidFill>
+                          <a:effectLst/>
+                          <a:latin typeface="Calibri" panose="020F0502020204030204" pitchFamily="34" charset="0"/>
+                        </a:rPr>
+                        <a:t>Psychiatry</a:t>
+                      </a:r>
+                      <a:endParaRPr lang="en-US" sz="1100" b="0" i="0" u="none" strike="noStrike" dirty="0">
+                        <a:solidFill>
+                          <a:srgbClr val="000000"/>
+                        </a:solidFill>
+                        <a:effectLst/>
+                        <a:latin typeface="Calibri" panose="020F0502020204030204" pitchFamily="34" charset="0"/>
+                      </a:endParaRPr>
+                    </a:p>
+                  </a:txBody>
+                  <a:tcPr marL="7620" marR="7620" marT="7620" marB="0" anchor="b"/>
+                </a:tc>
+                <a:extLst>
+                  <a:ext uri="{0D108BD9-81ED-4DB2-BD59-A6C34878D82A}">
+                    <a16:rowId xmlns:a16="http://schemas.microsoft.com/office/drawing/2014/main" val="2151953881"/>
+                  </a:ext>
+                </a:extLst>
+              </a:tr>
+              <a:tr h="239252">
+                <a:tc>
+                  <a:txBody>
+                    <a:bodyPr/>
+                    <a:lstStyle/>
+                    <a:p>
+                      <a:pPr algn="l" fontAlgn="b"/>
+                      <a:r>
+                        <a:rPr lang="en-US" sz="1100" b="0" i="0" u="none" strike="noStrike" kern="1200" dirty="0" smtClean="0">
+                          <a:solidFill>
+                            <a:srgbClr val="000000"/>
+                          </a:solidFill>
+                          <a:effectLst/>
+                          <a:latin typeface="Calibri" panose="020F0502020204030204" pitchFamily="34" charset="0"/>
+                          <a:ea typeface="+mn-ea"/>
+                          <a:cs typeface="+mn-cs"/>
+                        </a:rPr>
+                        <a:t>Pituitary</a:t>
+                      </a:r>
+                      <a:r>
+                        <a:rPr lang="en-US" sz="1100" b="0" i="0" u="none" strike="noStrike" kern="1200" baseline="0" dirty="0" smtClean="0">
+                          <a:solidFill>
+                            <a:srgbClr val="000000"/>
+                          </a:solidFill>
+                          <a:effectLst/>
+                          <a:latin typeface="Calibri" panose="020F0502020204030204" pitchFamily="34" charset="0"/>
+                          <a:ea typeface="+mn-ea"/>
+                          <a:cs typeface="+mn-cs"/>
+                        </a:rPr>
+                        <a:t> Adenoma Patient Outcomes</a:t>
+                      </a:r>
+                      <a:endParaRPr lang="en-US" sz="1100" b="0" i="0" u="none" strike="noStrike" kern="1200" dirty="0">
+                        <a:solidFill>
+                          <a:srgbClr val="000000"/>
+                        </a:solidFill>
+                        <a:effectLst/>
+                        <a:latin typeface="Calibri" panose="020F0502020204030204" pitchFamily="34" charset="0"/>
+                        <a:ea typeface="+mn-ea"/>
+                        <a:cs typeface="+mn-cs"/>
+                      </a:endParaRPr>
+                    </a:p>
+                  </a:txBody>
+                  <a:tcPr marL="7620" marR="7620" marT="7620" marB="0" anchor="b"/>
+                </a:tc>
+                <a:tc>
+                  <a:txBody>
+                    <a:bodyPr/>
+                    <a:lstStyle/>
+                    <a:p>
+                      <a:pPr marL="0" indent="0" algn="l" fontAlgn="b">
+                        <a:buNone/>
+                      </a:pPr>
+                      <a:r>
+                        <a:rPr lang="en-US" sz="1100" b="0" i="0" u="none" strike="noStrike" dirty="0" smtClean="0">
+                          <a:solidFill>
+                            <a:srgbClr val="000000"/>
+                          </a:solidFill>
+                          <a:effectLst/>
+                          <a:latin typeface="Calibri" panose="020F0502020204030204" pitchFamily="34" charset="0"/>
+                        </a:rPr>
+                        <a:t>I. Dunn</a:t>
+                      </a:r>
+                      <a:endParaRPr lang="en-US" sz="1100" b="0" i="0" u="none" strike="noStrike" dirty="0">
+                        <a:solidFill>
+                          <a:srgbClr val="000000"/>
+                        </a:solidFill>
+                        <a:effectLst/>
+                        <a:latin typeface="Calibri" panose="020F0502020204030204" pitchFamily="34" charset="0"/>
+                      </a:endParaRPr>
+                    </a:p>
+                  </a:txBody>
+                  <a:tcPr marL="7620" marR="7620" marT="7620" marB="0" anchor="b"/>
+                </a:tc>
+                <a:tc>
+                  <a:txBody>
+                    <a:bodyPr/>
+                    <a:lstStyle/>
+                    <a:p>
+                      <a:pPr algn="l" fontAlgn="b"/>
+                      <a:r>
+                        <a:rPr lang="en-US" sz="1100" b="0" i="0" u="none" strike="noStrike" dirty="0" smtClean="0">
+                          <a:solidFill>
+                            <a:srgbClr val="000000"/>
+                          </a:solidFill>
+                          <a:effectLst/>
+                          <a:latin typeface="Calibri" panose="020F0502020204030204" pitchFamily="34" charset="0"/>
+                        </a:rPr>
+                        <a:t>Neurosurgery</a:t>
+                      </a:r>
+                      <a:endParaRPr lang="en-US" sz="1100" b="0" i="0" u="none" strike="noStrike" dirty="0">
+                        <a:solidFill>
+                          <a:srgbClr val="000000"/>
+                        </a:solidFill>
+                        <a:effectLst/>
+                        <a:latin typeface="Calibri" panose="020F0502020204030204" pitchFamily="34" charset="0"/>
+                      </a:endParaRPr>
+                    </a:p>
+                  </a:txBody>
+                  <a:tcPr marL="7620" marR="7620" marT="7620" marB="0" anchor="b"/>
+                </a:tc>
+                <a:extLst>
+                  <a:ext uri="{0D108BD9-81ED-4DB2-BD59-A6C34878D82A}">
+                    <a16:rowId xmlns:a16="http://schemas.microsoft.com/office/drawing/2014/main" val="3615318075"/>
+                  </a:ext>
+                </a:extLst>
+              </a:tr>
+              <a:tr h="239252">
+                <a:tc>
+                  <a:txBody>
+                    <a:bodyPr/>
+                    <a:lstStyle/>
+                    <a:p>
+                      <a:pPr algn="l" fontAlgn="b"/>
+                      <a:r>
+                        <a:rPr lang="en-US" sz="1100" b="0" i="0" u="none" strike="noStrike" kern="1200" dirty="0" smtClean="0">
+                          <a:solidFill>
+                            <a:srgbClr val="000000"/>
+                          </a:solidFill>
+                          <a:effectLst/>
+                          <a:latin typeface="Calibri" panose="020F0502020204030204" pitchFamily="34" charset="0"/>
+                          <a:ea typeface="+mn-ea"/>
+                          <a:cs typeface="+mn-cs"/>
+                        </a:rPr>
+                        <a:t>Oncologic Outcomes</a:t>
+                      </a:r>
+                      <a:r>
+                        <a:rPr lang="en-US" sz="1100" b="0" i="0" u="none" strike="noStrike" kern="1200" baseline="0" dirty="0" smtClean="0">
+                          <a:solidFill>
+                            <a:srgbClr val="000000"/>
+                          </a:solidFill>
+                          <a:effectLst/>
+                          <a:latin typeface="Calibri" panose="020F0502020204030204" pitchFamily="34" charset="0"/>
+                          <a:ea typeface="+mn-ea"/>
+                          <a:cs typeface="+mn-cs"/>
+                        </a:rPr>
+                        <a:t> in Renal Cell Carcinoma</a:t>
+                      </a:r>
+                      <a:endParaRPr lang="en-US" sz="1100" b="0" i="0" u="none" strike="noStrike" kern="1200" dirty="0">
+                        <a:solidFill>
+                          <a:srgbClr val="000000"/>
+                        </a:solidFill>
+                        <a:effectLst/>
+                        <a:latin typeface="Calibri" panose="020F0502020204030204" pitchFamily="34" charset="0"/>
+                        <a:ea typeface="+mn-ea"/>
+                        <a:cs typeface="+mn-cs"/>
+                      </a:endParaRPr>
+                    </a:p>
+                  </a:txBody>
+                  <a:tcPr marL="7620" marR="7620" marT="7620" marB="0" anchor="b"/>
+                </a:tc>
+                <a:tc>
+                  <a:txBody>
+                    <a:bodyPr/>
+                    <a:lstStyle/>
+                    <a:p>
+                      <a:pPr algn="l" fontAlgn="b"/>
+                      <a:r>
+                        <a:rPr lang="en-US" sz="1100" b="0" i="0" u="none" strike="noStrike" dirty="0" smtClean="0">
+                          <a:solidFill>
+                            <a:srgbClr val="000000"/>
+                          </a:solidFill>
+                          <a:effectLst/>
+                          <a:latin typeface="Calibri" panose="020F0502020204030204" pitchFamily="34" charset="0"/>
+                        </a:rPr>
+                        <a:t>B. Cross</a:t>
+                      </a:r>
+                      <a:endParaRPr lang="en-US" sz="1100" b="0" i="0" u="none" strike="noStrike" dirty="0">
+                        <a:solidFill>
+                          <a:srgbClr val="000000"/>
+                        </a:solidFill>
+                        <a:effectLst/>
+                        <a:latin typeface="Calibri" panose="020F0502020204030204" pitchFamily="34" charset="0"/>
+                      </a:endParaRPr>
+                    </a:p>
+                  </a:txBody>
+                  <a:tcPr marL="7620" marR="7620" marT="7620" marB="0" anchor="b"/>
+                </a:tc>
+                <a:tc>
+                  <a:txBody>
+                    <a:bodyPr/>
+                    <a:lstStyle/>
+                    <a:p>
+                      <a:pPr algn="l" fontAlgn="b"/>
+                      <a:r>
+                        <a:rPr lang="en-US" sz="1100" b="0" i="0" u="none" strike="noStrike" dirty="0" smtClean="0">
+                          <a:solidFill>
+                            <a:srgbClr val="000000"/>
+                          </a:solidFill>
+                          <a:effectLst/>
+                          <a:latin typeface="Calibri" panose="020F0502020204030204" pitchFamily="34" charset="0"/>
+                        </a:rPr>
+                        <a:t>Urology</a:t>
+                      </a:r>
+                      <a:endParaRPr lang="en-US" sz="1100" b="0" i="0" u="none" strike="noStrike" dirty="0">
+                        <a:solidFill>
+                          <a:srgbClr val="000000"/>
+                        </a:solidFill>
+                        <a:effectLst/>
+                        <a:latin typeface="Calibri" panose="020F0502020204030204" pitchFamily="34" charset="0"/>
+                      </a:endParaRPr>
+                    </a:p>
+                  </a:txBody>
+                  <a:tcPr marL="7620" marR="7620" marT="7620" marB="0" anchor="b"/>
+                </a:tc>
+                <a:extLst>
+                  <a:ext uri="{0D108BD9-81ED-4DB2-BD59-A6C34878D82A}">
+                    <a16:rowId xmlns:a16="http://schemas.microsoft.com/office/drawing/2014/main" val="1810581365"/>
+                  </a:ext>
+                </a:extLst>
+              </a:tr>
+              <a:tr h="239252">
+                <a:tc>
+                  <a:txBody>
+                    <a:bodyPr/>
+                    <a:lstStyle/>
+                    <a:p>
+                      <a:pPr algn="l" fontAlgn="b"/>
+                      <a:r>
+                        <a:rPr lang="en-US" sz="1100" b="0" i="0" u="none" strike="noStrike" kern="1200" dirty="0" smtClean="0">
+                          <a:solidFill>
+                            <a:srgbClr val="000000"/>
+                          </a:solidFill>
+                          <a:effectLst/>
+                          <a:latin typeface="Calibri" panose="020F0502020204030204" pitchFamily="34" charset="0"/>
+                          <a:ea typeface="+mn-ea"/>
+                          <a:cs typeface="+mn-cs"/>
+                        </a:rPr>
+                        <a:t>Using ML to Quantify Molecular Phenotypes</a:t>
+                      </a:r>
+                      <a:r>
+                        <a:rPr lang="en-US" sz="1100" b="0" i="0" u="none" strike="noStrike" kern="1200" baseline="0" dirty="0" smtClean="0">
+                          <a:solidFill>
+                            <a:srgbClr val="000000"/>
+                          </a:solidFill>
+                          <a:effectLst/>
+                          <a:latin typeface="Calibri" panose="020F0502020204030204" pitchFamily="34" charset="0"/>
+                          <a:ea typeface="+mn-ea"/>
+                          <a:cs typeface="+mn-cs"/>
+                        </a:rPr>
+                        <a:t> </a:t>
+                      </a:r>
+                      <a:endParaRPr lang="en-US" sz="1100" b="0" i="0" u="none" strike="noStrike" kern="1200" dirty="0">
+                        <a:solidFill>
+                          <a:srgbClr val="000000"/>
+                        </a:solidFill>
+                        <a:effectLst/>
+                        <a:latin typeface="Calibri" panose="020F0502020204030204" pitchFamily="34" charset="0"/>
+                        <a:ea typeface="+mn-ea"/>
+                        <a:cs typeface="+mn-cs"/>
+                      </a:endParaRPr>
+                    </a:p>
+                  </a:txBody>
+                  <a:tcPr marL="7620" marR="7620" marT="7620" marB="0" anchor="b"/>
+                </a:tc>
+                <a:tc>
+                  <a:txBody>
+                    <a:bodyPr/>
+                    <a:lstStyle/>
+                    <a:p>
+                      <a:pPr algn="l" fontAlgn="b"/>
+                      <a:r>
+                        <a:rPr lang="en-US" sz="1100" b="0" i="0" u="none" strike="noStrike" dirty="0" smtClean="0">
+                          <a:solidFill>
+                            <a:srgbClr val="000000"/>
+                          </a:solidFill>
+                          <a:effectLst/>
+                          <a:latin typeface="Calibri" panose="020F0502020204030204" pitchFamily="34" charset="0"/>
+                        </a:rPr>
+                        <a:t>K. Jones</a:t>
+                      </a:r>
+                      <a:endParaRPr lang="en-US" sz="1100" b="0" i="0" u="none" strike="noStrike" dirty="0">
+                        <a:solidFill>
+                          <a:srgbClr val="000000"/>
+                        </a:solidFill>
+                        <a:effectLst/>
+                        <a:latin typeface="Calibri" panose="020F0502020204030204" pitchFamily="34" charset="0"/>
+                      </a:endParaRPr>
+                    </a:p>
+                  </a:txBody>
+                  <a:tcPr marL="7620" marR="7620" marT="7620" marB="0" anchor="b"/>
+                </a:tc>
+                <a:tc>
+                  <a:txBody>
+                    <a:bodyPr/>
+                    <a:lstStyle/>
+                    <a:p>
+                      <a:pPr algn="l" fontAlgn="b"/>
+                      <a:r>
+                        <a:rPr lang="en-US" sz="1100" b="0" i="0" u="none" strike="noStrike" dirty="0" smtClean="0">
+                          <a:solidFill>
+                            <a:srgbClr val="000000"/>
+                          </a:solidFill>
+                          <a:effectLst/>
+                          <a:latin typeface="Calibri" panose="020F0502020204030204" pitchFamily="34" charset="0"/>
+                        </a:rPr>
+                        <a:t>Harold Hamm Diabetes Center</a:t>
+                      </a:r>
+                      <a:endParaRPr lang="en-US" sz="1100" b="0" i="0" u="none" strike="noStrike" dirty="0">
+                        <a:solidFill>
+                          <a:srgbClr val="000000"/>
+                        </a:solidFill>
+                        <a:effectLst/>
+                        <a:latin typeface="Calibri" panose="020F0502020204030204" pitchFamily="34" charset="0"/>
+                      </a:endParaRPr>
+                    </a:p>
+                  </a:txBody>
+                  <a:tcPr marL="7620" marR="7620" marT="7620" marB="0" anchor="b"/>
+                </a:tc>
+                <a:extLst>
+                  <a:ext uri="{0D108BD9-81ED-4DB2-BD59-A6C34878D82A}">
+                    <a16:rowId xmlns:a16="http://schemas.microsoft.com/office/drawing/2014/main" val="240284698"/>
+                  </a:ext>
+                </a:extLst>
+              </a:tr>
+              <a:tr h="239252">
+                <a:tc>
+                  <a:txBody>
+                    <a:bodyPr/>
+                    <a:lstStyle/>
+                    <a:p>
+                      <a:pPr algn="l" fontAlgn="b"/>
+                      <a:r>
+                        <a:rPr lang="en-US" sz="1100" b="0" i="0" u="none" strike="noStrike" kern="1200" dirty="0" smtClean="0">
+                          <a:solidFill>
+                            <a:srgbClr val="000000"/>
+                          </a:solidFill>
+                          <a:effectLst/>
+                          <a:latin typeface="Calibri" panose="020F0502020204030204" pitchFamily="34" charset="0"/>
+                          <a:ea typeface="+mn-ea"/>
+                          <a:cs typeface="+mn-cs"/>
+                        </a:rPr>
+                        <a:t>Improving Detection &amp; Management</a:t>
+                      </a:r>
+                      <a:r>
+                        <a:rPr lang="en-US" sz="1100" b="0" i="0" u="none" strike="noStrike" kern="1200" baseline="0" dirty="0" smtClean="0">
+                          <a:solidFill>
+                            <a:srgbClr val="000000"/>
+                          </a:solidFill>
+                          <a:effectLst/>
+                          <a:latin typeface="Calibri" panose="020F0502020204030204" pitchFamily="34" charset="0"/>
+                          <a:ea typeface="+mn-ea"/>
+                          <a:cs typeface="+mn-cs"/>
+                        </a:rPr>
+                        <a:t> of Bladder Cancer</a:t>
+                      </a:r>
+                      <a:endParaRPr lang="en-US" sz="1100" b="0" i="0" u="none" strike="noStrike" kern="1200" dirty="0">
+                        <a:solidFill>
+                          <a:srgbClr val="000000"/>
+                        </a:solidFill>
+                        <a:effectLst/>
+                        <a:latin typeface="Calibri" panose="020F0502020204030204" pitchFamily="34" charset="0"/>
+                        <a:ea typeface="+mn-ea"/>
+                        <a:cs typeface="+mn-cs"/>
+                      </a:endParaRPr>
+                    </a:p>
+                  </a:txBody>
+                  <a:tcPr marL="7620" marR="7620" marT="7620" marB="0" anchor="b"/>
+                </a:tc>
+                <a:tc>
+                  <a:txBody>
+                    <a:bodyPr/>
+                    <a:lstStyle/>
+                    <a:p>
+                      <a:pPr algn="l" fontAlgn="b"/>
+                      <a:r>
+                        <a:rPr lang="en-US" sz="1100" b="0" i="0" u="none" strike="noStrike" dirty="0" smtClean="0">
+                          <a:solidFill>
+                            <a:srgbClr val="000000"/>
+                          </a:solidFill>
+                          <a:effectLst/>
+                          <a:latin typeface="Calibri" panose="020F0502020204030204" pitchFamily="34" charset="0"/>
+                        </a:rPr>
+                        <a:t>D. Parker</a:t>
+                      </a:r>
+                      <a:endParaRPr lang="en-US" sz="1100" b="0" i="0" u="none" strike="noStrike" dirty="0">
+                        <a:solidFill>
+                          <a:srgbClr val="000000"/>
+                        </a:solidFill>
+                        <a:effectLst/>
+                        <a:latin typeface="Calibri" panose="020F0502020204030204" pitchFamily="34" charset="0"/>
+                      </a:endParaRPr>
+                    </a:p>
+                  </a:txBody>
+                  <a:tcPr marL="7620" marR="7620" marT="7620" marB="0" anchor="b"/>
+                </a:tc>
+                <a:tc>
+                  <a:txBody>
+                    <a:bodyPr/>
+                    <a:lstStyle/>
+                    <a:p>
+                      <a:pPr algn="l" fontAlgn="b"/>
+                      <a:r>
+                        <a:rPr lang="en-US" sz="1100" b="0" i="0" u="none" strike="noStrike" dirty="0" smtClean="0">
+                          <a:solidFill>
+                            <a:srgbClr val="000000"/>
+                          </a:solidFill>
+                          <a:effectLst/>
+                          <a:latin typeface="Calibri" panose="020F0502020204030204" pitchFamily="34" charset="0"/>
+                        </a:rPr>
+                        <a:t>Urology</a:t>
+                      </a:r>
+                      <a:endParaRPr lang="en-US" sz="1100" b="0" i="0" u="none" strike="noStrike" dirty="0">
+                        <a:solidFill>
+                          <a:srgbClr val="000000"/>
+                        </a:solidFill>
+                        <a:effectLst/>
+                        <a:latin typeface="Calibri" panose="020F0502020204030204" pitchFamily="34" charset="0"/>
+                      </a:endParaRPr>
+                    </a:p>
+                  </a:txBody>
+                  <a:tcPr marL="7620" marR="7620" marT="7620" marB="0" anchor="b"/>
+                </a:tc>
+                <a:extLst>
+                  <a:ext uri="{0D108BD9-81ED-4DB2-BD59-A6C34878D82A}">
+                    <a16:rowId xmlns:a16="http://schemas.microsoft.com/office/drawing/2014/main" val="2906176452"/>
+                  </a:ext>
+                </a:extLst>
+              </a:tr>
+              <a:tr h="353296">
+                <a:tc>
+                  <a:txBody>
+                    <a:bodyPr/>
+                    <a:lstStyle/>
+                    <a:p>
+                      <a:pPr algn="l" fontAlgn="b"/>
+                      <a:r>
+                        <a:rPr lang="en-US" sz="1100" b="0" i="0" u="none" strike="noStrike" kern="1200" dirty="0" err="1" smtClean="0">
+                          <a:solidFill>
+                            <a:srgbClr val="000000"/>
+                          </a:solidFill>
+                          <a:effectLst/>
+                          <a:latin typeface="Calibri" panose="020F0502020204030204" pitchFamily="34" charset="0"/>
+                          <a:ea typeface="+mn-ea"/>
+                          <a:cs typeface="+mn-cs"/>
+                        </a:rPr>
+                        <a:t>Neuromodulation</a:t>
+                      </a:r>
+                      <a:r>
+                        <a:rPr lang="en-US" sz="1100" b="0" i="0" u="none" strike="noStrike" kern="1200" dirty="0" smtClean="0">
+                          <a:solidFill>
+                            <a:srgbClr val="000000"/>
+                          </a:solidFill>
+                          <a:effectLst/>
+                          <a:latin typeface="Calibri" panose="020F0502020204030204" pitchFamily="34" charset="0"/>
+                          <a:ea typeface="+mn-ea"/>
+                          <a:cs typeface="+mn-cs"/>
+                        </a:rPr>
+                        <a:t> of Inflammation to Treat Heart Failure</a:t>
+                      </a:r>
+                      <a:r>
+                        <a:rPr lang="en-US" sz="1100" b="0" i="0" u="none" strike="noStrike" kern="1200" baseline="0" dirty="0" smtClean="0">
+                          <a:solidFill>
+                            <a:srgbClr val="000000"/>
+                          </a:solidFill>
+                          <a:effectLst/>
+                          <a:latin typeface="Calibri" panose="020F0502020204030204" pitchFamily="34" charset="0"/>
+                          <a:ea typeface="+mn-ea"/>
+                          <a:cs typeface="+mn-cs"/>
+                        </a:rPr>
+                        <a:t> with Preserved Ejection Fraction (TIN HF)</a:t>
+                      </a:r>
+                      <a:endParaRPr lang="en-US" sz="1100" b="0" i="0" u="none" strike="noStrike" kern="1200" dirty="0">
+                        <a:solidFill>
+                          <a:srgbClr val="000000"/>
+                        </a:solidFill>
+                        <a:effectLst/>
+                        <a:latin typeface="Calibri" panose="020F0502020204030204" pitchFamily="34" charset="0"/>
+                        <a:ea typeface="+mn-ea"/>
+                        <a:cs typeface="+mn-cs"/>
+                      </a:endParaRPr>
+                    </a:p>
+                  </a:txBody>
+                  <a:tcPr marL="7620" marR="7620" marT="7620" marB="0" anchor="b"/>
+                </a:tc>
+                <a:tc>
+                  <a:txBody>
+                    <a:bodyPr/>
+                    <a:lstStyle/>
+                    <a:p>
+                      <a:pPr algn="l" fontAlgn="b"/>
+                      <a:r>
+                        <a:rPr lang="en-US" sz="1100" b="0" i="0" u="none" strike="noStrike" dirty="0" smtClean="0">
+                          <a:solidFill>
+                            <a:srgbClr val="000000"/>
+                          </a:solidFill>
+                          <a:effectLst/>
+                          <a:latin typeface="Calibri" panose="020F0502020204030204" pitchFamily="34" charset="0"/>
+                        </a:rPr>
+                        <a:t>S. </a:t>
+                      </a:r>
+                      <a:r>
+                        <a:rPr lang="en-US" sz="1100" b="0" i="0" u="none" strike="noStrike" dirty="0" err="1" smtClean="0">
+                          <a:solidFill>
+                            <a:srgbClr val="000000"/>
+                          </a:solidFill>
+                          <a:effectLst/>
+                          <a:latin typeface="Calibri" panose="020F0502020204030204" pitchFamily="34" charset="0"/>
+                        </a:rPr>
+                        <a:t>Stavrakis</a:t>
+                      </a:r>
+                      <a:endParaRPr lang="en-US" sz="1100" b="0" i="0" u="none" strike="noStrike" dirty="0">
+                        <a:solidFill>
+                          <a:srgbClr val="000000"/>
+                        </a:solidFill>
+                        <a:effectLst/>
+                        <a:latin typeface="Calibri" panose="020F0502020204030204" pitchFamily="34" charset="0"/>
+                      </a:endParaRPr>
+                    </a:p>
+                  </a:txBody>
+                  <a:tcPr marL="7620" marR="7620" marT="7620" marB="0" anchor="b"/>
+                </a:tc>
+                <a:tc>
+                  <a:txBody>
+                    <a:bodyPr/>
+                    <a:lstStyle/>
+                    <a:p>
+                      <a:pPr algn="l" fontAlgn="b"/>
+                      <a:r>
+                        <a:rPr lang="en-US" sz="1100" b="0" i="0" u="none" strike="noStrike" dirty="0" smtClean="0">
+                          <a:solidFill>
+                            <a:srgbClr val="000000"/>
+                          </a:solidFill>
+                          <a:effectLst/>
+                          <a:latin typeface="Calibri" panose="020F0502020204030204" pitchFamily="34" charset="0"/>
+                        </a:rPr>
+                        <a:t>Cardiology</a:t>
+                      </a:r>
+                      <a:endParaRPr lang="en-US" sz="1100" b="0" i="0" u="none" strike="noStrike" dirty="0">
+                        <a:solidFill>
+                          <a:srgbClr val="000000"/>
+                        </a:solidFill>
+                        <a:effectLst/>
+                        <a:latin typeface="Calibri" panose="020F0502020204030204" pitchFamily="34" charset="0"/>
+                      </a:endParaRPr>
+                    </a:p>
+                  </a:txBody>
+                  <a:tcPr marL="7620" marR="7620" marT="7620" marB="0" anchor="b"/>
+                </a:tc>
+                <a:extLst>
+                  <a:ext uri="{0D108BD9-81ED-4DB2-BD59-A6C34878D82A}">
+                    <a16:rowId xmlns:a16="http://schemas.microsoft.com/office/drawing/2014/main" val="3562986470"/>
+                  </a:ext>
+                </a:extLst>
+              </a:tr>
+              <a:tr h="239252">
+                <a:tc>
+                  <a:txBody>
+                    <a:bodyPr/>
+                    <a:lstStyle/>
+                    <a:p>
+                      <a:pPr algn="l" fontAlgn="b"/>
+                      <a:r>
+                        <a:rPr lang="en-US" sz="1100" b="0" i="0" u="none" strike="noStrike" kern="1200" dirty="0" smtClean="0">
+                          <a:solidFill>
+                            <a:srgbClr val="000000"/>
+                          </a:solidFill>
+                          <a:effectLst/>
+                          <a:latin typeface="Calibri" panose="020F0502020204030204" pitchFamily="34" charset="0"/>
+                          <a:ea typeface="+mn-ea"/>
+                          <a:cs typeface="+mn-cs"/>
+                        </a:rPr>
+                        <a:t>Management of Asthma</a:t>
+                      </a:r>
+                      <a:endParaRPr lang="en-US" sz="1100" b="0" i="0" u="none" strike="noStrike" kern="1200" dirty="0">
+                        <a:solidFill>
+                          <a:srgbClr val="000000"/>
+                        </a:solidFill>
+                        <a:effectLst/>
+                        <a:latin typeface="Calibri" panose="020F0502020204030204" pitchFamily="34" charset="0"/>
+                        <a:ea typeface="+mn-ea"/>
+                        <a:cs typeface="+mn-cs"/>
+                      </a:endParaRPr>
+                    </a:p>
+                  </a:txBody>
+                  <a:tcPr marL="7620" marR="7620" marT="7620" marB="0" anchor="b"/>
+                </a:tc>
+                <a:tc>
+                  <a:txBody>
+                    <a:bodyPr/>
+                    <a:lstStyle/>
+                    <a:p>
+                      <a:pPr algn="l" fontAlgn="b"/>
+                      <a:r>
+                        <a:rPr lang="en-US" sz="1100" b="0" i="0" u="none" strike="noStrike" dirty="0" smtClean="0">
+                          <a:solidFill>
+                            <a:srgbClr val="000000"/>
+                          </a:solidFill>
+                          <a:effectLst/>
+                          <a:latin typeface="Calibri" panose="020F0502020204030204" pitchFamily="34" charset="0"/>
+                        </a:rPr>
+                        <a:t>M. Naifeh</a:t>
+                      </a:r>
+                      <a:endParaRPr lang="en-US" sz="1100" b="0" i="0" u="none" strike="noStrike" dirty="0">
+                        <a:solidFill>
+                          <a:srgbClr val="000000"/>
+                        </a:solidFill>
+                        <a:effectLst/>
+                        <a:latin typeface="Calibri" panose="020F0502020204030204" pitchFamily="34" charset="0"/>
+                      </a:endParaRPr>
+                    </a:p>
+                  </a:txBody>
+                  <a:tcPr marL="7620" marR="7620" marT="7620" marB="0" anchor="b"/>
+                </a:tc>
+                <a:tc>
+                  <a:txBody>
+                    <a:bodyPr/>
+                    <a:lstStyle/>
+                    <a:p>
+                      <a:pPr algn="l" fontAlgn="b"/>
+                      <a:r>
+                        <a:rPr lang="en-US" sz="1100" b="0" i="0" u="none" strike="noStrike" dirty="0" smtClean="0">
+                          <a:solidFill>
+                            <a:srgbClr val="000000"/>
+                          </a:solidFill>
+                          <a:effectLst/>
+                          <a:latin typeface="Calibri" panose="020F0502020204030204" pitchFamily="34" charset="0"/>
+                        </a:rPr>
+                        <a:t>Pediatrics</a:t>
+                      </a:r>
+                      <a:endParaRPr lang="en-US" sz="1100" b="0" i="0" u="none" strike="noStrike" dirty="0">
+                        <a:solidFill>
+                          <a:srgbClr val="000000"/>
+                        </a:solidFill>
+                        <a:effectLst/>
+                        <a:latin typeface="Calibri" panose="020F0502020204030204" pitchFamily="34" charset="0"/>
+                      </a:endParaRPr>
+                    </a:p>
+                  </a:txBody>
+                  <a:tcPr marL="7620" marR="7620" marT="7620" marB="0" anchor="b"/>
+                </a:tc>
+                <a:extLst>
+                  <a:ext uri="{0D108BD9-81ED-4DB2-BD59-A6C34878D82A}">
+                    <a16:rowId xmlns:a16="http://schemas.microsoft.com/office/drawing/2014/main" val="1671168545"/>
+                  </a:ext>
+                </a:extLst>
+              </a:tr>
+            </a:tbl>
+          </a:graphicData>
+        </a:graphic>
+      </p:graphicFrame>
+    </p:spTree>
+    <p:extLst>
+      <p:ext uri="{BB962C8B-B14F-4D97-AF65-F5344CB8AC3E}">
+        <p14:creationId xmlns:p14="http://schemas.microsoft.com/office/powerpoint/2010/main" val="459713626"/>
+      </p:ext>
+    </p:extLst>
+  </p:cSld>
+  <p:clrMapOvr>
+    <a:masterClrMapping/>
+  </p:clrMapOvr>
+  <p:timing>
+    <p:tnLst>
+      <p:par>
+        <p:cTn id="1" dur="indefinite" restart="never" nodeType="tmRoot"/>
+      </p:par>
+    </p:tnLst>
+  </p:timing>
+</p:sld>
+</file>
+
+<file path=ppt/slides/slide9.xml><?xml version="1.0" encoding="utf-8"?>
 <p:sld xmlns:a="http://schemas.openxmlformats.org/drawingml/2006/main" xmlns:r="http://schemas.openxmlformats.org/officeDocument/2006/relationships" xmlns:p="http://schemas.openxmlformats.org/presentationml/2006/main">
   <p:cSld>
     <p:spTree>
@@ -18194,372 +20411,6 @@
     <p:extLst>
       <p:ext uri="{BB962C8B-B14F-4D97-AF65-F5344CB8AC3E}">
         <p14:creationId xmlns:p14="http://schemas.microsoft.com/office/powerpoint/2010/main" val="1988775386"/>
-      </p:ext>
-    </p:extLst>
-  </p:cSld>
-  <p:clrMapOvr>
-    <a:masterClrMapping/>
-  </p:clrMapOvr>
-  <p:timing>
-    <p:tnLst>
-      <p:par>
-        <p:cTn id="1" dur="indefinite" restart="never" nodeType="tmRoot"/>
-      </p:par>
-    </p:tnLst>
-  </p:timing>
-</p:sld>
-</file>
-
-<file path=ppt/slides/slide9.xml><?xml version="1.0" encoding="utf-8"?>
-<p:sld xmlns:a="http://schemas.openxmlformats.org/drawingml/2006/main" xmlns:r="http://schemas.openxmlformats.org/officeDocument/2006/relationships" xmlns:p="http://schemas.openxmlformats.org/presentationml/2006/main">
-  <p:cSld>
-    <p:spTree>
-      <p:nvGrpSpPr>
-        <p:cNvPr id="1" name=""/>
-        <p:cNvGrpSpPr/>
-        <p:nvPr/>
-      </p:nvGrpSpPr>
-      <p:grpSpPr>
-        <a:xfrm>
-          <a:off x="0" y="0"/>
-          <a:ext cx="0" cy="0"/>
-          <a:chOff x="0" y="0"/>
-          <a:chExt cx="0" cy="0"/>
-        </a:xfrm>
-      </p:grpSpPr>
-      <p:sp>
-        <p:nvSpPr>
-          <p:cNvPr id="2" name="Title 1"/>
-          <p:cNvSpPr>
-            <a:spLocks noGrp="1"/>
-          </p:cNvSpPr>
-          <p:nvPr>
-            <p:ph type="title"/>
-          </p:nvPr>
-        </p:nvSpPr>
-        <p:spPr>
-          <a:xfrm>
-            <a:off x="776452" y="19985"/>
-            <a:ext cx="10515600" cy="640416"/>
-          </a:xfrm>
-        </p:spPr>
-        <p:txBody>
-          <a:bodyPr>
-            <a:normAutofit/>
-          </a:bodyPr>
-          <a:lstStyle/>
-          <a:p>
-            <a:r>
-              <a:rPr lang="en-US" sz="3600" b="1" i="1" dirty="0">
-                <a:solidFill>
-                  <a:srgbClr val="0070C0"/>
-                </a:solidFill>
-              </a:rPr>
-              <a:t>IRB and Privacy Review Guidance</a:t>
-            </a:r>
-          </a:p>
-        </p:txBody>
-      </p:sp>
-      <p:sp>
-        <p:nvSpPr>
-          <p:cNvPr id="3" name="Content Placeholder 2"/>
-          <p:cNvSpPr>
-            <a:spLocks noGrp="1"/>
-          </p:cNvSpPr>
-          <p:nvPr>
-            <p:ph idx="1"/>
-          </p:nvPr>
-        </p:nvSpPr>
-        <p:spPr>
-          <a:xfrm>
-            <a:off x="88900" y="660402"/>
-            <a:ext cx="12103099" cy="6197598"/>
-          </a:xfrm>
-        </p:spPr>
-        <p:txBody>
-          <a:bodyPr>
-            <a:noAutofit/>
-          </a:bodyPr>
-          <a:lstStyle/>
-          <a:p>
-            <a:r>
-              <a:rPr lang="en-US" sz="2400" dirty="0" smtClean="0">
-                <a:solidFill>
-                  <a:schemeClr val="bg1">
-                    <a:lumMod val="50000"/>
-                  </a:schemeClr>
-                </a:solidFill>
-              </a:rPr>
-              <a:t>Requests that are preparatory to research </a:t>
-            </a:r>
-            <a:r>
-              <a:rPr lang="en-US" sz="2400" dirty="0">
-                <a:solidFill>
-                  <a:schemeClr val="bg1">
-                    <a:lumMod val="50000"/>
-                  </a:schemeClr>
-                </a:solidFill>
-              </a:rPr>
-              <a:t>must be submitted to the IRB/University Privacy </a:t>
-            </a:r>
-            <a:r>
-              <a:rPr lang="en-US" sz="2400" dirty="0" smtClean="0">
-                <a:solidFill>
-                  <a:schemeClr val="bg1">
-                    <a:lumMod val="50000"/>
-                  </a:schemeClr>
-                </a:solidFill>
-              </a:rPr>
-              <a:t>Board for review and approval.</a:t>
-            </a:r>
-          </a:p>
-          <a:p>
-            <a:endParaRPr lang="en-US" sz="2400" dirty="0" smtClean="0">
-              <a:solidFill>
-                <a:schemeClr val="bg1">
-                  <a:lumMod val="50000"/>
-                </a:schemeClr>
-              </a:solidFill>
-            </a:endParaRPr>
-          </a:p>
-          <a:p>
-            <a:r>
-              <a:rPr lang="en-US" sz="2400" dirty="0" smtClean="0">
-                <a:solidFill>
-                  <a:schemeClr val="bg1">
-                    <a:lumMod val="50000"/>
-                  </a:schemeClr>
-                </a:solidFill>
-              </a:rPr>
-              <a:t>Program Evaluation, CQI, &amp; Feasibility Assessments:</a:t>
-            </a:r>
-          </a:p>
-          <a:p>
-            <a:pPr lvl="1"/>
-            <a:r>
-              <a:rPr lang="en-US" sz="2000" dirty="0" smtClean="0">
-                <a:solidFill>
-                  <a:schemeClr val="bg1">
-                    <a:lumMod val="50000"/>
-                  </a:schemeClr>
-                </a:solidFill>
-              </a:rPr>
-              <a:t>If PHI is </a:t>
-            </a:r>
-            <a:r>
-              <a:rPr lang="en-US" sz="2000" b="1" u="sng" dirty="0" smtClean="0">
-                <a:solidFill>
-                  <a:schemeClr val="bg1">
-                    <a:lumMod val="50000"/>
-                  </a:schemeClr>
-                </a:solidFill>
-              </a:rPr>
-              <a:t>NOT</a:t>
-            </a:r>
-            <a:r>
-              <a:rPr lang="en-US" sz="2000" dirty="0" smtClean="0">
-                <a:solidFill>
-                  <a:schemeClr val="bg1">
-                    <a:lumMod val="50000"/>
-                  </a:schemeClr>
-                </a:solidFill>
-              </a:rPr>
-              <a:t> included, it is generally not considered human subjects research.</a:t>
-            </a:r>
-          </a:p>
-          <a:p>
-            <a:pPr lvl="1"/>
-            <a:r>
-              <a:rPr lang="en-US" sz="2000" dirty="0" smtClean="0">
-                <a:solidFill>
-                  <a:schemeClr val="bg1">
-                    <a:lumMod val="50000"/>
-                  </a:schemeClr>
-                </a:solidFill>
-              </a:rPr>
-              <a:t>A determination of human subjects research (DHSR) may be submitted to the IRB.</a:t>
-            </a:r>
-          </a:p>
-          <a:p>
-            <a:pPr lvl="1"/>
-            <a:r>
-              <a:rPr lang="en-US" sz="2000" dirty="0" smtClean="0">
-                <a:solidFill>
-                  <a:schemeClr val="bg1">
-                    <a:lumMod val="50000"/>
-                  </a:schemeClr>
-                </a:solidFill>
-              </a:rPr>
-              <a:t>Aggregate data may be provided without an IRB submission.</a:t>
-            </a:r>
-          </a:p>
-          <a:p>
-            <a:endParaRPr lang="en-US" sz="2400" dirty="0" smtClean="0">
-              <a:solidFill>
-                <a:schemeClr val="bg1">
-                  <a:lumMod val="50000"/>
-                </a:schemeClr>
-              </a:solidFill>
-            </a:endParaRPr>
-          </a:p>
-          <a:p>
-            <a:r>
-              <a:rPr lang="en-US" sz="2400" dirty="0" smtClean="0">
-                <a:solidFill>
-                  <a:schemeClr val="bg1">
-                    <a:lumMod val="50000"/>
-                  </a:schemeClr>
-                </a:solidFill>
-              </a:rPr>
-              <a:t>The following activities are </a:t>
-            </a:r>
-            <a:r>
-              <a:rPr lang="en-US" sz="2400" b="1" u="sng" dirty="0" smtClean="0">
-                <a:solidFill>
-                  <a:schemeClr val="bg1">
-                    <a:lumMod val="50000"/>
-                  </a:schemeClr>
-                </a:solidFill>
-              </a:rPr>
-              <a:t>NOT</a:t>
-            </a:r>
-            <a:r>
-              <a:rPr lang="en-US" sz="2400" dirty="0" smtClean="0">
-                <a:solidFill>
-                  <a:schemeClr val="bg1">
-                    <a:lumMod val="50000"/>
-                  </a:schemeClr>
-                </a:solidFill>
-              </a:rPr>
-              <a:t> human subjects research:</a:t>
-            </a:r>
-          </a:p>
-          <a:p>
-            <a:pPr lvl="1"/>
-            <a:r>
-              <a:rPr lang="en-US" sz="2000" dirty="0">
-                <a:solidFill>
-                  <a:schemeClr val="bg1">
-                    <a:lumMod val="50000"/>
-                  </a:schemeClr>
-                </a:solidFill>
-              </a:rPr>
-              <a:t>Classroom evaluation activities when assessment involves regular classroom activities and the results of the evaluation process are intended to be used for the sole purpose of enhancing teaching practices of the </a:t>
-            </a:r>
-            <a:r>
-              <a:rPr lang="en-US" sz="2000" dirty="0" smtClean="0">
-                <a:solidFill>
-                  <a:schemeClr val="bg1">
-                    <a:lumMod val="50000"/>
-                  </a:schemeClr>
-                </a:solidFill>
-              </a:rPr>
-              <a:t>instructor</a:t>
-            </a:r>
-            <a:endParaRPr lang="en-US" sz="2000" dirty="0">
-              <a:solidFill>
-                <a:schemeClr val="bg1">
-                  <a:lumMod val="50000"/>
-                </a:schemeClr>
-              </a:solidFill>
-            </a:endParaRPr>
-          </a:p>
-          <a:p>
-            <a:pPr lvl="1"/>
-            <a:r>
-              <a:rPr lang="en-US" sz="2000" dirty="0">
-                <a:solidFill>
-                  <a:schemeClr val="bg1">
-                    <a:lumMod val="50000"/>
-                  </a:schemeClr>
-                </a:solidFill>
-              </a:rPr>
-              <a:t>Quality improvement activities designed to enhance functionality of a department or campus program provided that results are not intended to be shared outside of the </a:t>
-            </a:r>
-            <a:r>
-              <a:rPr lang="en-US" sz="2000" dirty="0" smtClean="0">
-                <a:solidFill>
-                  <a:schemeClr val="bg1">
-                    <a:lumMod val="50000"/>
-                  </a:schemeClr>
-                </a:solidFill>
-              </a:rPr>
-              <a:t>University</a:t>
-            </a:r>
-            <a:endParaRPr lang="en-US" sz="2000" dirty="0">
-              <a:solidFill>
-                <a:schemeClr val="bg1">
-                  <a:lumMod val="50000"/>
-                </a:schemeClr>
-              </a:solidFill>
-            </a:endParaRPr>
-          </a:p>
-          <a:p>
-            <a:pPr lvl="1"/>
-            <a:r>
-              <a:rPr lang="en-US" sz="2000" dirty="0">
-                <a:solidFill>
-                  <a:schemeClr val="bg1">
-                    <a:lumMod val="50000"/>
-                  </a:schemeClr>
-                </a:solidFill>
-              </a:rPr>
-              <a:t>Program </a:t>
-            </a:r>
-            <a:r>
-              <a:rPr lang="en-US" sz="2000" dirty="0" smtClean="0">
-                <a:solidFill>
-                  <a:schemeClr val="bg1">
-                    <a:lumMod val="50000"/>
-                  </a:schemeClr>
-                </a:solidFill>
-              </a:rPr>
-              <a:t>evaluations</a:t>
-            </a:r>
-            <a:endParaRPr lang="en-US" sz="2000" dirty="0">
-              <a:solidFill>
-                <a:schemeClr val="bg1">
-                  <a:lumMod val="50000"/>
-                </a:schemeClr>
-              </a:solidFill>
-            </a:endParaRPr>
-          </a:p>
-          <a:p>
-            <a:pPr lvl="1"/>
-            <a:r>
-              <a:rPr lang="en-US" sz="2000" dirty="0">
-                <a:solidFill>
-                  <a:schemeClr val="bg1">
-                    <a:lumMod val="50000"/>
-                  </a:schemeClr>
-                </a:solidFill>
-              </a:rPr>
-              <a:t>Public health practice surveillance </a:t>
-            </a:r>
-            <a:r>
-              <a:rPr lang="en-US" sz="2000" dirty="0" smtClean="0">
-                <a:solidFill>
-                  <a:schemeClr val="bg1">
-                    <a:lumMod val="50000"/>
-                  </a:schemeClr>
-                </a:solidFill>
-              </a:rPr>
-              <a:t>activities</a:t>
-            </a:r>
-            <a:endParaRPr lang="en-US" sz="2000" dirty="0">
-              <a:solidFill>
-                <a:schemeClr val="bg1">
-                  <a:lumMod val="50000"/>
-                </a:schemeClr>
-              </a:solidFill>
-            </a:endParaRPr>
-          </a:p>
-        </p:txBody>
-      </p:sp>
-    </p:spTree>
-    <p:extLst>
-      <p:ext uri="{BB962C8B-B14F-4D97-AF65-F5344CB8AC3E}">
-        <p14:creationId xmlns:p14="http://schemas.microsoft.com/office/powerpoint/2010/main" val="1045530161"/>
       </p:ext>
     </p:extLst>
   </p:cSld>

--- a/publications/presentation-2020-12-ou-health/cdw-2020-12.pptx
+++ b/publications/presentation-2020-12-ou-health/cdw-2020-12.pptx
@@ -5,7 +5,7 @@
     <p:sldMasterId id="2147483648" r:id="rId1"/>
   </p:sldMasterIdLst>
   <p:notesMasterIdLst>
-    <p:notesMasterId r:id="rId15"/>
+    <p:notesMasterId r:id="rId16"/>
   </p:notesMasterIdLst>
   <p:sldIdLst>
     <p:sldId id="292" r:id="rId2"/>
@@ -19,8 +19,9 @@
     <p:sldId id="276" r:id="rId10"/>
     <p:sldId id="340" r:id="rId11"/>
     <p:sldId id="388" r:id="rId12"/>
-    <p:sldId id="367" r:id="rId13"/>
-    <p:sldId id="296" r:id="rId14"/>
+    <p:sldId id="390" r:id="rId13"/>
+    <p:sldId id="367" r:id="rId14"/>
+    <p:sldId id="296" r:id="rId15"/>
   </p:sldIdLst>
   <p:sldSz cx="12192000" cy="6858000"/>
   <p:notesSz cx="6858000" cy="9144000"/>
@@ -1471,7 +1472,7 @@
                 </a:solidFill>
               </a:rPr>
               <a:pPr/>
-              <a:t>12</a:t>
+              <a:t>13</a:t>
             </a:fld>
             <a:endParaRPr lang="en-US">
               <a:solidFill>
@@ -5246,6 +5247,145 @@
           <a:lstStyle/>
           <a:p>
             <a:r>
+              <a:rPr lang="en-US" sz="3600" b="1" i="1" dirty="0" smtClean="0">
+                <a:solidFill>
+                  <a:srgbClr val="0070C0"/>
+                </a:solidFill>
+              </a:rPr>
+              <a:t>National </a:t>
+            </a:r>
+            <a:r>
+              <a:rPr lang="en-US" sz="3600" b="1" i="1" dirty="0" smtClean="0">
+                <a:solidFill>
+                  <a:srgbClr val="0070C0"/>
+                </a:solidFill>
+              </a:rPr>
+              <a:t>Registry Projects</a:t>
+            </a:r>
+            <a:endParaRPr lang="en-US" sz="3600" b="1" i="1" dirty="0">
+              <a:solidFill>
+                <a:srgbClr val="0070C0"/>
+              </a:solidFill>
+            </a:endParaRPr>
+          </a:p>
+        </p:txBody>
+      </p:sp>
+      <p:sp>
+        <p:nvSpPr>
+          <p:cNvPr id="3" name="Content Placeholder 2"/>
+          <p:cNvSpPr>
+            <a:spLocks noGrp="1"/>
+          </p:cNvSpPr>
+          <p:nvPr>
+            <p:ph idx="1"/>
+          </p:nvPr>
+        </p:nvSpPr>
+        <p:spPr>
+          <a:xfrm>
+            <a:off x="838200" y="1171340"/>
+            <a:ext cx="10515600" cy="5005623"/>
+          </a:xfrm>
+        </p:spPr>
+        <p:txBody>
+          <a:bodyPr>
+            <a:normAutofit/>
+          </a:bodyPr>
+          <a:lstStyle/>
+          <a:p>
+            <a:r>
+              <a:rPr lang="en-US" sz="2200" b="1" i="1" dirty="0" smtClean="0">
+                <a:latin typeface="+mj-lt"/>
+                <a:ea typeface="+mj-ea"/>
+                <a:cs typeface="+mj-cs"/>
+              </a:rPr>
+              <a:t>ORIEN (Stephenson Cancer Center)</a:t>
+            </a:r>
+          </a:p>
+          <a:p>
+            <a:pPr lvl="1"/>
+            <a:endParaRPr lang="en-US" sz="1800" b="1" i="1" dirty="0" smtClean="0">
+              <a:latin typeface="+mj-lt"/>
+              <a:ea typeface="+mj-ea"/>
+              <a:cs typeface="+mj-cs"/>
+            </a:endParaRPr>
+          </a:p>
+          <a:p>
+            <a:endParaRPr lang="en-US" sz="2200" b="1" i="1" dirty="0">
+              <a:latin typeface="+mj-lt"/>
+              <a:ea typeface="+mj-ea"/>
+              <a:cs typeface="+mj-cs"/>
+            </a:endParaRPr>
+          </a:p>
+          <a:p>
+            <a:r>
+              <a:rPr lang="en-US" sz="2200" b="1" i="1" dirty="0" smtClean="0">
+                <a:latin typeface="+mj-lt"/>
+                <a:ea typeface="+mj-ea"/>
+                <a:cs typeface="+mj-cs"/>
+              </a:rPr>
+              <a:t>Renal Cancer (Urology)</a:t>
+            </a:r>
+            <a:endParaRPr lang="en-US" sz="2200" b="1" i="1" dirty="0">
+              <a:latin typeface="+mj-lt"/>
+              <a:ea typeface="+mj-ea"/>
+              <a:cs typeface="+mj-cs"/>
+            </a:endParaRPr>
+          </a:p>
+        </p:txBody>
+      </p:sp>
+    </p:spTree>
+    <p:extLst>
+      <p:ext uri="{BB962C8B-B14F-4D97-AF65-F5344CB8AC3E}">
+        <p14:creationId xmlns:p14="http://schemas.microsoft.com/office/powerpoint/2010/main" val="172627691"/>
+      </p:ext>
+    </p:extLst>
+  </p:cSld>
+  <p:clrMapOvr>
+    <a:masterClrMapping/>
+  </p:clrMapOvr>
+</p:sld>
+</file>
+
+<file path=ppt/slides/slide12.xml><?xml version="1.0" encoding="utf-8"?>
+<p:sld xmlns:a="http://schemas.openxmlformats.org/drawingml/2006/main" xmlns:r="http://schemas.openxmlformats.org/officeDocument/2006/relationships" xmlns:p="http://schemas.openxmlformats.org/presentationml/2006/main">
+  <p:cSld>
+    <p:spTree>
+      <p:nvGrpSpPr>
+        <p:cNvPr id="1" name=""/>
+        <p:cNvGrpSpPr/>
+        <p:nvPr/>
+      </p:nvGrpSpPr>
+      <p:grpSpPr>
+        <a:xfrm>
+          <a:off x="0" y="0"/>
+          <a:ext cx="0" cy="0"/>
+          <a:chOff x="0" y="0"/>
+          <a:chExt cx="0" cy="0"/>
+        </a:xfrm>
+      </p:grpSpPr>
+      <p:sp>
+        <p:nvSpPr>
+          <p:cNvPr id="2" name="Title 1"/>
+          <p:cNvSpPr>
+            <a:spLocks noGrp="1"/>
+          </p:cNvSpPr>
+          <p:nvPr>
+            <p:ph type="title"/>
+          </p:nvPr>
+        </p:nvSpPr>
+        <p:spPr>
+          <a:xfrm>
+            <a:off x="838200" y="365126"/>
+            <a:ext cx="10515600" cy="806214"/>
+          </a:xfrm>
+        </p:spPr>
+        <p:txBody>
+          <a:bodyPr>
+            <a:normAutofit/>
+          </a:bodyPr>
+          <a:lstStyle/>
+          <a:p>
+            <a:r>
               <a:rPr lang="en-US" sz="3600" b="1" i="1" dirty="0">
                 <a:solidFill>
                   <a:srgbClr val="0070C0"/>
@@ -5253,11 +5393,6 @@
               </a:rPr>
               <a:t>CDW Faculty &amp; Staff</a:t>
             </a:r>
-            <a:endParaRPr lang="en-US" sz="3600" b="1" i="1" dirty="0">
-              <a:solidFill>
-                <a:srgbClr val="0070C0"/>
-              </a:solidFill>
-            </a:endParaRPr>
           </a:p>
         </p:txBody>
       </p:sp>
@@ -5297,7 +5432,23 @@
                 <a:ea typeface="+mj-ea"/>
                 <a:cs typeface="+mj-cs"/>
               </a:rPr>
-              <a:t>Ph.D. is the Chief Research Information Officer </a:t>
+              <a:t>Ph.D., Chief </a:t>
+            </a:r>
+            <a:r>
+              <a:rPr lang="en-US" sz="2200" b="1" i="1" dirty="0" smtClean="0">
+                <a:latin typeface="+mj-lt"/>
+                <a:ea typeface="+mj-ea"/>
+                <a:cs typeface="+mj-cs"/>
+              </a:rPr>
+              <a:t>Research Information </a:t>
+            </a:r>
+            <a:r>
+              <a:rPr lang="en-US" sz="2200" b="1" i="1" dirty="0" smtClean="0">
+                <a:latin typeface="+mj-lt"/>
+                <a:ea typeface="+mj-ea"/>
+                <a:cs typeface="+mj-cs"/>
+              </a:rPr>
+              <a:t>Officer, </a:t>
             </a:r>
             <a:endParaRPr lang="en-US" sz="2200" b="1" i="1" dirty="0">
               <a:latin typeface="+mj-lt"/>
@@ -5320,7 +5471,15 @@
                 <a:ea typeface="+mj-ea"/>
                 <a:cs typeface="+mj-cs"/>
               </a:rPr>
-              <a:t>Ph.D.</a:t>
+              <a:t>Ph.D</a:t>
+            </a:r>
+            <a:r>
+              <a:rPr lang="en-US" sz="2200" b="1" i="1" dirty="0" smtClean="0">
+                <a:latin typeface="+mj-lt"/>
+                <a:ea typeface="+mj-ea"/>
+                <a:cs typeface="+mj-cs"/>
+              </a:rPr>
+              <a:t>., Director of Informatics, </a:t>
             </a:r>
             <a:endParaRPr lang="en-US" sz="2200" b="1" i="1" dirty="0">
               <a:latin typeface="+mj-lt"/>
@@ -5343,51 +5502,23 @@
                 <a:ea typeface="+mj-ea"/>
                 <a:cs typeface="+mj-cs"/>
               </a:rPr>
-              <a:t>DeShea, Ph.D. </a:t>
+              <a:t>DeShea, </a:t>
+            </a:r>
+            <a:r>
+              <a:rPr lang="en-US" sz="2200" b="1" i="1" dirty="0" smtClean="0">
+                <a:latin typeface="+mj-lt"/>
+                <a:ea typeface="+mj-ea"/>
+                <a:cs typeface="+mj-cs"/>
+              </a:rPr>
+              <a:t>Ph.D., </a:t>
+            </a:r>
+            <a:r>
+              <a:rPr lang="en-US" sz="2100" dirty="0" smtClean="0"/>
+              <a:t>Senior Research Biostatistician, has </a:t>
             </a:r>
             <a:r>
               <a:rPr lang="en-US" sz="2100" dirty="0"/>
-              <a:t>is a senior research biostatistician </a:t>
-            </a:r>
-            <a:r>
-              <a:rPr lang="en-US" sz="2100" dirty="0"/>
-              <a:t>who has worked on the OUHSC campus for </a:t>
-            </a:r>
-            <a:r>
-              <a:rPr lang="en-US" sz="2100" dirty="0"/>
-              <a:t>more than 10 </a:t>
-            </a:r>
-            <a:r>
-              <a:rPr lang="en-US" sz="2100" dirty="0"/>
-              <a:t>years, following </a:t>
-            </a:r>
-            <a:r>
-              <a:rPr lang="en-US" sz="2100" dirty="0"/>
-              <a:t>her employment with OHCA as a statistician analyzing claims data in Quality Assurance. </a:t>
-            </a:r>
-            <a:r>
-              <a:rPr lang="en-US" sz="2100" dirty="0"/>
-              <a:t>She has authored 3 </a:t>
-            </a:r>
-            <a:r>
-              <a:rPr lang="en-US" sz="2100" dirty="0"/>
-              <a:t>statistics </a:t>
-            </a:r>
-            <a:r>
-              <a:rPr lang="en-US" sz="2100" dirty="0"/>
-              <a:t>textbooks and has years </a:t>
-            </a:r>
-            <a:r>
-              <a:rPr lang="en-US" sz="2100" dirty="0"/>
-              <a:t>of teaching </a:t>
-            </a:r>
-            <a:r>
-              <a:rPr lang="en-US" sz="2100" dirty="0"/>
-              <a:t>experience. Lise </a:t>
-            </a:r>
-            <a:r>
-              <a:rPr lang="en-US" sz="2100" dirty="0"/>
-              <a:t>helps researchers write presentations and papers, with 2 publications since starting with the CDW in late July.</a:t>
+              <a:t>worked on the OUHSC campus for more than 10 years, following her employment with OHCA as a statistician analyzing claims data in Quality Assurance. She has authored 3 statistics textbooks and has years of teaching experience. Lise helps researchers write presentations and papers, with 2 publications since starting with the CDW in late July.</a:t>
             </a:r>
           </a:p>
           <a:p>
@@ -5413,18 +5544,13 @@
               </a:rPr>
               <a:t>Ashley Thumann, MHA</a:t>
             </a:r>
-            <a:endParaRPr lang="en-US" sz="2200" b="1" i="1" dirty="0">
-              <a:latin typeface="+mj-lt"/>
-              <a:ea typeface="+mj-ea"/>
-              <a:cs typeface="+mj-cs"/>
-            </a:endParaRPr>
           </a:p>
         </p:txBody>
       </p:sp>
     </p:spTree>
     <p:extLst>
       <p:ext uri="{BB962C8B-B14F-4D97-AF65-F5344CB8AC3E}">
-        <p14:creationId xmlns:p14="http://schemas.microsoft.com/office/powerpoint/2010/main" val="172627691"/>
+        <p14:creationId xmlns:p14="http://schemas.microsoft.com/office/powerpoint/2010/main" val="1348329825"/>
       </p:ext>
     </p:extLst>
   </p:cSld>
@@ -5434,7 +5560,7 @@
 </p:sld>
 </file>
 
-<file path=ppt/slides/slide12.xml><?xml version="1.0" encoding="utf-8"?>
+<file path=ppt/slides/slide13.xml><?xml version="1.0" encoding="utf-8"?>
 <p:sld xmlns:a="http://schemas.openxmlformats.org/drawingml/2006/main" xmlns:r="http://schemas.openxmlformats.org/officeDocument/2006/relationships" xmlns:p="http://schemas.openxmlformats.org/presentationml/2006/main">
   <p:cSld>
     <p:spTree>
@@ -5859,7 +5985,7 @@
 </p:sld>
 </file>
 
-<file path=ppt/slides/slide13.xml><?xml version="1.0" encoding="utf-8"?>
+<file path=ppt/slides/slide14.xml><?xml version="1.0" encoding="utf-8"?>
 <p:sld xmlns:a="http://schemas.openxmlformats.org/drawingml/2006/main" xmlns:r="http://schemas.openxmlformats.org/officeDocument/2006/relationships" xmlns:p="http://schemas.openxmlformats.org/presentationml/2006/main">
   <p:cSld>
     <p:bg>
@@ -6827,7 +6953,7 @@
       </p:grpSpPr>
       <p:pic>
         <p:nvPicPr>
-          <p:cNvPr id="5" name="Picture 4"/>
+          <p:cNvPr id="4" name="Picture 3"/>
           <p:cNvPicPr>
             <a:picLocks noChangeAspect="1"/>
           </p:cNvPicPr>
@@ -6841,8 +6967,8 @@
         </p:blipFill>
         <p:spPr>
           <a:xfrm>
-            <a:off x="600075" y="0"/>
-            <a:ext cx="11591925" cy="6715125"/>
+            <a:off x="386090" y="158698"/>
+            <a:ext cx="11372927" cy="6502820"/>
           </a:xfrm>
           <a:prstGeom prst="rect">
             <a:avLst/>
@@ -6859,7 +6985,7 @@
         </p:nvSpPr>
         <p:spPr>
           <a:xfrm>
-            <a:off x="129540" y="2560321"/>
+            <a:off x="0" y="2636678"/>
             <a:ext cx="4541520" cy="1546860"/>
           </a:xfrm>
           <a:prstGeom prst="rect">
@@ -18436,17 +18562,7 @@
                   </a:schemeClr>
                 </a:solidFill>
               </a:rPr>
-              <a:t>ince 2017; page </a:t>
-            </a:r>
-            <a:r>
-              <a:rPr lang="en-US" sz="3200" dirty="0" smtClean="0">
-                <a:solidFill>
-                  <a:schemeClr val="bg1">
-                    <a:lumMod val="50000"/>
-                  </a:schemeClr>
-                </a:solidFill>
-              </a:rPr>
-              <a:t>4</a:t>
+              <a:t>ince 2017; page 4</a:t>
             </a:r>
             <a:endParaRPr lang="en-US" sz="3200" dirty="0">
               <a:solidFill>

--- a/publications/presentation-2020-12-ou-health/cdw-2020-12.pptx
+++ b/publications/presentation-2020-12-ou-health/cdw-2020-12.pptx
@@ -5252,7 +5252,7 @@
                   <a:srgbClr val="0070C0"/>
                 </a:solidFill>
               </a:rPr>
-              <a:t>National </a:t>
+              <a:t>Registry </a:t>
             </a:r>
             <a:r>
               <a:rPr lang="en-US" sz="3600" b="1" i="1" dirty="0" smtClean="0">
@@ -5260,7 +5260,7 @@
                   <a:srgbClr val="0070C0"/>
                 </a:solidFill>
               </a:rPr>
-              <a:t>Registry Projects</a:t>
+              <a:t>Projects</a:t>
             </a:r>
             <a:endParaRPr lang="en-US" sz="3600" b="1" i="1" dirty="0">
               <a:solidFill>
@@ -5298,19 +5298,68 @@
                 <a:ea typeface="+mj-ea"/>
                 <a:cs typeface="+mj-cs"/>
               </a:rPr>
-              <a:t>ORIEN (Stephenson Cancer Center)</a:t>
+              <a:t>Oncology Research Information Exchange Network (ORIEN), Stephenson Cancer Center</a:t>
             </a:r>
           </a:p>
           <a:p>
             <a:pPr lvl="1"/>
-            <a:endParaRPr lang="en-US" sz="1800" b="1" i="1" dirty="0" smtClean="0">
-              <a:latin typeface="+mj-lt"/>
-              <a:ea typeface="+mj-ea"/>
-              <a:cs typeface="+mj-cs"/>
-            </a:endParaRPr>
-          </a:p>
-          <a:p>
-            <a:endParaRPr lang="en-US" sz="2200" b="1" i="1" dirty="0">
+            <a:r>
+              <a:rPr lang="en-US" sz="1600" b="1" dirty="0" smtClean="0">
+                <a:latin typeface="+mj-lt"/>
+                <a:ea typeface="+mj-ea"/>
+                <a:cs typeface="+mj-cs"/>
+              </a:rPr>
+              <a:t>This is a study designed to create a centralized clinical data and tissue repository. </a:t>
+            </a:r>
+            <a:r>
+              <a:rPr lang="en-US" sz="1600" b="1" dirty="0" smtClean="0">
+                <a:latin typeface="+mj-lt"/>
+                <a:ea typeface="+mj-ea"/>
+                <a:cs typeface="+mj-cs"/>
+              </a:rPr>
+              <a:t>Clinical data, to include demographics, medical history, cancer classification, medical treatment, pathology records, long-term outcomes, quality of life, general health, laboratory, pathology, radiographic data/images, and cause of death, will be collected on all enrolled patients from the time of initial entry into the study and continue as long as the study remains in progress.</a:t>
+            </a:r>
+          </a:p>
+          <a:p>
+            <a:pPr lvl="1"/>
+            <a:r>
+              <a:rPr lang="en-US" sz="1600" b="1" dirty="0" smtClean="0">
+                <a:latin typeface="+mj-lt"/>
+                <a:ea typeface="+mj-ea"/>
+                <a:cs typeface="+mj-cs"/>
+              </a:rPr>
+              <a:t>Given the scope, manual data abstraction proved to be very resource intensive. The CDW team was consulted to explore the feasibility of extracting pathology records. </a:t>
+            </a:r>
+          </a:p>
+          <a:p>
+            <a:pPr lvl="1"/>
+            <a:r>
+              <a:rPr lang="en-US" sz="1600" b="1" dirty="0" smtClean="0">
+                <a:latin typeface="+mj-lt"/>
+                <a:ea typeface="+mj-ea"/>
+                <a:cs typeface="+mj-cs"/>
+              </a:rPr>
+              <a:t>The data specifications required more than the pathology result value (e.g. reference range, critical value, etc.), which necessitated the use of ‘</a:t>
+            </a:r>
+            <a:r>
+              <a:rPr lang="en-US" sz="1600" b="1" dirty="0" err="1" smtClean="0">
+                <a:latin typeface="+mj-lt"/>
+                <a:ea typeface="+mj-ea"/>
+                <a:cs typeface="+mj-cs"/>
+              </a:rPr>
+              <a:t>docdata</a:t>
+            </a:r>
+            <a:r>
+              <a:rPr lang="en-US" sz="1600" b="1" dirty="0" smtClean="0">
+                <a:latin typeface="+mj-lt"/>
+                <a:ea typeface="+mj-ea"/>
+                <a:cs typeface="+mj-cs"/>
+              </a:rPr>
+              <a:t>’, regexes for text parsing,… </a:t>
+            </a:r>
+          </a:p>
+          <a:p>
+            <a:endParaRPr lang="en-US" sz="2600" b="1" i="1" dirty="0" smtClean="0">
               <a:latin typeface="+mj-lt"/>
               <a:ea typeface="+mj-ea"/>
               <a:cs typeface="+mj-cs"/>
@@ -5323,8 +5372,59 @@
                 <a:ea typeface="+mj-ea"/>
                 <a:cs typeface="+mj-cs"/>
               </a:rPr>
-              <a:t>Renal Cancer (Urology)</a:t>
-            </a:r>
+              <a:t>Oncologic Outcomes in Renal Cell Carcinoma, OUHSC Department of Urology</a:t>
+            </a:r>
+          </a:p>
+          <a:p>
+            <a:pPr lvl="1"/>
+            <a:r>
+              <a:rPr lang="en-US" sz="1600" b="1" dirty="0">
+                <a:latin typeface="+mj-lt"/>
+                <a:ea typeface="+mj-ea"/>
+                <a:cs typeface="+mj-cs"/>
+              </a:rPr>
+              <a:t>The primary objective of this study is to establish a kidney cancer registry to enable investigations of patients evaluated and treated for kidney cancer, with emphasis on efficacy of surgical technique, postoperative complication rates, response to immunotherapy, and utility of biomarkers/genomic tests. </a:t>
+            </a:r>
+            <a:endParaRPr lang="en-US" sz="1600" b="1" dirty="0" smtClean="0">
+              <a:latin typeface="+mj-lt"/>
+              <a:ea typeface="+mj-ea"/>
+              <a:cs typeface="+mj-cs"/>
+            </a:endParaRPr>
+          </a:p>
+          <a:p>
+            <a:pPr lvl="1"/>
+            <a:r>
+              <a:rPr lang="en-US" sz="1600" b="1" dirty="0" smtClean="0">
+                <a:latin typeface="+mj-lt"/>
+                <a:ea typeface="+mj-ea"/>
+                <a:cs typeface="+mj-cs"/>
+              </a:rPr>
+              <a:t>The CDW was asked to assemble a list of patients diagnosed with kidney cancer since 2010. The study team will retrospectively populate a </a:t>
+            </a:r>
+            <a:r>
+              <a:rPr lang="en-US" sz="1600" b="1" dirty="0" err="1" smtClean="0">
+                <a:latin typeface="+mj-lt"/>
+                <a:ea typeface="+mj-ea"/>
+                <a:cs typeface="+mj-cs"/>
+              </a:rPr>
+              <a:t>REDCap</a:t>
+            </a:r>
+            <a:r>
+              <a:rPr lang="en-US" sz="1600" b="1" dirty="0" smtClean="0">
+                <a:latin typeface="+mj-lt"/>
+                <a:ea typeface="+mj-ea"/>
+                <a:cs typeface="+mj-cs"/>
+              </a:rPr>
+              <a:t> project with the desired clinical data for this cohort as well as prospectively enroll current and future patients.</a:t>
+            </a:r>
+            <a:endParaRPr lang="en-US" sz="1600" b="1" dirty="0">
+              <a:latin typeface="+mj-lt"/>
+              <a:ea typeface="+mj-ea"/>
+              <a:cs typeface="+mj-cs"/>
+            </a:endParaRPr>
+          </a:p>
+          <a:p>
+            <a:pPr lvl="1"/>
             <a:endParaRPr lang="en-US" sz="2200" b="1" i="1" dirty="0">
               <a:latin typeface="+mj-lt"/>
               <a:ea typeface="+mj-ea"/>
@@ -5414,7 +5514,7 @@
         </p:spPr>
         <p:txBody>
           <a:bodyPr>
-            <a:normAutofit lnSpcReduction="10000"/>
+            <a:normAutofit fontScale="92500" lnSpcReduction="10000"/>
           </a:bodyPr>
           <a:lstStyle/>
           <a:p>
@@ -5432,23 +5532,7 @@
                 <a:ea typeface="+mj-ea"/>
                 <a:cs typeface="+mj-cs"/>
               </a:rPr>
-              <a:t>Ph.D., Chief </a:t>
-            </a:r>
-            <a:r>
-              <a:rPr lang="en-US" sz="2200" b="1" i="1" dirty="0" smtClean="0">
-                <a:latin typeface="+mj-lt"/>
-                <a:ea typeface="+mj-ea"/>
-                <a:cs typeface="+mj-cs"/>
-              </a:rPr>
-              <a:t>Research Information </a:t>
-            </a:r>
-            <a:r>
-              <a:rPr lang="en-US" sz="2200" b="1" i="1" dirty="0" smtClean="0">
-                <a:latin typeface="+mj-lt"/>
-                <a:ea typeface="+mj-ea"/>
-                <a:cs typeface="+mj-cs"/>
-              </a:rPr>
-              <a:t>Officer, </a:t>
+              <a:t>Ph.D., Chief Research Information Officer, </a:t>
             </a:r>
             <a:endParaRPr lang="en-US" sz="2200" b="1" i="1" dirty="0">
               <a:latin typeface="+mj-lt"/>
@@ -5471,7 +5555,7 @@
                 <a:ea typeface="+mj-ea"/>
                 <a:cs typeface="+mj-cs"/>
               </a:rPr>
-              <a:t>Ph.D</a:t>
+              <a:t>Ph.D., </a:t>
             </a:r>
             <a:r>
               <a:rPr lang="en-US" sz="2200" b="1" i="1" dirty="0" smtClean="0">
@@ -5479,7 +5563,15 @@
                 <a:ea typeface="+mj-ea"/>
                 <a:cs typeface="+mj-cs"/>
               </a:rPr>
-              <a:t>., Director of Informatics, </a:t>
+              <a:t>BBMC Director </a:t>
+            </a:r>
+            <a:r>
+              <a:rPr lang="en-US" sz="2200" b="1" i="1" dirty="0" smtClean="0">
+                <a:latin typeface="+mj-lt"/>
+                <a:ea typeface="+mj-ea"/>
+                <a:cs typeface="+mj-cs"/>
+              </a:rPr>
+              <a:t>of Informatics, </a:t>
             </a:r>
             <a:endParaRPr lang="en-US" sz="2200" b="1" i="1" dirty="0">
               <a:latin typeface="+mj-lt"/>
@@ -5510,15 +5602,101 @@
                 <a:ea typeface="+mj-ea"/>
                 <a:cs typeface="+mj-cs"/>
               </a:rPr>
-              <a:t>Ph.D., </a:t>
+              <a:t>Ph.D. </a:t>
+            </a:r>
+            <a:r>
+              <a:rPr lang="en-US" sz="2100" dirty="0"/>
+              <a:t>is a </a:t>
             </a:r>
             <a:r>
               <a:rPr lang="en-US" sz="2100" dirty="0" smtClean="0"/>
-              <a:t>Senior Research Biostatistician, has </a:t>
+              <a:t>senior research biostatistician who has </a:t>
             </a:r>
             <a:r>
               <a:rPr lang="en-US" sz="2100" dirty="0"/>
-              <a:t>worked on the OUHSC campus for more than 10 years, following her employment with OHCA as a statistician analyzing claims data in Quality Assurance. She has authored 3 statistics textbooks and has years of teaching experience. Lise helps researchers write presentations and papers, with 2 publications since starting with the CDW in late July.</a:t>
+              <a:t>worked on the OUHSC campus for more than 10 years, following her employment with OHCA as a statistician analyzing claims data in Quality Assurance. She has authored 3 statistics </a:t>
+            </a:r>
+            <a:r>
+              <a:rPr lang="en-US" sz="2100" dirty="0" smtClean="0"/>
+              <a:t>textbooks, has </a:t>
+            </a:r>
+            <a:r>
+              <a:rPr lang="en-US" sz="2100" dirty="0"/>
+              <a:t>years of teaching </a:t>
+            </a:r>
+            <a:r>
+              <a:rPr lang="en-US" sz="2100" dirty="0" smtClean="0"/>
+              <a:t>experience, and expertise related to manuscript writing and presentation development. Lise joined the CDW team in July 2020.</a:t>
+            </a:r>
+          </a:p>
+          <a:p>
+            <a:r>
+              <a:rPr lang="en-US" sz="2200" b="1" i="1" dirty="0" smtClean="0">
+                <a:latin typeface="+mj-lt"/>
+                <a:ea typeface="+mj-ea"/>
+                <a:cs typeface="+mj-cs"/>
+              </a:rPr>
+              <a:t>Geneva Marshall, MA </a:t>
+            </a:r>
+            <a:r>
+              <a:rPr lang="en-US" sz="2100" dirty="0"/>
+              <a:t>joined the Clinical Data Warehouse team </a:t>
+            </a:r>
+            <a:r>
+              <a:rPr lang="en-US" sz="2100" dirty="0" smtClean="0"/>
+              <a:t>in August 2020 after </a:t>
+            </a:r>
+            <a:r>
+              <a:rPr lang="en-US" sz="2100" dirty="0"/>
+              <a:t>spending 8 years </a:t>
+            </a:r>
+            <a:r>
+              <a:rPr lang="en-US" sz="2100" dirty="0" smtClean="0"/>
+              <a:t>supporting </a:t>
+            </a:r>
+            <a:r>
+              <a:rPr lang="en-US" sz="2100" dirty="0"/>
+              <a:t>academic research </a:t>
+            </a:r>
+            <a:r>
+              <a:rPr lang="en-US" sz="2100" dirty="0" smtClean="0"/>
+              <a:t>led by </a:t>
+            </a:r>
+            <a:r>
+              <a:rPr lang="en-US" sz="2100" dirty="0"/>
+              <a:t>Drs. Bard and Beasley. </a:t>
+            </a:r>
+            <a:r>
+              <a:rPr lang="en-US" sz="2100" dirty="0" smtClean="0"/>
+              <a:t>Her experience includes the </a:t>
+            </a:r>
+            <a:r>
+              <a:rPr lang="en-US" sz="2100" dirty="0"/>
+              <a:t>expansion and upkeep of a data pipeline using R and SQL to combine </a:t>
+            </a:r>
+            <a:r>
+              <a:rPr lang="en-US" sz="2100" dirty="0" smtClean="0"/>
+              <a:t>datasets </a:t>
+            </a:r>
+            <a:r>
+              <a:rPr lang="en-US" sz="2100" dirty="0"/>
+              <a:t>for the Maternal, Infant, and Early Childhood Home Visiting programs evaluation, as well as </a:t>
+            </a:r>
+            <a:r>
+              <a:rPr lang="en-US" sz="2100" dirty="0" smtClean="0"/>
+              <a:t>working </a:t>
+            </a:r>
+            <a:r>
+              <a:rPr lang="en-US" sz="2100" dirty="0"/>
+              <a:t>with biostatisticians to create and streamline a common set of procedures and functions in R for performing multiple imputation, elastic net variable selection, analysis, and visualization on these data. </a:t>
+            </a:r>
+            <a:r>
+              <a:rPr lang="en-US" sz="2100" dirty="0" smtClean="0"/>
+              <a:t>Geneva anticipates graduating </a:t>
+            </a:r>
+            <a:r>
+              <a:rPr lang="en-US" sz="2100" dirty="0"/>
+              <a:t>OSU in May with a MS in Business Analytics and an emphasis in Data Science.</a:t>
             </a:r>
           </a:p>
           <a:p>
@@ -5528,22 +5706,29 @@
                 <a:ea typeface="+mj-ea"/>
                 <a:cs typeface="+mj-cs"/>
               </a:rPr>
-              <a:t>Geneva Marshall </a:t>
-            </a:r>
-            <a:r>
-              <a:rPr lang="en-US" sz="2100" dirty="0"/>
-              <a:t>joined the Clinical Data Warehouse team after spending 8 years at OUHSC supporting academic research under Drs. Bard and Beasley. She spent the last 5 years supporting the expansion and upkeep of a data pipeline using R and SQL to combine several datasets for the Maternal, Infant, and Early Childhood Home Visiting programs evaluation, as well as working with biostatisticians to create and streamline a common set of procedures and functions in R for performing multiple imputation, elastic net variable selection, analysis, and visualization on these data. She expects to graduate OSU in May with a MS in Business Analytics and an emphasis in Data Science.</a:t>
-            </a:r>
-          </a:p>
-          <a:p>
-            <a:r>
-              <a:rPr lang="en-US" sz="2200" b="1" i="1" dirty="0">
+              <a:t>Ashley Thumann, </a:t>
+            </a:r>
+            <a:r>
+              <a:rPr lang="en-US" sz="2200" b="1" i="1" dirty="0" smtClean="0">
                 <a:latin typeface="+mj-lt"/>
                 <a:ea typeface="+mj-ea"/>
                 <a:cs typeface="+mj-cs"/>
               </a:rPr>
-              <a:t>Ashley Thumann, MHA</a:t>
-            </a:r>
+              <a:t>MHA </a:t>
+            </a:r>
+            <a:r>
+              <a:rPr lang="en-US" sz="2100" dirty="0" smtClean="0"/>
+              <a:t>has 15 years of healthcare administration experience. Prior to joining the CDW team in October 2017, she served as a Clinic Administrator and Quality Manager for OU Physicians. Ashley has end-user experience with many of the data systems on </a:t>
+            </a:r>
+            <a:r>
+              <a:rPr lang="en-US" sz="2100" dirty="0" smtClean="0"/>
+              <a:t>campus a</a:t>
+            </a:r>
+            <a:r>
+              <a:rPr lang="en-US" sz="2100" dirty="0" smtClean="0"/>
+              <a:t>nd is the CDW’s primary liaison with investigators.</a:t>
+            </a:r>
+            <a:endParaRPr lang="en-US" sz="2100" dirty="0"/>
           </a:p>
         </p:txBody>
       </p:sp>
@@ -20084,7 +20269,7 @@
       </p:grpSpPr>
       <p:pic>
         <p:nvPicPr>
-          <p:cNvPr id="5" name="Picture 4"/>
+          <p:cNvPr id="7" name="Picture 6"/>
           <p:cNvPicPr>
             <a:picLocks noChangeAspect="1"/>
           </p:cNvPicPr>
@@ -20097,13 +20282,14 @@
           </a:stretch>
         </p:blipFill>
         <p:spPr>
-          <a:xfrm>
-            <a:off x="7463176" y="1720312"/>
-            <a:ext cx="4699442" cy="2582351"/>
+          <a:xfrm flipH="1">
+            <a:off x="7350668" y="1710492"/>
+            <a:ext cx="4429632" cy="2532778"/>
           </a:xfrm>
           <a:prstGeom prst="rect">
             <a:avLst/>
           </a:prstGeom>
+          <a:effectLst/>
         </p:spPr>
       </p:pic>
       <p:sp>
